--- a/docs/diagrams/ModelComponentClassDiagram.pptx
+++ b/docs/diagrams/ModelComponentClassDiagram.pptx
@@ -5,10 +5,11 @@
     <p:sldMasterId id="2147483648" r:id="rId1"/>
   </p:sldMasterIdLst>
   <p:notesMasterIdLst>
-    <p:notesMasterId r:id="rId3"/>
+    <p:notesMasterId r:id="rId4"/>
   </p:notesMasterIdLst>
   <p:sldIdLst>
     <p:sldId id="263" r:id="rId2"/>
+    <p:sldId id="264" r:id="rId3"/>
   </p:sldIdLst>
   <p:sldSz cx="9144000" cy="6858000" type="screen4x3"/>
   <p:notesSz cx="6858000" cy="9144000"/>
@@ -208,7 +209,7 @@
           <a:p>
             <a:fld id="{F5CC4B3F-88C1-4FFA-B1B6-F41C21DC6924}" type="datetimeFigureOut">
               <a:rPr lang="en-US" smtClean="0"/>
-              <a:t>12/5/2018</a:t>
+              <a:t>28-Feb-19</a:t>
             </a:fld>
             <a:endParaRPr lang="en-US"/>
           </a:p>
@@ -654,7 +655,7 @@
           <a:p>
             <a:fld id="{78C97017-6FC3-485B-9764-EAC9E56C1D49}" type="datetimeFigureOut">
               <a:rPr lang="en-US" smtClean="0"/>
-              <a:t>12/5/2018</a:t>
+              <a:t>28-Feb-19</a:t>
             </a:fld>
             <a:endParaRPr lang="en-US"/>
           </a:p>
@@ -822,7 +823,7 @@
           <a:p>
             <a:fld id="{78C97017-6FC3-485B-9764-EAC9E56C1D49}" type="datetimeFigureOut">
               <a:rPr lang="en-US" smtClean="0"/>
-              <a:t>12/5/2018</a:t>
+              <a:t>28-Feb-19</a:t>
             </a:fld>
             <a:endParaRPr lang="en-US"/>
           </a:p>
@@ -1000,7 +1001,7 @@
           <a:p>
             <a:fld id="{78C97017-6FC3-485B-9764-EAC9E56C1D49}" type="datetimeFigureOut">
               <a:rPr lang="en-US" smtClean="0"/>
-              <a:t>12/5/2018</a:t>
+              <a:t>28-Feb-19</a:t>
             </a:fld>
             <a:endParaRPr lang="en-US"/>
           </a:p>
@@ -1168,7 +1169,7 @@
           <a:p>
             <a:fld id="{78C97017-6FC3-485B-9764-EAC9E56C1D49}" type="datetimeFigureOut">
               <a:rPr lang="en-US" smtClean="0"/>
-              <a:t>12/5/2018</a:t>
+              <a:t>28-Feb-19</a:t>
             </a:fld>
             <a:endParaRPr lang="en-US"/>
           </a:p>
@@ -1413,7 +1414,7 @@
           <a:p>
             <a:fld id="{78C97017-6FC3-485B-9764-EAC9E56C1D49}" type="datetimeFigureOut">
               <a:rPr lang="en-US" smtClean="0"/>
-              <a:t>12/5/2018</a:t>
+              <a:t>28-Feb-19</a:t>
             </a:fld>
             <a:endParaRPr lang="en-US"/>
           </a:p>
@@ -1698,7 +1699,7 @@
           <a:p>
             <a:fld id="{78C97017-6FC3-485B-9764-EAC9E56C1D49}" type="datetimeFigureOut">
               <a:rPr lang="en-US" smtClean="0"/>
-              <a:t>12/5/2018</a:t>
+              <a:t>28-Feb-19</a:t>
             </a:fld>
             <a:endParaRPr lang="en-US"/>
           </a:p>
@@ -2117,7 +2118,7 @@
           <a:p>
             <a:fld id="{78C97017-6FC3-485B-9764-EAC9E56C1D49}" type="datetimeFigureOut">
               <a:rPr lang="en-US" smtClean="0"/>
-              <a:t>12/5/2018</a:t>
+              <a:t>28-Feb-19</a:t>
             </a:fld>
             <a:endParaRPr lang="en-US"/>
           </a:p>
@@ -2234,7 +2235,7 @@
           <a:p>
             <a:fld id="{78C97017-6FC3-485B-9764-EAC9E56C1D49}" type="datetimeFigureOut">
               <a:rPr lang="en-US" smtClean="0"/>
-              <a:t>12/5/2018</a:t>
+              <a:t>28-Feb-19</a:t>
             </a:fld>
             <a:endParaRPr lang="en-US"/>
           </a:p>
@@ -2329,7 +2330,7 @@
           <a:p>
             <a:fld id="{78C97017-6FC3-485B-9764-EAC9E56C1D49}" type="datetimeFigureOut">
               <a:rPr lang="en-US" smtClean="0"/>
-              <a:t>12/5/2018</a:t>
+              <a:t>28-Feb-19</a:t>
             </a:fld>
             <a:endParaRPr lang="en-US"/>
           </a:p>
@@ -2604,7 +2605,7 @@
           <a:p>
             <a:fld id="{78C97017-6FC3-485B-9764-EAC9E56C1D49}" type="datetimeFigureOut">
               <a:rPr lang="en-US" smtClean="0"/>
-              <a:t>12/5/2018</a:t>
+              <a:t>28-Feb-19</a:t>
             </a:fld>
             <a:endParaRPr lang="en-US"/>
           </a:p>
@@ -2856,7 +2857,7 @@
           <a:p>
             <a:fld id="{78C97017-6FC3-485B-9764-EAC9E56C1D49}" type="datetimeFigureOut">
               <a:rPr lang="en-US" smtClean="0"/>
-              <a:t>12/5/2018</a:t>
+              <a:t>28-Feb-19</a:t>
             </a:fld>
             <a:endParaRPr lang="en-US"/>
           </a:p>
@@ -3067,7 +3068,7 @@
           <a:p>
             <a:fld id="{78C97017-6FC3-485B-9764-EAC9E56C1D49}" type="datetimeFigureOut">
               <a:rPr lang="en-US" smtClean="0"/>
-              <a:t>12/5/2018</a:t>
+              <a:t>28-Feb-19</a:t>
             </a:fld>
             <a:endParaRPr lang="en-US"/>
           </a:p>
@@ -3825,7 +3826,9 @@
       <p:cxnSp>
         <p:nvCxnSpPr>
           <p:cNvPr id="75" name="Elbow Connector 122"/>
-          <p:cNvCxnSpPr/>
+          <p:cNvCxnSpPr>
+            <a:cxnSpLocks/>
+          </p:cNvCxnSpPr>
           <p:nvPr/>
         </p:nvCxnSpPr>
         <p:spPr>
@@ -3869,6 +3872,7 @@
         <p:nvCxnSpPr>
           <p:cNvPr id="21" name="Straight Connector 20"/>
           <p:cNvCxnSpPr>
+            <a:cxnSpLocks/>
             <a:stCxn id="120" idx="3"/>
           </p:cNvCxnSpPr>
           <p:nvPr/>
@@ -4011,6 +4015,7 @@
         <p:nvCxnSpPr>
           <p:cNvPr id="47" name="Straight Arrow Connector 46"/>
           <p:cNvCxnSpPr>
+            <a:cxnSpLocks/>
             <a:stCxn id="48" idx="3"/>
             <a:endCxn id="46" idx="1"/>
           </p:cNvCxnSpPr>
@@ -4301,6 +4306,7 @@
         <p:nvCxnSpPr>
           <p:cNvPr id="64" name="Elbow Connector 63"/>
           <p:cNvCxnSpPr>
+            <a:cxnSpLocks/>
             <a:stCxn id="63" idx="3"/>
             <a:endCxn id="62" idx="1"/>
           </p:cNvCxnSpPr>
@@ -4541,6 +4547,7 @@
         <p:nvCxnSpPr>
           <p:cNvPr id="81" name="Elbow Connector 80"/>
           <p:cNvCxnSpPr>
+            <a:cxnSpLocks/>
             <a:stCxn id="78" idx="3"/>
             <a:endCxn id="80" idx="1"/>
           </p:cNvCxnSpPr>
@@ -4638,6 +4645,7 @@
         <p:nvCxnSpPr>
           <p:cNvPr id="84" name="Elbow Connector 83"/>
           <p:cNvCxnSpPr>
+            <a:cxnSpLocks/>
             <a:stCxn id="78" idx="3"/>
             <a:endCxn id="83" idx="1"/>
           </p:cNvCxnSpPr>
@@ -4735,6 +4743,7 @@
         <p:nvCxnSpPr>
           <p:cNvPr id="86" name="Elbow Connector 85"/>
           <p:cNvCxnSpPr>
+            <a:cxnSpLocks/>
             <a:stCxn id="78" idx="3"/>
             <a:endCxn id="85" idx="1"/>
           </p:cNvCxnSpPr>
@@ -4931,7 +4940,7 @@
                   <a:srgbClr val="7030A0"/>
                 </a:solidFill>
               </a:rPr>
-              <a:t>ReadOnlyAddressBook</a:t>
+              <a:t>ReadOnlyBook</a:t>
             </a:r>
             <a:endParaRPr lang="en-SG" sz="1050" dirty="0">
               <a:solidFill>
@@ -5055,6 +5064,7 @@
         <p:nvCxnSpPr>
           <p:cNvPr id="124" name="Elbow Connector 122"/>
           <p:cNvCxnSpPr>
+            <a:cxnSpLocks/>
             <a:stCxn id="119" idx="1"/>
             <a:endCxn id="122" idx="1"/>
           </p:cNvCxnSpPr>
@@ -5505,6 +5515,7 @@
         <p:nvCxnSpPr>
           <p:cNvPr id="60" name="Straight Arrow Connector 59"/>
           <p:cNvCxnSpPr>
+            <a:cxnSpLocks/>
             <a:stCxn id="51" idx="1"/>
             <a:endCxn id="49" idx="1"/>
           </p:cNvCxnSpPr>
@@ -5598,6 +5609,7 @@
         <p:nvCxnSpPr>
           <p:cNvPr id="69" name="Elbow Connector 63"/>
           <p:cNvCxnSpPr>
+            <a:cxnSpLocks/>
             <a:stCxn id="68" idx="3"/>
             <a:endCxn id="55" idx="1"/>
           </p:cNvCxnSpPr>
@@ -5824,6 +5836,4629 @@
     <p:extLst>
       <p:ext uri="{BB962C8B-B14F-4D97-AF65-F5344CB8AC3E}">
         <p14:creationId xmlns:p14="http://schemas.microsoft.com/office/powerpoint/2010/main" val="2396968029"/>
+      </p:ext>
+    </p:extLst>
+  </p:cSld>
+  <p:clrMapOvr>
+    <a:masterClrMapping/>
+  </p:clrMapOvr>
+</p:sld>
+</file>
+
+<file path=ppt/slides/slide2.xml><?xml version="1.0" encoding="utf-8"?>
+<p:sld xmlns:a="http://schemas.openxmlformats.org/drawingml/2006/main" xmlns:r="http://schemas.openxmlformats.org/officeDocument/2006/relationships" xmlns:p="http://schemas.openxmlformats.org/presentationml/2006/main">
+  <p:cSld>
+    <p:spTree>
+      <p:nvGrpSpPr>
+        <p:cNvPr id="1" name=""/>
+        <p:cNvGrpSpPr/>
+        <p:nvPr/>
+      </p:nvGrpSpPr>
+      <p:grpSpPr>
+        <a:xfrm>
+          <a:off x="0" y="0"/>
+          <a:ext cx="0" cy="0"/>
+          <a:chOff x="0" y="0"/>
+          <a:chExt cx="0" cy="0"/>
+        </a:xfrm>
+      </p:grpSpPr>
+      <p:sp>
+        <p:nvSpPr>
+          <p:cNvPr id="118" name="Rectangle 65"/>
+          <p:cNvSpPr/>
+          <p:nvPr/>
+        </p:nvSpPr>
+        <p:spPr>
+          <a:xfrm>
+            <a:off x="1066800" y="238291"/>
+            <a:ext cx="7784132" cy="6581504"/>
+          </a:xfrm>
+          <a:prstGeom prst="roundRect">
+            <a:avLst>
+              <a:gd name="adj" fmla="val 3484"/>
+            </a:avLst>
+          </a:prstGeom>
+          <a:solidFill>
+            <a:schemeClr val="accent4">
+              <a:lumMod val="20000"/>
+              <a:lumOff val="80000"/>
+            </a:schemeClr>
+          </a:solidFill>
+          <a:ln w="19050">
+            <a:noFill/>
+          </a:ln>
+          <a:effectLst/>
+        </p:spPr>
+        <p:style>
+          <a:lnRef idx="1">
+            <a:schemeClr val="accent2"/>
+          </a:lnRef>
+          <a:fillRef idx="2">
+            <a:schemeClr val="accent2"/>
+          </a:fillRef>
+          <a:effectRef idx="1">
+            <a:schemeClr val="accent2"/>
+          </a:effectRef>
+          <a:fontRef idx="minor">
+            <a:schemeClr val="dk1"/>
+          </a:fontRef>
+        </p:style>
+        <p:txBody>
+          <a:bodyPr rtlCol="0" anchor="t"/>
+          <a:lstStyle/>
+          <a:p>
+            <a:r>
+              <a:rPr lang="en-US" sz="1200" b="1" dirty="0">
+                <a:solidFill>
+                  <a:srgbClr val="7030A0"/>
+                </a:solidFill>
+              </a:rPr>
+              <a:t>Model</a:t>
+            </a:r>
+            <a:endParaRPr lang="en-SG" sz="1200" b="1" dirty="0">
+              <a:solidFill>
+                <a:srgbClr val="7030A0"/>
+              </a:solidFill>
+            </a:endParaRPr>
+          </a:p>
+        </p:txBody>
+      </p:sp>
+      <p:sp>
+        <p:nvSpPr>
+          <p:cNvPr id="2" name="Rectangle 8"/>
+          <p:cNvSpPr/>
+          <p:nvPr/>
+        </p:nvSpPr>
+        <p:spPr>
+          <a:xfrm>
+            <a:off x="2825280" y="3463240"/>
+            <a:ext cx="878211" cy="346760"/>
+          </a:xfrm>
+          <a:prstGeom prst="rect">
+            <a:avLst/>
+          </a:prstGeom>
+          <a:ln w="19050">
+            <a:solidFill>
+              <a:srgbClr val="7030A0"/>
+            </a:solidFill>
+          </a:ln>
+          <a:effectLst/>
+        </p:spPr>
+        <p:style>
+          <a:lnRef idx="1">
+            <a:schemeClr val="accent4"/>
+          </a:lnRef>
+          <a:fillRef idx="2">
+            <a:schemeClr val="accent4"/>
+          </a:fillRef>
+          <a:effectRef idx="1">
+            <a:schemeClr val="accent4"/>
+          </a:effectRef>
+          <a:fontRef idx="minor">
+            <a:schemeClr val="dk1"/>
+          </a:fontRef>
+        </p:style>
+        <p:txBody>
+          <a:bodyPr rtlCol="0" anchor="ctr"/>
+          <a:lstStyle/>
+          <a:p>
+            <a:pPr algn="ctr"/>
+            <a:r>
+              <a:rPr lang="en-US" sz="1050" dirty="0" err="1">
+                <a:solidFill>
+                  <a:srgbClr val="7030A0"/>
+                </a:solidFill>
+              </a:rPr>
+              <a:t>UserPrefs</a:t>
+            </a:r>
+            <a:endParaRPr lang="en-SG" sz="1050" dirty="0">
+              <a:solidFill>
+                <a:srgbClr val="7030A0"/>
+              </a:solidFill>
+            </a:endParaRPr>
+          </a:p>
+        </p:txBody>
+      </p:sp>
+      <p:sp>
+        <p:nvSpPr>
+          <p:cNvPr id="9" name="Rectangle 62"/>
+          <p:cNvSpPr/>
+          <p:nvPr/>
+        </p:nvSpPr>
+        <p:spPr>
+          <a:xfrm rot="16200000">
+            <a:off x="1661548" y="3097750"/>
+            <a:ext cx="1093635" cy="346760"/>
+          </a:xfrm>
+          <a:prstGeom prst="rect">
+            <a:avLst/>
+          </a:prstGeom>
+          <a:solidFill>
+            <a:srgbClr val="7030A0"/>
+          </a:solidFill>
+          <a:ln w="19050">
+            <a:solidFill>
+              <a:srgbClr val="7030A0"/>
+            </a:solidFill>
+          </a:ln>
+          <a:effectLst/>
+        </p:spPr>
+        <p:style>
+          <a:lnRef idx="1">
+            <a:schemeClr val="accent2"/>
+          </a:lnRef>
+          <a:fillRef idx="2">
+            <a:schemeClr val="accent2"/>
+          </a:fillRef>
+          <a:effectRef idx="1">
+            <a:schemeClr val="accent2"/>
+          </a:effectRef>
+          <a:fontRef idx="minor">
+            <a:schemeClr val="dk1"/>
+          </a:fontRef>
+        </p:style>
+        <p:txBody>
+          <a:bodyPr rtlCol="0" anchor="ctr"/>
+          <a:lstStyle/>
+          <a:p>
+            <a:pPr algn="ctr"/>
+            <a:r>
+              <a:rPr lang="en-US" sz="1050" dirty="0" err="1">
+                <a:solidFill>
+                  <a:schemeClr val="bg1"/>
+                </a:solidFill>
+              </a:rPr>
+              <a:t>ModelManager</a:t>
+            </a:r>
+            <a:endParaRPr lang="en-SG" sz="1050" dirty="0">
+              <a:solidFill>
+                <a:schemeClr val="bg1"/>
+              </a:solidFill>
+            </a:endParaRPr>
+          </a:p>
+        </p:txBody>
+      </p:sp>
+      <p:cxnSp>
+        <p:nvCxnSpPr>
+          <p:cNvPr id="107" name="Elbow Connector 106"/>
+          <p:cNvCxnSpPr>
+            <a:cxnSpLocks/>
+            <a:stCxn id="9" idx="1"/>
+            <a:endCxn id="62" idx="2"/>
+          </p:cNvCxnSpPr>
+          <p:nvPr/>
+        </p:nvCxnSpPr>
+        <p:spPr>
+          <a:xfrm rot="16200000" flipH="1">
+            <a:off x="3723793" y="2302521"/>
+            <a:ext cx="1773157" cy="4804010"/>
+          </a:xfrm>
+          <a:prstGeom prst="bentConnector3">
+            <a:avLst>
+              <a:gd name="adj1" fmla="val 112892"/>
+            </a:avLst>
+          </a:prstGeom>
+          <a:ln w="19050">
+            <a:solidFill>
+              <a:srgbClr val="7030A0"/>
+            </a:solidFill>
+            <a:prstDash val="solid"/>
+            <a:headEnd type="none" w="med" len="med"/>
+            <a:tailEnd type="arrow" w="med" len="med"/>
+          </a:ln>
+          <a:effectLst/>
+        </p:spPr>
+        <p:style>
+          <a:lnRef idx="1">
+            <a:schemeClr val="accent2"/>
+          </a:lnRef>
+          <a:fillRef idx="2">
+            <a:schemeClr val="accent2"/>
+          </a:fillRef>
+          <a:effectRef idx="1">
+            <a:schemeClr val="accent2"/>
+          </a:effectRef>
+          <a:fontRef idx="minor">
+            <a:schemeClr val="dk1"/>
+          </a:fontRef>
+        </p:style>
+      </p:cxnSp>
+      <p:sp>
+        <p:nvSpPr>
+          <p:cNvPr id="119" name="Rectangle 62"/>
+          <p:cNvSpPr/>
+          <p:nvPr/>
+        </p:nvSpPr>
+        <p:spPr>
+          <a:xfrm rot="16200000">
+            <a:off x="956202" y="2861202"/>
+            <a:ext cx="1093635" cy="346760"/>
+          </a:xfrm>
+          <a:prstGeom prst="rect">
+            <a:avLst/>
+          </a:prstGeom>
+          <a:solidFill>
+            <a:srgbClr val="7030A0"/>
+          </a:solidFill>
+          <a:ln w="19050">
+            <a:solidFill>
+              <a:srgbClr val="7030A0"/>
+            </a:solidFill>
+          </a:ln>
+          <a:effectLst/>
+        </p:spPr>
+        <p:style>
+          <a:lnRef idx="1">
+            <a:schemeClr val="accent2"/>
+          </a:lnRef>
+          <a:fillRef idx="2">
+            <a:schemeClr val="accent2"/>
+          </a:fillRef>
+          <a:effectRef idx="1">
+            <a:schemeClr val="accent2"/>
+          </a:effectRef>
+          <a:fontRef idx="minor">
+            <a:schemeClr val="dk1"/>
+          </a:fontRef>
+        </p:style>
+        <p:txBody>
+          <a:bodyPr rtlCol="0" anchor="ctr"/>
+          <a:lstStyle/>
+          <a:p>
+            <a:pPr algn="ctr"/>
+            <a:r>
+              <a:rPr lang="en-US" sz="1050" dirty="0">
+                <a:solidFill>
+                  <a:schemeClr val="bg1"/>
+                </a:solidFill>
+              </a:rPr>
+              <a:t>&lt;&lt;interface&gt;&gt;</a:t>
+            </a:r>
+          </a:p>
+          <a:p>
+            <a:pPr algn="ctr"/>
+            <a:r>
+              <a:rPr lang="en-US" sz="1050" dirty="0">
+                <a:solidFill>
+                  <a:schemeClr val="bg1"/>
+                </a:solidFill>
+              </a:rPr>
+              <a:t>Model</a:t>
+            </a:r>
+            <a:endParaRPr lang="en-SG" sz="1050" dirty="0">
+              <a:solidFill>
+                <a:schemeClr val="bg1"/>
+              </a:solidFill>
+            </a:endParaRPr>
+          </a:p>
+        </p:txBody>
+      </p:sp>
+      <p:sp>
+        <p:nvSpPr>
+          <p:cNvPr id="120" name="Isosceles Triangle 102"/>
+          <p:cNvSpPr/>
+          <p:nvPr/>
+        </p:nvSpPr>
+        <p:spPr>
+          <a:xfrm rot="16200000">
+            <a:off x="1626910" y="2952291"/>
+            <a:ext cx="270504" cy="175523"/>
+          </a:xfrm>
+          <a:prstGeom prst="triangle">
+            <a:avLst/>
+          </a:prstGeom>
+          <a:solidFill>
+            <a:srgbClr val="7030A0"/>
+          </a:solidFill>
+          <a:ln w="19050">
+            <a:solidFill>
+              <a:srgbClr val="7030A0"/>
+            </a:solidFill>
+          </a:ln>
+          <a:effectLst/>
+        </p:spPr>
+        <p:style>
+          <a:lnRef idx="1">
+            <a:schemeClr val="accent6"/>
+          </a:lnRef>
+          <a:fillRef idx="2">
+            <a:schemeClr val="accent6"/>
+          </a:fillRef>
+          <a:effectRef idx="1">
+            <a:schemeClr val="accent6"/>
+          </a:effectRef>
+          <a:fontRef idx="minor">
+            <a:schemeClr val="dk1"/>
+          </a:fontRef>
+        </p:style>
+        <p:txBody>
+          <a:bodyPr rtlCol="0" anchor="ctr"/>
+          <a:lstStyle/>
+          <a:p>
+            <a:pPr algn="ctr"/>
+            <a:endParaRPr lang="en-SG" sz="1050"/>
+          </a:p>
+        </p:txBody>
+      </p:sp>
+      <p:cxnSp>
+        <p:nvCxnSpPr>
+          <p:cNvPr id="58" name="Straight Arrow Connector 57"/>
+          <p:cNvCxnSpPr>
+            <a:cxnSpLocks/>
+            <a:stCxn id="42" idx="3"/>
+            <a:endCxn id="2" idx="1"/>
+          </p:cNvCxnSpPr>
+          <p:nvPr/>
+        </p:nvCxnSpPr>
+        <p:spPr>
+          <a:xfrm>
+            <a:off x="2609828" y="3636620"/>
+            <a:ext cx="215452" cy="0"/>
+          </a:xfrm>
+          <a:prstGeom prst="straightConnector1">
+            <a:avLst/>
+          </a:prstGeom>
+          <a:ln w="19050">
+            <a:solidFill>
+              <a:srgbClr val="7030A0"/>
+            </a:solidFill>
+            <a:headEnd type="none" w="med" len="med"/>
+            <a:tailEnd type="arrow" w="med" len="med"/>
+          </a:ln>
+          <a:effectLst/>
+        </p:spPr>
+        <p:style>
+          <a:lnRef idx="1">
+            <a:schemeClr val="accent2"/>
+          </a:lnRef>
+          <a:fillRef idx="2">
+            <a:schemeClr val="accent2"/>
+          </a:fillRef>
+          <a:effectRef idx="1">
+            <a:schemeClr val="accent2"/>
+          </a:effectRef>
+          <a:fontRef idx="minor">
+            <a:schemeClr val="dk1"/>
+          </a:fontRef>
+        </p:style>
+      </p:cxnSp>
+      <p:cxnSp>
+        <p:nvCxnSpPr>
+          <p:cNvPr id="75" name="Elbow Connector 122"/>
+          <p:cNvCxnSpPr>
+            <a:cxnSpLocks/>
+          </p:cNvCxnSpPr>
+          <p:nvPr/>
+        </p:nvCxnSpPr>
+        <p:spPr>
+          <a:xfrm>
+            <a:off x="910091" y="3040053"/>
+            <a:ext cx="419548" cy="2860"/>
+          </a:xfrm>
+          <a:prstGeom prst="bentConnector3">
+            <a:avLst>
+              <a:gd name="adj1" fmla="val 50000"/>
+            </a:avLst>
+          </a:prstGeom>
+          <a:ln w="19050">
+            <a:solidFill>
+              <a:schemeClr val="bg1">
+                <a:lumMod val="75000"/>
+              </a:schemeClr>
+            </a:solidFill>
+            <a:prstDash val="sysDot"/>
+            <a:headEnd type="none" w="med" len="med"/>
+            <a:tailEnd type="arrow" w="med" len="med"/>
+          </a:ln>
+          <a:effectLst/>
+        </p:spPr>
+        <p:style>
+          <a:lnRef idx="1">
+            <a:schemeClr val="accent2"/>
+          </a:lnRef>
+          <a:fillRef idx="2">
+            <a:schemeClr val="accent2"/>
+          </a:fillRef>
+          <a:effectRef idx="1">
+            <a:schemeClr val="accent2"/>
+          </a:effectRef>
+          <a:fontRef idx="minor">
+            <a:schemeClr val="dk1"/>
+          </a:fontRef>
+        </p:style>
+      </p:cxnSp>
+      <p:cxnSp>
+        <p:nvCxnSpPr>
+          <p:cNvPr id="21" name="Straight Connector 20"/>
+          <p:cNvCxnSpPr>
+            <a:cxnSpLocks/>
+            <a:stCxn id="120" idx="3"/>
+          </p:cNvCxnSpPr>
+          <p:nvPr/>
+        </p:nvCxnSpPr>
+        <p:spPr>
+          <a:xfrm flipV="1">
+            <a:off x="1849924" y="3040052"/>
+            <a:ext cx="216105" cy="1"/>
+          </a:xfrm>
+          <a:prstGeom prst="line">
+            <a:avLst/>
+          </a:prstGeom>
+          <a:ln w="19050">
+            <a:solidFill>
+              <a:srgbClr val="7030A0"/>
+            </a:solidFill>
+            <a:prstDash val="sysDot"/>
+            <a:headEnd type="none" w="med" len="med"/>
+            <a:tailEnd type="none" w="med" len="med"/>
+          </a:ln>
+          <a:effectLst/>
+        </p:spPr>
+        <p:style>
+          <a:lnRef idx="1">
+            <a:schemeClr val="accent2"/>
+          </a:lnRef>
+          <a:fillRef idx="2">
+            <a:schemeClr val="accent2"/>
+          </a:fillRef>
+          <a:effectRef idx="1">
+            <a:schemeClr val="accent2"/>
+          </a:effectRef>
+          <a:fontRef idx="minor">
+            <a:schemeClr val="dk1"/>
+          </a:fontRef>
+        </p:style>
+      </p:cxnSp>
+      <p:sp>
+        <p:nvSpPr>
+          <p:cNvPr id="42" name="Flowchart: Decision 96"/>
+          <p:cNvSpPr/>
+          <p:nvPr/>
+        </p:nvSpPr>
+        <p:spPr>
+          <a:xfrm>
+            <a:off x="2373780" y="3549930"/>
+            <a:ext cx="236048" cy="173380"/>
+          </a:xfrm>
+          <a:prstGeom prst="flowChartDecision">
+            <a:avLst/>
+          </a:prstGeom>
+          <a:noFill/>
+          <a:ln w="19050">
+            <a:solidFill>
+              <a:srgbClr val="7030A0"/>
+            </a:solidFill>
+          </a:ln>
+          <a:effectLst/>
+        </p:spPr>
+        <p:style>
+          <a:lnRef idx="1">
+            <a:schemeClr val="accent6"/>
+          </a:lnRef>
+          <a:fillRef idx="2">
+            <a:schemeClr val="accent6"/>
+          </a:fillRef>
+          <a:effectRef idx="1">
+            <a:schemeClr val="accent6"/>
+          </a:effectRef>
+          <a:fontRef idx="minor">
+            <a:schemeClr val="dk1"/>
+          </a:fontRef>
+        </p:style>
+        <p:txBody>
+          <a:bodyPr rtlCol="0" anchor="ctr"/>
+          <a:lstStyle/>
+          <a:p>
+            <a:pPr algn="ctr"/>
+            <a:endParaRPr lang="en-US" sz="1050"/>
+          </a:p>
+        </p:txBody>
+      </p:sp>
+      <p:sp>
+        <p:nvSpPr>
+          <p:cNvPr id="46" name="Rectangle 8"/>
+          <p:cNvSpPr/>
+          <p:nvPr/>
+        </p:nvSpPr>
+        <p:spPr>
+          <a:xfrm>
+            <a:off x="2740331" y="2846162"/>
+            <a:ext cx="1616234" cy="334856"/>
+          </a:xfrm>
+          <a:prstGeom prst="rect">
+            <a:avLst/>
+          </a:prstGeom>
+          <a:ln w="19050">
+            <a:solidFill>
+              <a:srgbClr val="7030A0"/>
+            </a:solidFill>
+          </a:ln>
+          <a:effectLst/>
+        </p:spPr>
+        <p:style>
+          <a:lnRef idx="1">
+            <a:schemeClr val="accent4"/>
+          </a:lnRef>
+          <a:fillRef idx="2">
+            <a:schemeClr val="accent4"/>
+          </a:fillRef>
+          <a:effectRef idx="1">
+            <a:schemeClr val="accent4"/>
+          </a:effectRef>
+          <a:fontRef idx="minor">
+            <a:schemeClr val="dk1"/>
+          </a:fontRef>
+        </p:style>
+        <p:txBody>
+          <a:bodyPr rtlCol="0" anchor="ctr"/>
+          <a:lstStyle/>
+          <a:p>
+            <a:pPr algn="ctr"/>
+            <a:r>
+              <a:rPr lang="en-US" sz="1050" dirty="0" err="1">
+                <a:solidFill>
+                  <a:srgbClr val="7030A0"/>
+                </a:solidFill>
+              </a:rPr>
+              <a:t>VersionedVoluncheerBook</a:t>
+            </a:r>
+            <a:endParaRPr lang="en-SG" sz="1050" dirty="0">
+              <a:solidFill>
+                <a:srgbClr val="7030A0"/>
+              </a:solidFill>
+            </a:endParaRPr>
+          </a:p>
+        </p:txBody>
+      </p:sp>
+      <p:cxnSp>
+        <p:nvCxnSpPr>
+          <p:cNvPr id="47" name="Straight Arrow Connector 46"/>
+          <p:cNvCxnSpPr>
+            <a:cxnSpLocks/>
+            <a:stCxn id="48" idx="3"/>
+            <a:endCxn id="46" idx="1"/>
+          </p:cNvCxnSpPr>
+          <p:nvPr/>
+        </p:nvCxnSpPr>
+        <p:spPr>
+          <a:xfrm>
+            <a:off x="2624360" y="3003033"/>
+            <a:ext cx="115971" cy="10557"/>
+          </a:xfrm>
+          <a:prstGeom prst="straightConnector1">
+            <a:avLst/>
+          </a:prstGeom>
+          <a:ln w="19050">
+            <a:solidFill>
+              <a:srgbClr val="7030A0"/>
+            </a:solidFill>
+            <a:headEnd type="none" w="med" len="med"/>
+            <a:tailEnd type="arrow" w="med" len="med"/>
+          </a:ln>
+          <a:effectLst/>
+        </p:spPr>
+        <p:style>
+          <a:lnRef idx="1">
+            <a:schemeClr val="accent2"/>
+          </a:lnRef>
+          <a:fillRef idx="2">
+            <a:schemeClr val="accent2"/>
+          </a:fillRef>
+          <a:effectRef idx="1">
+            <a:schemeClr val="accent2"/>
+          </a:effectRef>
+          <a:fontRef idx="minor">
+            <a:schemeClr val="dk1"/>
+          </a:fontRef>
+        </p:style>
+      </p:cxnSp>
+      <p:sp>
+        <p:nvSpPr>
+          <p:cNvPr id="48" name="Flowchart: Decision 96"/>
+          <p:cNvSpPr/>
+          <p:nvPr/>
+        </p:nvSpPr>
+        <p:spPr>
+          <a:xfrm>
+            <a:off x="2388312" y="2916343"/>
+            <a:ext cx="236048" cy="173380"/>
+          </a:xfrm>
+          <a:prstGeom prst="flowChartDecision">
+            <a:avLst/>
+          </a:prstGeom>
+          <a:noFill/>
+          <a:ln w="19050">
+            <a:solidFill>
+              <a:srgbClr val="7030A0"/>
+            </a:solidFill>
+          </a:ln>
+          <a:effectLst/>
+        </p:spPr>
+        <p:style>
+          <a:lnRef idx="1">
+            <a:schemeClr val="accent6"/>
+          </a:lnRef>
+          <a:fillRef idx="2">
+            <a:schemeClr val="accent6"/>
+          </a:fillRef>
+          <a:effectRef idx="1">
+            <a:schemeClr val="accent6"/>
+          </a:effectRef>
+          <a:fontRef idx="minor">
+            <a:schemeClr val="dk1"/>
+          </a:fontRef>
+        </p:style>
+        <p:txBody>
+          <a:bodyPr rtlCol="0" anchor="ctr"/>
+          <a:lstStyle/>
+          <a:p>
+            <a:pPr algn="ctr"/>
+            <a:endParaRPr lang="en-US" sz="1050"/>
+          </a:p>
+        </p:txBody>
+      </p:sp>
+      <p:sp>
+        <p:nvSpPr>
+          <p:cNvPr id="49" name="Rectangle 8"/>
+          <p:cNvSpPr/>
+          <p:nvPr/>
+        </p:nvSpPr>
+        <p:spPr>
+          <a:xfrm>
+            <a:off x="4978287" y="5232441"/>
+            <a:ext cx="1156969" cy="346760"/>
+          </a:xfrm>
+          <a:prstGeom prst="rect">
+            <a:avLst/>
+          </a:prstGeom>
+          <a:ln w="19050">
+            <a:solidFill>
+              <a:srgbClr val="7030A0"/>
+            </a:solidFill>
+          </a:ln>
+          <a:effectLst/>
+        </p:spPr>
+        <p:style>
+          <a:lnRef idx="1">
+            <a:schemeClr val="accent4"/>
+          </a:lnRef>
+          <a:fillRef idx="2">
+            <a:schemeClr val="accent4"/>
+          </a:fillRef>
+          <a:effectRef idx="1">
+            <a:schemeClr val="accent4"/>
+          </a:effectRef>
+          <a:fontRef idx="minor">
+            <a:schemeClr val="dk1"/>
+          </a:fontRef>
+        </p:style>
+        <p:txBody>
+          <a:bodyPr rtlCol="0" anchor="ctr"/>
+          <a:lstStyle/>
+          <a:p>
+            <a:pPr algn="ctr"/>
+            <a:r>
+              <a:rPr lang="en-US" sz="1050" dirty="0" err="1">
+                <a:solidFill>
+                  <a:srgbClr val="7030A0"/>
+                </a:solidFill>
+              </a:rPr>
+              <a:t>UniqueVolunteerList</a:t>
+            </a:r>
+            <a:endParaRPr lang="en-SG" sz="1050" dirty="0">
+              <a:solidFill>
+                <a:srgbClr val="7030A0"/>
+              </a:solidFill>
+            </a:endParaRPr>
+          </a:p>
+        </p:txBody>
+      </p:sp>
+      <p:sp>
+        <p:nvSpPr>
+          <p:cNvPr id="51" name="Flowchart: Decision 96"/>
+          <p:cNvSpPr/>
+          <p:nvPr/>
+        </p:nvSpPr>
+        <p:spPr>
+          <a:xfrm>
+            <a:off x="4324972" y="2920532"/>
+            <a:ext cx="236048" cy="173380"/>
+          </a:xfrm>
+          <a:prstGeom prst="flowChartDecision">
+            <a:avLst/>
+          </a:prstGeom>
+          <a:solidFill>
+            <a:srgbClr val="7030A0"/>
+          </a:solidFill>
+          <a:ln w="19050">
+            <a:solidFill>
+              <a:srgbClr val="7030A0"/>
+            </a:solidFill>
+          </a:ln>
+          <a:effectLst/>
+        </p:spPr>
+        <p:style>
+          <a:lnRef idx="1">
+            <a:schemeClr val="accent6"/>
+          </a:lnRef>
+          <a:fillRef idx="2">
+            <a:schemeClr val="accent6"/>
+          </a:fillRef>
+          <a:effectRef idx="1">
+            <a:schemeClr val="accent6"/>
+          </a:effectRef>
+          <a:fontRef idx="minor">
+            <a:schemeClr val="dk1"/>
+          </a:fontRef>
+        </p:style>
+        <p:txBody>
+          <a:bodyPr rtlCol="0" anchor="ctr"/>
+          <a:lstStyle/>
+          <a:p>
+            <a:pPr algn="ctr"/>
+            <a:endParaRPr lang="en-US" sz="1050"/>
+          </a:p>
+        </p:txBody>
+      </p:sp>
+      <p:sp>
+        <p:nvSpPr>
+          <p:cNvPr id="62" name="Rectangle 8"/>
+          <p:cNvSpPr/>
+          <p:nvPr/>
+        </p:nvSpPr>
+        <p:spPr>
+          <a:xfrm>
+            <a:off x="6599314" y="5244345"/>
+            <a:ext cx="826124" cy="346760"/>
+          </a:xfrm>
+          <a:prstGeom prst="rect">
+            <a:avLst/>
+          </a:prstGeom>
+          <a:ln w="19050">
+            <a:solidFill>
+              <a:srgbClr val="7030A0"/>
+            </a:solidFill>
+          </a:ln>
+          <a:effectLst/>
+        </p:spPr>
+        <p:style>
+          <a:lnRef idx="1">
+            <a:schemeClr val="accent4"/>
+          </a:lnRef>
+          <a:fillRef idx="2">
+            <a:schemeClr val="accent4"/>
+          </a:fillRef>
+          <a:effectRef idx="1">
+            <a:schemeClr val="accent4"/>
+          </a:effectRef>
+          <a:fontRef idx="minor">
+            <a:schemeClr val="dk1"/>
+          </a:fontRef>
+        </p:style>
+        <p:txBody>
+          <a:bodyPr rtlCol="0" anchor="ctr"/>
+          <a:lstStyle/>
+          <a:p>
+            <a:pPr algn="ctr"/>
+            <a:r>
+              <a:rPr lang="en-US" sz="1050" dirty="0">
+                <a:solidFill>
+                  <a:srgbClr val="7030A0"/>
+                </a:solidFill>
+              </a:rPr>
+              <a:t>Volunteer</a:t>
+            </a:r>
+            <a:endParaRPr lang="en-SG" sz="1050" dirty="0">
+              <a:solidFill>
+                <a:srgbClr val="7030A0"/>
+              </a:solidFill>
+            </a:endParaRPr>
+          </a:p>
+        </p:txBody>
+      </p:sp>
+      <p:sp>
+        <p:nvSpPr>
+          <p:cNvPr id="63" name="Flowchart: Decision 96"/>
+          <p:cNvSpPr/>
+          <p:nvPr/>
+        </p:nvSpPr>
+        <p:spPr>
+          <a:xfrm>
+            <a:off x="6144388" y="5327955"/>
+            <a:ext cx="236048" cy="173380"/>
+          </a:xfrm>
+          <a:prstGeom prst="flowChartDecision">
+            <a:avLst/>
+          </a:prstGeom>
+          <a:noFill/>
+          <a:ln w="19050">
+            <a:solidFill>
+              <a:srgbClr val="7030A0"/>
+            </a:solidFill>
+          </a:ln>
+          <a:effectLst/>
+        </p:spPr>
+        <p:style>
+          <a:lnRef idx="1">
+            <a:schemeClr val="accent6"/>
+          </a:lnRef>
+          <a:fillRef idx="2">
+            <a:schemeClr val="accent6"/>
+          </a:fillRef>
+          <a:effectRef idx="1">
+            <a:schemeClr val="accent6"/>
+          </a:effectRef>
+          <a:fontRef idx="minor">
+            <a:schemeClr val="dk1"/>
+          </a:fontRef>
+        </p:style>
+        <p:txBody>
+          <a:bodyPr rtlCol="0" anchor="ctr"/>
+          <a:lstStyle/>
+          <a:p>
+            <a:pPr algn="ctr"/>
+            <a:endParaRPr lang="en-US" sz="1050"/>
+          </a:p>
+        </p:txBody>
+      </p:sp>
+      <p:cxnSp>
+        <p:nvCxnSpPr>
+          <p:cNvPr id="64" name="Elbow Connector 63"/>
+          <p:cNvCxnSpPr>
+            <a:cxnSpLocks/>
+            <a:stCxn id="63" idx="3"/>
+            <a:endCxn id="62" idx="1"/>
+          </p:cNvCxnSpPr>
+          <p:nvPr/>
+        </p:nvCxnSpPr>
+        <p:spPr>
+          <a:xfrm>
+            <a:off x="6380436" y="5414645"/>
+            <a:ext cx="218878" cy="3080"/>
+          </a:xfrm>
+          <a:prstGeom prst="bentConnector3">
+            <a:avLst/>
+          </a:prstGeom>
+          <a:ln w="19050">
+            <a:solidFill>
+              <a:srgbClr val="7030A0"/>
+            </a:solidFill>
+            <a:headEnd type="none" w="med" len="med"/>
+            <a:tailEnd type="arrow" w="med" len="med"/>
+          </a:ln>
+          <a:effectLst/>
+        </p:spPr>
+        <p:style>
+          <a:lnRef idx="1">
+            <a:schemeClr val="accent2"/>
+          </a:lnRef>
+          <a:fillRef idx="2">
+            <a:schemeClr val="accent2"/>
+          </a:fillRef>
+          <a:effectRef idx="1">
+            <a:schemeClr val="accent2"/>
+          </a:effectRef>
+          <a:fontRef idx="minor">
+            <a:schemeClr val="dk1"/>
+          </a:fontRef>
+        </p:style>
+      </p:cxnSp>
+      <p:sp>
+        <p:nvSpPr>
+          <p:cNvPr id="76" name="Rectangle 8"/>
+          <p:cNvSpPr/>
+          <p:nvPr/>
+        </p:nvSpPr>
+        <p:spPr>
+          <a:xfrm>
+            <a:off x="7998034" y="4950517"/>
+            <a:ext cx="708186" cy="285783"/>
+          </a:xfrm>
+          <a:prstGeom prst="rect">
+            <a:avLst/>
+          </a:prstGeom>
+          <a:ln w="19050">
+            <a:solidFill>
+              <a:srgbClr val="7030A0"/>
+            </a:solidFill>
+          </a:ln>
+          <a:effectLst/>
+        </p:spPr>
+        <p:style>
+          <a:lnRef idx="1">
+            <a:schemeClr val="accent4"/>
+          </a:lnRef>
+          <a:fillRef idx="2">
+            <a:schemeClr val="accent4"/>
+          </a:fillRef>
+          <a:effectRef idx="1">
+            <a:schemeClr val="accent4"/>
+          </a:effectRef>
+          <a:fontRef idx="minor">
+            <a:schemeClr val="dk1"/>
+          </a:fontRef>
+        </p:style>
+        <p:txBody>
+          <a:bodyPr rtlCol="0" anchor="ctr"/>
+          <a:lstStyle/>
+          <a:p>
+            <a:pPr algn="ctr"/>
+            <a:r>
+              <a:rPr lang="en-US" sz="1050" dirty="0">
+                <a:solidFill>
+                  <a:srgbClr val="7030A0"/>
+                </a:solidFill>
+              </a:rPr>
+              <a:t>Name</a:t>
+            </a:r>
+            <a:endParaRPr lang="en-SG" sz="1050" dirty="0">
+              <a:solidFill>
+                <a:srgbClr val="7030A0"/>
+              </a:solidFill>
+            </a:endParaRPr>
+          </a:p>
+        </p:txBody>
+      </p:sp>
+      <p:sp>
+        <p:nvSpPr>
+          <p:cNvPr id="78" name="Flowchart: Decision 96"/>
+          <p:cNvSpPr/>
+          <p:nvPr/>
+        </p:nvSpPr>
+        <p:spPr>
+          <a:xfrm>
+            <a:off x="7410093" y="5331035"/>
+            <a:ext cx="236048" cy="173380"/>
+          </a:xfrm>
+          <a:prstGeom prst="flowChartDecision">
+            <a:avLst/>
+          </a:prstGeom>
+          <a:solidFill>
+            <a:srgbClr val="7030A0"/>
+          </a:solidFill>
+          <a:ln w="19050">
+            <a:solidFill>
+              <a:srgbClr val="7030A0"/>
+            </a:solidFill>
+          </a:ln>
+          <a:effectLst/>
+        </p:spPr>
+        <p:style>
+          <a:lnRef idx="1">
+            <a:schemeClr val="accent6"/>
+          </a:lnRef>
+          <a:fillRef idx="2">
+            <a:schemeClr val="accent6"/>
+          </a:fillRef>
+          <a:effectRef idx="1">
+            <a:schemeClr val="accent6"/>
+          </a:effectRef>
+          <a:fontRef idx="minor">
+            <a:schemeClr val="dk1"/>
+          </a:fontRef>
+        </p:style>
+        <p:txBody>
+          <a:bodyPr rtlCol="0" anchor="ctr"/>
+          <a:lstStyle/>
+          <a:p>
+            <a:pPr algn="ctr"/>
+            <a:endParaRPr lang="en-US" sz="1050" dirty="0"/>
+          </a:p>
+        </p:txBody>
+      </p:sp>
+      <p:cxnSp>
+        <p:nvCxnSpPr>
+          <p:cNvPr id="79" name="Elbow Connector 78"/>
+          <p:cNvCxnSpPr>
+            <a:cxnSpLocks/>
+          </p:cNvCxnSpPr>
+          <p:nvPr/>
+        </p:nvCxnSpPr>
+        <p:spPr>
+          <a:xfrm flipV="1">
+            <a:off x="7563632" y="5093100"/>
+            <a:ext cx="434402" cy="327761"/>
+          </a:xfrm>
+          <a:prstGeom prst="bentConnector3">
+            <a:avLst>
+              <a:gd name="adj1" fmla="val 58680"/>
+            </a:avLst>
+          </a:prstGeom>
+          <a:ln w="19050">
+            <a:solidFill>
+              <a:srgbClr val="7030A0"/>
+            </a:solidFill>
+            <a:headEnd type="none" w="med" len="med"/>
+            <a:tailEnd type="arrow" w="med" len="med"/>
+          </a:ln>
+          <a:effectLst/>
+        </p:spPr>
+        <p:style>
+          <a:lnRef idx="1">
+            <a:schemeClr val="accent2"/>
+          </a:lnRef>
+          <a:fillRef idx="2">
+            <a:schemeClr val="accent2"/>
+          </a:fillRef>
+          <a:effectRef idx="1">
+            <a:schemeClr val="accent2"/>
+          </a:effectRef>
+          <a:fontRef idx="minor">
+            <a:schemeClr val="dk1"/>
+          </a:fontRef>
+        </p:style>
+      </p:cxnSp>
+      <p:sp>
+        <p:nvSpPr>
+          <p:cNvPr id="80" name="Rectangle 8"/>
+          <p:cNvSpPr/>
+          <p:nvPr/>
+        </p:nvSpPr>
+        <p:spPr>
+          <a:xfrm>
+            <a:off x="7998034" y="5273495"/>
+            <a:ext cx="708186" cy="285783"/>
+          </a:xfrm>
+          <a:prstGeom prst="rect">
+            <a:avLst/>
+          </a:prstGeom>
+          <a:ln w="19050">
+            <a:solidFill>
+              <a:srgbClr val="7030A0"/>
+            </a:solidFill>
+          </a:ln>
+          <a:effectLst/>
+        </p:spPr>
+        <p:style>
+          <a:lnRef idx="1">
+            <a:schemeClr val="accent4"/>
+          </a:lnRef>
+          <a:fillRef idx="2">
+            <a:schemeClr val="accent4"/>
+          </a:fillRef>
+          <a:effectRef idx="1">
+            <a:schemeClr val="accent4"/>
+          </a:effectRef>
+          <a:fontRef idx="minor">
+            <a:schemeClr val="dk1"/>
+          </a:fontRef>
+        </p:style>
+        <p:txBody>
+          <a:bodyPr rtlCol="0" anchor="ctr"/>
+          <a:lstStyle/>
+          <a:p>
+            <a:pPr algn="ctr"/>
+            <a:r>
+              <a:rPr lang="en-US" sz="1050" dirty="0">
+                <a:solidFill>
+                  <a:srgbClr val="7030A0"/>
+                </a:solidFill>
+              </a:rPr>
+              <a:t>Phone</a:t>
+            </a:r>
+            <a:endParaRPr lang="en-SG" sz="1050" dirty="0">
+              <a:solidFill>
+                <a:srgbClr val="7030A0"/>
+              </a:solidFill>
+            </a:endParaRPr>
+          </a:p>
+        </p:txBody>
+      </p:sp>
+      <p:cxnSp>
+        <p:nvCxnSpPr>
+          <p:cNvPr id="81" name="Elbow Connector 80"/>
+          <p:cNvCxnSpPr>
+            <a:cxnSpLocks/>
+            <a:stCxn id="78" idx="3"/>
+            <a:endCxn id="80" idx="1"/>
+          </p:cNvCxnSpPr>
+          <p:nvPr/>
+        </p:nvCxnSpPr>
+        <p:spPr>
+          <a:xfrm flipV="1">
+            <a:off x="7646141" y="5416387"/>
+            <a:ext cx="351893" cy="1338"/>
+          </a:xfrm>
+          <a:prstGeom prst="bentConnector3">
+            <a:avLst/>
+          </a:prstGeom>
+          <a:ln w="19050">
+            <a:solidFill>
+              <a:srgbClr val="7030A0"/>
+            </a:solidFill>
+            <a:headEnd type="none" w="med" len="med"/>
+            <a:tailEnd type="arrow" w="med" len="med"/>
+          </a:ln>
+          <a:effectLst/>
+        </p:spPr>
+        <p:style>
+          <a:lnRef idx="1">
+            <a:schemeClr val="accent2"/>
+          </a:lnRef>
+          <a:fillRef idx="2">
+            <a:schemeClr val="accent2"/>
+          </a:fillRef>
+          <a:effectRef idx="1">
+            <a:schemeClr val="accent2"/>
+          </a:effectRef>
+          <a:fontRef idx="minor">
+            <a:schemeClr val="dk1"/>
+          </a:fontRef>
+        </p:style>
+      </p:cxnSp>
+      <p:sp>
+        <p:nvSpPr>
+          <p:cNvPr id="83" name="Rectangle 8"/>
+          <p:cNvSpPr/>
+          <p:nvPr/>
+        </p:nvSpPr>
+        <p:spPr>
+          <a:xfrm>
+            <a:off x="7998034" y="5596473"/>
+            <a:ext cx="708186" cy="285783"/>
+          </a:xfrm>
+          <a:prstGeom prst="rect">
+            <a:avLst/>
+          </a:prstGeom>
+          <a:ln w="19050">
+            <a:solidFill>
+              <a:srgbClr val="7030A0"/>
+            </a:solidFill>
+          </a:ln>
+          <a:effectLst/>
+        </p:spPr>
+        <p:style>
+          <a:lnRef idx="1">
+            <a:schemeClr val="accent4"/>
+          </a:lnRef>
+          <a:fillRef idx="2">
+            <a:schemeClr val="accent4"/>
+          </a:fillRef>
+          <a:effectRef idx="1">
+            <a:schemeClr val="accent4"/>
+          </a:effectRef>
+          <a:fontRef idx="minor">
+            <a:schemeClr val="dk1"/>
+          </a:fontRef>
+        </p:style>
+        <p:txBody>
+          <a:bodyPr rtlCol="0" anchor="ctr"/>
+          <a:lstStyle/>
+          <a:p>
+            <a:pPr algn="ctr"/>
+            <a:r>
+              <a:rPr lang="en-US" sz="1050" dirty="0">
+                <a:solidFill>
+                  <a:srgbClr val="7030A0"/>
+                </a:solidFill>
+              </a:rPr>
+              <a:t>Email</a:t>
+            </a:r>
+            <a:endParaRPr lang="en-SG" sz="1050" dirty="0">
+              <a:solidFill>
+                <a:srgbClr val="7030A0"/>
+              </a:solidFill>
+            </a:endParaRPr>
+          </a:p>
+        </p:txBody>
+      </p:sp>
+      <p:cxnSp>
+        <p:nvCxnSpPr>
+          <p:cNvPr id="84" name="Elbow Connector 83"/>
+          <p:cNvCxnSpPr>
+            <a:cxnSpLocks/>
+            <a:stCxn id="78" idx="3"/>
+            <a:endCxn id="83" idx="1"/>
+          </p:cNvCxnSpPr>
+          <p:nvPr/>
+        </p:nvCxnSpPr>
+        <p:spPr>
+          <a:xfrm>
+            <a:off x="7646141" y="5417725"/>
+            <a:ext cx="351893" cy="321640"/>
+          </a:xfrm>
+          <a:prstGeom prst="bentConnector3">
+            <a:avLst>
+              <a:gd name="adj1" fmla="val 50000"/>
+            </a:avLst>
+          </a:prstGeom>
+          <a:ln w="19050">
+            <a:solidFill>
+              <a:srgbClr val="7030A0"/>
+            </a:solidFill>
+            <a:headEnd type="none" w="med" len="med"/>
+            <a:tailEnd type="arrow" w="med" len="med"/>
+          </a:ln>
+          <a:effectLst/>
+        </p:spPr>
+        <p:style>
+          <a:lnRef idx="1">
+            <a:schemeClr val="accent2"/>
+          </a:lnRef>
+          <a:fillRef idx="2">
+            <a:schemeClr val="accent2"/>
+          </a:fillRef>
+          <a:effectRef idx="1">
+            <a:schemeClr val="accent2"/>
+          </a:effectRef>
+          <a:fontRef idx="minor">
+            <a:schemeClr val="dk1"/>
+          </a:fontRef>
+        </p:style>
+      </p:cxnSp>
+      <p:sp>
+        <p:nvSpPr>
+          <p:cNvPr id="85" name="Rectangle 8"/>
+          <p:cNvSpPr/>
+          <p:nvPr/>
+        </p:nvSpPr>
+        <p:spPr>
+          <a:xfrm>
+            <a:off x="7998034" y="5919450"/>
+            <a:ext cx="708186" cy="285783"/>
+          </a:xfrm>
+          <a:prstGeom prst="rect">
+            <a:avLst/>
+          </a:prstGeom>
+          <a:ln w="19050">
+            <a:solidFill>
+              <a:srgbClr val="7030A0"/>
+            </a:solidFill>
+          </a:ln>
+          <a:effectLst/>
+        </p:spPr>
+        <p:style>
+          <a:lnRef idx="1">
+            <a:schemeClr val="accent4"/>
+          </a:lnRef>
+          <a:fillRef idx="2">
+            <a:schemeClr val="accent4"/>
+          </a:fillRef>
+          <a:effectRef idx="1">
+            <a:schemeClr val="accent4"/>
+          </a:effectRef>
+          <a:fontRef idx="minor">
+            <a:schemeClr val="dk1"/>
+          </a:fontRef>
+        </p:style>
+        <p:txBody>
+          <a:bodyPr rtlCol="0" anchor="ctr"/>
+          <a:lstStyle/>
+          <a:p>
+            <a:pPr algn="ctr"/>
+            <a:r>
+              <a:rPr lang="en-US" sz="1050" dirty="0">
+                <a:solidFill>
+                  <a:srgbClr val="7030A0"/>
+                </a:solidFill>
+              </a:rPr>
+              <a:t>Address</a:t>
+            </a:r>
+            <a:endParaRPr lang="en-SG" sz="1050" dirty="0">
+              <a:solidFill>
+                <a:srgbClr val="7030A0"/>
+              </a:solidFill>
+            </a:endParaRPr>
+          </a:p>
+        </p:txBody>
+      </p:sp>
+      <p:cxnSp>
+        <p:nvCxnSpPr>
+          <p:cNvPr id="86" name="Elbow Connector 85"/>
+          <p:cNvCxnSpPr>
+            <a:cxnSpLocks/>
+            <a:stCxn id="78" idx="3"/>
+            <a:endCxn id="85" idx="1"/>
+          </p:cNvCxnSpPr>
+          <p:nvPr/>
+        </p:nvCxnSpPr>
+        <p:spPr>
+          <a:xfrm>
+            <a:off x="7646141" y="5417725"/>
+            <a:ext cx="351893" cy="644617"/>
+          </a:xfrm>
+          <a:prstGeom prst="bentConnector3">
+            <a:avLst/>
+          </a:prstGeom>
+          <a:ln w="19050">
+            <a:solidFill>
+              <a:srgbClr val="7030A0"/>
+            </a:solidFill>
+            <a:headEnd type="none" w="med" len="med"/>
+            <a:tailEnd type="arrow" w="med" len="med"/>
+          </a:ln>
+          <a:effectLst/>
+        </p:spPr>
+        <p:style>
+          <a:lnRef idx="1">
+            <a:schemeClr val="accent2"/>
+          </a:lnRef>
+          <a:fillRef idx="2">
+            <a:schemeClr val="accent2"/>
+          </a:fillRef>
+          <a:effectRef idx="1">
+            <a:schemeClr val="accent2"/>
+          </a:effectRef>
+          <a:fontRef idx="minor">
+            <a:schemeClr val="dk1"/>
+          </a:fontRef>
+        </p:style>
+      </p:cxnSp>
+      <p:cxnSp>
+        <p:nvCxnSpPr>
+          <p:cNvPr id="97" name="Elbow Connector 63"/>
+          <p:cNvCxnSpPr>
+            <a:cxnSpLocks/>
+            <a:stCxn id="99" idx="3"/>
+          </p:cNvCxnSpPr>
+          <p:nvPr/>
+        </p:nvCxnSpPr>
+        <p:spPr>
+          <a:xfrm rot="16200000" flipH="1">
+            <a:off x="2926071" y="2068744"/>
+            <a:ext cx="1554838" cy="2"/>
+          </a:xfrm>
+          <a:prstGeom prst="bentConnector3">
+            <a:avLst>
+              <a:gd name="adj1" fmla="val 50000"/>
+            </a:avLst>
+          </a:prstGeom>
+          <a:ln w="19050">
+            <a:solidFill>
+              <a:srgbClr val="7030A0"/>
+            </a:solidFill>
+            <a:prstDash val="sysDot"/>
+            <a:headEnd type="none" w="med" len="med"/>
+            <a:tailEnd type="none" w="med" len="med"/>
+          </a:ln>
+          <a:effectLst/>
+        </p:spPr>
+        <p:style>
+          <a:lnRef idx="1">
+            <a:schemeClr val="accent2"/>
+          </a:lnRef>
+          <a:fillRef idx="2">
+            <a:schemeClr val="accent2"/>
+          </a:fillRef>
+          <a:effectRef idx="1">
+            <a:schemeClr val="accent2"/>
+          </a:effectRef>
+          <a:fontRef idx="minor">
+            <a:schemeClr val="dk1"/>
+          </a:fontRef>
+        </p:style>
+      </p:cxnSp>
+      <p:sp>
+        <p:nvSpPr>
+          <p:cNvPr id="99" name="Isosceles Triangle 102"/>
+          <p:cNvSpPr/>
+          <p:nvPr/>
+        </p:nvSpPr>
+        <p:spPr>
+          <a:xfrm rot="10800000" flipV="1">
+            <a:off x="3562296" y="1134264"/>
+            <a:ext cx="282387" cy="157062"/>
+          </a:xfrm>
+          <a:prstGeom prst="triangle">
+            <a:avLst/>
+          </a:prstGeom>
+          <a:solidFill>
+            <a:schemeClr val="accent4">
+              <a:lumMod val="20000"/>
+              <a:lumOff val="80000"/>
+            </a:schemeClr>
+          </a:solidFill>
+          <a:ln w="19050">
+            <a:solidFill>
+              <a:srgbClr val="7030A0"/>
+            </a:solidFill>
+          </a:ln>
+          <a:effectLst/>
+        </p:spPr>
+        <p:style>
+          <a:lnRef idx="1">
+            <a:schemeClr val="accent4"/>
+          </a:lnRef>
+          <a:fillRef idx="2">
+            <a:schemeClr val="accent4"/>
+          </a:fillRef>
+          <a:effectRef idx="1">
+            <a:schemeClr val="accent4"/>
+          </a:effectRef>
+          <a:fontRef idx="minor">
+            <a:schemeClr val="dk1"/>
+          </a:fontRef>
+        </p:style>
+        <p:txBody>
+          <a:bodyPr rtlCol="0" anchor="ctr"/>
+          <a:lstStyle/>
+          <a:p>
+            <a:pPr algn="ctr"/>
+            <a:endParaRPr lang="en-SG" sz="1050" b="1">
+              <a:solidFill>
+                <a:srgbClr val="92D050"/>
+              </a:solidFill>
+            </a:endParaRPr>
+          </a:p>
+        </p:txBody>
+      </p:sp>
+      <p:sp>
+        <p:nvSpPr>
+          <p:cNvPr id="100" name="Rectangle 8"/>
+          <p:cNvSpPr/>
+          <p:nvPr/>
+        </p:nvSpPr>
+        <p:spPr>
+          <a:xfrm>
+            <a:off x="1273938" y="762000"/>
+            <a:ext cx="1443661" cy="364396"/>
+          </a:xfrm>
+          <a:prstGeom prst="rect">
+            <a:avLst/>
+          </a:prstGeom>
+          <a:ln w="19050">
+            <a:solidFill>
+              <a:srgbClr val="7030A0"/>
+            </a:solidFill>
+          </a:ln>
+          <a:effectLst/>
+        </p:spPr>
+        <p:style>
+          <a:lnRef idx="1">
+            <a:schemeClr val="accent4"/>
+          </a:lnRef>
+          <a:fillRef idx="2">
+            <a:schemeClr val="accent4"/>
+          </a:fillRef>
+          <a:effectRef idx="1">
+            <a:schemeClr val="accent4"/>
+          </a:effectRef>
+          <a:fontRef idx="minor">
+            <a:schemeClr val="dk1"/>
+          </a:fontRef>
+        </p:style>
+        <p:txBody>
+          <a:bodyPr rtlCol="0" anchor="ctr"/>
+          <a:lstStyle/>
+          <a:p>
+            <a:pPr algn="ctr"/>
+            <a:r>
+              <a:rPr lang="en-US" sz="1050" dirty="0">
+                <a:solidFill>
+                  <a:srgbClr val="7030A0"/>
+                </a:solidFill>
+              </a:rPr>
+              <a:t>&lt;&lt;interface&gt;&gt;</a:t>
+            </a:r>
+            <a:br>
+              <a:rPr lang="en-US" sz="1050" dirty="0">
+                <a:solidFill>
+                  <a:srgbClr val="7030A0"/>
+                </a:solidFill>
+              </a:rPr>
+            </a:br>
+            <a:r>
+              <a:rPr lang="en-US" sz="1050" dirty="0" err="1">
+                <a:solidFill>
+                  <a:srgbClr val="7030A0"/>
+                </a:solidFill>
+              </a:rPr>
+              <a:t>ReadOnlyBook</a:t>
+            </a:r>
+            <a:endParaRPr lang="en-SG" sz="1050" dirty="0">
+              <a:solidFill>
+                <a:srgbClr val="7030A0"/>
+              </a:solidFill>
+            </a:endParaRPr>
+          </a:p>
+        </p:txBody>
+      </p:sp>
+      <p:sp>
+        <p:nvSpPr>
+          <p:cNvPr id="114" name="TextBox 113"/>
+          <p:cNvSpPr txBox="1"/>
+          <p:nvPr/>
+        </p:nvSpPr>
+        <p:spPr>
+          <a:xfrm rot="16200000">
+            <a:off x="6605381" y="5900808"/>
+            <a:ext cx="881018" cy="261610"/>
+          </a:xfrm>
+          <a:prstGeom prst="rect">
+            <a:avLst/>
+          </a:prstGeom>
+          <a:noFill/>
+        </p:spPr>
+        <p:txBody>
+          <a:bodyPr wrap="square" rtlCol="0">
+            <a:spAutoFit/>
+          </a:bodyPr>
+          <a:lstStyle/>
+          <a:p>
+            <a:pPr algn="r"/>
+            <a:r>
+              <a:rPr lang="en-US" sz="1100" dirty="0">
+                <a:solidFill>
+                  <a:srgbClr val="7030A0"/>
+                </a:solidFill>
+              </a:rPr>
+              <a:t>filtered list</a:t>
+            </a:r>
+            <a:endParaRPr lang="en-SG" sz="1100" dirty="0">
+              <a:solidFill>
+                <a:srgbClr val="7030A0"/>
+              </a:solidFill>
+            </a:endParaRPr>
+          </a:p>
+        </p:txBody>
+      </p:sp>
+      <p:sp>
+        <p:nvSpPr>
+          <p:cNvPr id="122" name="Rectangle 8"/>
+          <p:cNvSpPr/>
+          <p:nvPr/>
+        </p:nvSpPr>
+        <p:spPr>
+          <a:xfrm>
+            <a:off x="2208365" y="6413941"/>
+            <a:ext cx="1066800" cy="346760"/>
+          </a:xfrm>
+          <a:prstGeom prst="rect">
+            <a:avLst/>
+          </a:prstGeom>
+          <a:ln w="19050">
+            <a:solidFill>
+              <a:srgbClr val="7030A0"/>
+            </a:solidFill>
+          </a:ln>
+          <a:effectLst/>
+        </p:spPr>
+        <p:style>
+          <a:lnRef idx="1">
+            <a:schemeClr val="accent4"/>
+          </a:lnRef>
+          <a:fillRef idx="2">
+            <a:schemeClr val="accent4"/>
+          </a:fillRef>
+          <a:effectRef idx="1">
+            <a:schemeClr val="accent4"/>
+          </a:effectRef>
+          <a:fontRef idx="minor">
+            <a:schemeClr val="dk1"/>
+          </a:fontRef>
+        </p:style>
+        <p:txBody>
+          <a:bodyPr rtlCol="0" anchor="ctr"/>
+          <a:lstStyle/>
+          <a:p>
+            <a:pPr algn="ctr"/>
+            <a:r>
+              <a:rPr lang="en-US" sz="1050" dirty="0">
+                <a:solidFill>
+                  <a:srgbClr val="7030A0"/>
+                </a:solidFill>
+              </a:rPr>
+              <a:t>&lt;&lt;interface&gt;&gt;</a:t>
+            </a:r>
+            <a:br>
+              <a:rPr lang="en-US" sz="1050">
+                <a:solidFill>
+                  <a:srgbClr val="7030A0"/>
+                </a:solidFill>
+              </a:rPr>
+            </a:br>
+            <a:r>
+              <a:rPr lang="en-US" sz="1050" dirty="0" err="1">
+                <a:solidFill>
+                  <a:srgbClr val="7030A0"/>
+                </a:solidFill>
+              </a:rPr>
+              <a:t>ObservableList</a:t>
+            </a:r>
+            <a:endParaRPr lang="en-SG" sz="1050" dirty="0">
+              <a:solidFill>
+                <a:srgbClr val="7030A0"/>
+              </a:solidFill>
+            </a:endParaRPr>
+          </a:p>
+        </p:txBody>
+      </p:sp>
+      <p:cxnSp>
+        <p:nvCxnSpPr>
+          <p:cNvPr id="124" name="Elbow Connector 122"/>
+          <p:cNvCxnSpPr>
+            <a:cxnSpLocks/>
+            <a:stCxn id="119" idx="1"/>
+            <a:endCxn id="122" idx="1"/>
+          </p:cNvCxnSpPr>
+          <p:nvPr/>
+        </p:nvCxnSpPr>
+        <p:spPr>
+          <a:xfrm rot="16200000" flipH="1">
+            <a:off x="352732" y="4731687"/>
+            <a:ext cx="3005921" cy="705345"/>
+          </a:xfrm>
+          <a:prstGeom prst="bentConnector2">
+            <a:avLst/>
+          </a:prstGeom>
+          <a:ln w="19050">
+            <a:solidFill>
+              <a:srgbClr val="7030A0"/>
+            </a:solidFill>
+            <a:prstDash val="sysDot"/>
+            <a:headEnd type="none" w="med" len="med"/>
+            <a:tailEnd type="arrow" w="med" len="med"/>
+          </a:ln>
+          <a:effectLst/>
+        </p:spPr>
+        <p:style>
+          <a:lnRef idx="1">
+            <a:schemeClr val="accent2"/>
+          </a:lnRef>
+          <a:fillRef idx="2">
+            <a:schemeClr val="accent2"/>
+          </a:fillRef>
+          <a:effectRef idx="1">
+            <a:schemeClr val="accent2"/>
+          </a:effectRef>
+          <a:fontRef idx="minor">
+            <a:schemeClr val="dk1"/>
+          </a:fontRef>
+        </p:style>
+      </p:cxnSp>
+      <p:sp>
+        <p:nvSpPr>
+          <p:cNvPr id="54" name="TextBox 53"/>
+          <p:cNvSpPr txBox="1"/>
+          <p:nvPr/>
+        </p:nvSpPr>
+        <p:spPr>
+          <a:xfrm>
+            <a:off x="4429979" y="3111479"/>
+            <a:ext cx="189257" cy="178683"/>
+          </a:xfrm>
+          <a:prstGeom prst="rect">
+            <a:avLst/>
+          </a:prstGeom>
+          <a:noFill/>
+        </p:spPr>
+        <p:txBody>
+          <a:bodyPr wrap="square" lIns="0" tIns="0" rIns="0" bIns="0" rtlCol="0">
+            <a:noAutofit/>
+          </a:bodyPr>
+          <a:lstStyle/>
+          <a:p>
+            <a:pPr algn="ctr"/>
+            <a:r>
+              <a:rPr lang="en-US" sz="1100" dirty="0">
+                <a:solidFill>
+                  <a:srgbClr val="7030A0"/>
+                </a:solidFill>
+              </a:rPr>
+              <a:t>1</a:t>
+            </a:r>
+            <a:endParaRPr lang="en-SG" sz="1100" dirty="0">
+              <a:solidFill>
+                <a:srgbClr val="7030A0"/>
+              </a:solidFill>
+            </a:endParaRPr>
+          </a:p>
+        </p:txBody>
+      </p:sp>
+      <p:sp>
+        <p:nvSpPr>
+          <p:cNvPr id="61" name="TextBox 60"/>
+          <p:cNvSpPr txBox="1"/>
+          <p:nvPr/>
+        </p:nvSpPr>
+        <p:spPr>
+          <a:xfrm>
+            <a:off x="6135256" y="3097917"/>
+            <a:ext cx="189257" cy="178683"/>
+          </a:xfrm>
+          <a:prstGeom prst="rect">
+            <a:avLst/>
+          </a:prstGeom>
+          <a:noFill/>
+        </p:spPr>
+        <p:txBody>
+          <a:bodyPr wrap="square" lIns="0" tIns="0" rIns="0" bIns="0" rtlCol="0">
+            <a:noAutofit/>
+          </a:bodyPr>
+          <a:lstStyle/>
+          <a:p>
+            <a:pPr algn="ctr"/>
+            <a:r>
+              <a:rPr lang="en-US" sz="1100" dirty="0">
+                <a:solidFill>
+                  <a:srgbClr val="7030A0"/>
+                </a:solidFill>
+              </a:rPr>
+              <a:t>*</a:t>
+            </a:r>
+            <a:endParaRPr lang="en-SG" sz="1100" dirty="0">
+              <a:solidFill>
+                <a:srgbClr val="7030A0"/>
+              </a:solidFill>
+            </a:endParaRPr>
+          </a:p>
+        </p:txBody>
+      </p:sp>
+      <p:sp>
+        <p:nvSpPr>
+          <p:cNvPr id="65" name="TextBox 64"/>
+          <p:cNvSpPr txBox="1"/>
+          <p:nvPr/>
+        </p:nvSpPr>
+        <p:spPr>
+          <a:xfrm>
+            <a:off x="2573394" y="2756715"/>
+            <a:ext cx="170110" cy="137542"/>
+          </a:xfrm>
+          <a:prstGeom prst="rect">
+            <a:avLst/>
+          </a:prstGeom>
+          <a:noFill/>
+        </p:spPr>
+        <p:txBody>
+          <a:bodyPr wrap="square" lIns="0" tIns="0" rIns="0" bIns="0" rtlCol="0">
+            <a:noAutofit/>
+          </a:bodyPr>
+          <a:lstStyle/>
+          <a:p>
+            <a:pPr algn="ctr"/>
+            <a:r>
+              <a:rPr lang="en-US" sz="1100" dirty="0">
+                <a:solidFill>
+                  <a:srgbClr val="7030A0"/>
+                </a:solidFill>
+              </a:rPr>
+              <a:t>1</a:t>
+            </a:r>
+            <a:endParaRPr lang="en-SG" sz="1100" dirty="0">
+              <a:solidFill>
+                <a:srgbClr val="7030A0"/>
+              </a:solidFill>
+            </a:endParaRPr>
+          </a:p>
+        </p:txBody>
+      </p:sp>
+      <p:sp>
+        <p:nvSpPr>
+          <p:cNvPr id="66" name="TextBox 65"/>
+          <p:cNvSpPr txBox="1"/>
+          <p:nvPr/>
+        </p:nvSpPr>
+        <p:spPr>
+          <a:xfrm>
+            <a:off x="2630191" y="3667737"/>
+            <a:ext cx="189257" cy="178683"/>
+          </a:xfrm>
+          <a:prstGeom prst="rect">
+            <a:avLst/>
+          </a:prstGeom>
+          <a:noFill/>
+        </p:spPr>
+        <p:txBody>
+          <a:bodyPr wrap="square" lIns="0" tIns="0" rIns="0" bIns="0" rtlCol="0">
+            <a:noAutofit/>
+          </a:bodyPr>
+          <a:lstStyle/>
+          <a:p>
+            <a:pPr algn="ctr"/>
+            <a:r>
+              <a:rPr lang="en-US" sz="1100" dirty="0">
+                <a:solidFill>
+                  <a:srgbClr val="7030A0"/>
+                </a:solidFill>
+              </a:rPr>
+              <a:t>1</a:t>
+            </a:r>
+            <a:endParaRPr lang="en-SG" sz="1100" dirty="0">
+              <a:solidFill>
+                <a:srgbClr val="7030A0"/>
+              </a:solidFill>
+            </a:endParaRPr>
+          </a:p>
+        </p:txBody>
+      </p:sp>
+      <p:sp>
+        <p:nvSpPr>
+          <p:cNvPr id="70" name="TextBox 69"/>
+          <p:cNvSpPr txBox="1"/>
+          <p:nvPr/>
+        </p:nvSpPr>
+        <p:spPr>
+          <a:xfrm>
+            <a:off x="6411882" y="5475839"/>
+            <a:ext cx="189257" cy="178683"/>
+          </a:xfrm>
+          <a:prstGeom prst="rect">
+            <a:avLst/>
+          </a:prstGeom>
+          <a:noFill/>
+        </p:spPr>
+        <p:txBody>
+          <a:bodyPr wrap="square" lIns="0" tIns="0" rIns="0" bIns="0" rtlCol="0">
+            <a:noAutofit/>
+          </a:bodyPr>
+          <a:lstStyle/>
+          <a:p>
+            <a:pPr algn="ctr"/>
+            <a:r>
+              <a:rPr lang="en-US" sz="1100" dirty="0">
+                <a:solidFill>
+                  <a:srgbClr val="7030A0"/>
+                </a:solidFill>
+              </a:rPr>
+              <a:t>1</a:t>
+            </a:r>
+            <a:endParaRPr lang="en-SG" sz="1100" dirty="0">
+              <a:solidFill>
+                <a:srgbClr val="7030A0"/>
+              </a:solidFill>
+            </a:endParaRPr>
+          </a:p>
+        </p:txBody>
+      </p:sp>
+      <p:sp>
+        <p:nvSpPr>
+          <p:cNvPr id="55" name="Rectangle 8"/>
+          <p:cNvSpPr/>
+          <p:nvPr/>
+        </p:nvSpPr>
+        <p:spPr>
+          <a:xfrm>
+            <a:off x="3183197" y="762000"/>
+            <a:ext cx="1259798" cy="364396"/>
+          </a:xfrm>
+          <a:prstGeom prst="rect">
+            <a:avLst/>
+          </a:prstGeom>
+          <a:ln w="19050">
+            <a:solidFill>
+              <a:srgbClr val="7030A0"/>
+            </a:solidFill>
+          </a:ln>
+          <a:effectLst/>
+        </p:spPr>
+        <p:style>
+          <a:lnRef idx="1">
+            <a:schemeClr val="accent4"/>
+          </a:lnRef>
+          <a:fillRef idx="2">
+            <a:schemeClr val="accent4"/>
+          </a:fillRef>
+          <a:effectRef idx="1">
+            <a:schemeClr val="accent4"/>
+          </a:effectRef>
+          <a:fontRef idx="minor">
+            <a:schemeClr val="dk1"/>
+          </a:fontRef>
+        </p:style>
+        <p:txBody>
+          <a:bodyPr rtlCol="0" anchor="ctr"/>
+          <a:lstStyle/>
+          <a:p>
+            <a:pPr algn="ctr"/>
+            <a:r>
+              <a:rPr lang="en-US" sz="1050" dirty="0" err="1">
+                <a:solidFill>
+                  <a:srgbClr val="7030A0"/>
+                </a:solidFill>
+              </a:rPr>
+              <a:t>VoluncheerBook</a:t>
+            </a:r>
+            <a:endParaRPr lang="en-SG" sz="1050" dirty="0">
+              <a:solidFill>
+                <a:srgbClr val="7030A0"/>
+              </a:solidFill>
+            </a:endParaRPr>
+          </a:p>
+        </p:txBody>
+      </p:sp>
+      <p:cxnSp>
+        <p:nvCxnSpPr>
+          <p:cNvPr id="60" name="Straight Arrow Connector 59"/>
+          <p:cNvCxnSpPr>
+            <a:cxnSpLocks/>
+          </p:cNvCxnSpPr>
+          <p:nvPr/>
+        </p:nvCxnSpPr>
+        <p:spPr>
+          <a:xfrm>
+            <a:off x="4356565" y="3006551"/>
+            <a:ext cx="367678" cy="12320"/>
+          </a:xfrm>
+          <a:prstGeom prst="straightConnector1">
+            <a:avLst/>
+          </a:prstGeom>
+          <a:ln w="19050">
+            <a:solidFill>
+              <a:srgbClr val="7030A0"/>
+            </a:solidFill>
+            <a:headEnd type="none" w="med" len="med"/>
+            <a:tailEnd type="arrow" w="med" len="med"/>
+          </a:ln>
+          <a:effectLst/>
+        </p:spPr>
+        <p:style>
+          <a:lnRef idx="1">
+            <a:schemeClr val="accent2"/>
+          </a:lnRef>
+          <a:fillRef idx="2">
+            <a:schemeClr val="accent2"/>
+          </a:fillRef>
+          <a:effectRef idx="1">
+            <a:schemeClr val="accent2"/>
+          </a:effectRef>
+          <a:fontRef idx="minor">
+            <a:schemeClr val="dk1"/>
+          </a:fontRef>
+        </p:style>
+      </p:cxnSp>
+      <p:sp>
+        <p:nvSpPr>
+          <p:cNvPr id="68" name="Isosceles Triangle 102"/>
+          <p:cNvSpPr/>
+          <p:nvPr/>
+        </p:nvSpPr>
+        <p:spPr>
+          <a:xfrm rot="16200000">
+            <a:off x="2682089" y="832808"/>
+            <a:ext cx="271014" cy="187417"/>
+          </a:xfrm>
+          <a:prstGeom prst="triangle">
+            <a:avLst>
+              <a:gd name="adj" fmla="val 44517"/>
+            </a:avLst>
+          </a:prstGeom>
+          <a:solidFill>
+            <a:schemeClr val="accent4">
+              <a:lumMod val="20000"/>
+              <a:lumOff val="80000"/>
+            </a:schemeClr>
+          </a:solidFill>
+          <a:ln w="19050">
+            <a:solidFill>
+              <a:srgbClr val="7030A0"/>
+            </a:solidFill>
+          </a:ln>
+          <a:effectLst/>
+        </p:spPr>
+        <p:style>
+          <a:lnRef idx="1">
+            <a:schemeClr val="accent6"/>
+          </a:lnRef>
+          <a:fillRef idx="2">
+            <a:schemeClr val="accent6"/>
+          </a:fillRef>
+          <a:effectRef idx="1">
+            <a:schemeClr val="accent6"/>
+          </a:effectRef>
+          <a:fontRef idx="minor">
+            <a:schemeClr val="dk1"/>
+          </a:fontRef>
+        </p:style>
+        <p:txBody>
+          <a:bodyPr rtlCol="0" anchor="ctr"/>
+          <a:lstStyle/>
+          <a:p>
+            <a:pPr algn="ctr"/>
+            <a:endParaRPr lang="en-SG" sz="1050"/>
+          </a:p>
+        </p:txBody>
+      </p:sp>
+      <p:cxnSp>
+        <p:nvCxnSpPr>
+          <p:cNvPr id="69" name="Elbow Connector 63"/>
+          <p:cNvCxnSpPr>
+            <a:cxnSpLocks/>
+            <a:stCxn id="68" idx="3"/>
+            <a:endCxn id="55" idx="1"/>
+          </p:cNvCxnSpPr>
+          <p:nvPr/>
+        </p:nvCxnSpPr>
+        <p:spPr>
+          <a:xfrm>
+            <a:off x="2911305" y="941377"/>
+            <a:ext cx="271892" cy="2821"/>
+          </a:xfrm>
+          <a:prstGeom prst="bentConnector3">
+            <a:avLst>
+              <a:gd name="adj1" fmla="val 50000"/>
+            </a:avLst>
+          </a:prstGeom>
+          <a:ln w="19050">
+            <a:solidFill>
+              <a:srgbClr val="7030A0"/>
+            </a:solidFill>
+            <a:prstDash val="sysDot"/>
+            <a:headEnd type="none" w="med" len="med"/>
+            <a:tailEnd type="none" w="med" len="med"/>
+          </a:ln>
+          <a:effectLst/>
+        </p:spPr>
+        <p:style>
+          <a:lnRef idx="1">
+            <a:schemeClr val="accent2"/>
+          </a:lnRef>
+          <a:fillRef idx="2">
+            <a:schemeClr val="accent2"/>
+          </a:fillRef>
+          <a:effectRef idx="1">
+            <a:schemeClr val="accent2"/>
+          </a:effectRef>
+          <a:fontRef idx="minor">
+            <a:schemeClr val="dk1"/>
+          </a:fontRef>
+        </p:style>
+      </p:cxnSp>
+      <p:sp>
+        <p:nvSpPr>
+          <p:cNvPr id="57" name="Rectangle 8">
+            <a:extLst>
+              <a:ext uri="{FF2B5EF4-FFF2-40B4-BE49-F238E27FC236}">
+                <a16:creationId xmlns:a16="http://schemas.microsoft.com/office/drawing/2014/main" id="{6A42DA50-9012-4391-9EF3-285E4FA3FCD8}"/>
+              </a:ext>
+            </a:extLst>
+          </p:cNvPr>
+          <p:cNvSpPr/>
+          <p:nvPr/>
+        </p:nvSpPr>
+        <p:spPr>
+          <a:xfrm>
+            <a:off x="2692824" y="4377157"/>
+            <a:ext cx="1293486" cy="346760"/>
+          </a:xfrm>
+          <a:prstGeom prst="rect">
+            <a:avLst/>
+          </a:prstGeom>
+          <a:ln w="19050">
+            <a:solidFill>
+              <a:srgbClr val="7030A0"/>
+            </a:solidFill>
+          </a:ln>
+          <a:effectLst/>
+        </p:spPr>
+        <p:style>
+          <a:lnRef idx="1">
+            <a:schemeClr val="accent4"/>
+          </a:lnRef>
+          <a:fillRef idx="2">
+            <a:schemeClr val="accent4"/>
+          </a:fillRef>
+          <a:effectRef idx="1">
+            <a:schemeClr val="accent4"/>
+          </a:effectRef>
+          <a:fontRef idx="minor">
+            <a:schemeClr val="dk1"/>
+          </a:fontRef>
+        </p:style>
+        <p:txBody>
+          <a:bodyPr rtlCol="0" anchor="ctr"/>
+          <a:lstStyle/>
+          <a:p>
+            <a:pPr algn="ctr"/>
+            <a:r>
+              <a:rPr lang="en-US" sz="1050" dirty="0">
+                <a:solidFill>
+                  <a:srgbClr val="7030A0"/>
+                </a:solidFill>
+              </a:rPr>
+              <a:t>&lt;&lt;interface&gt;&gt;</a:t>
+            </a:r>
+          </a:p>
+          <a:p>
+            <a:pPr algn="ctr"/>
+            <a:r>
+              <a:rPr lang="en-US" sz="1050" dirty="0" err="1">
+                <a:solidFill>
+                  <a:srgbClr val="7030A0"/>
+                </a:solidFill>
+              </a:rPr>
+              <a:t>ReadOnlyUserPrefs</a:t>
+            </a:r>
+            <a:endParaRPr lang="en-SG" sz="1050" dirty="0">
+              <a:solidFill>
+                <a:srgbClr val="7030A0"/>
+              </a:solidFill>
+            </a:endParaRPr>
+          </a:p>
+        </p:txBody>
+      </p:sp>
+      <p:sp>
+        <p:nvSpPr>
+          <p:cNvPr id="59" name="Isosceles Triangle 102">
+            <a:extLst>
+              <a:ext uri="{FF2B5EF4-FFF2-40B4-BE49-F238E27FC236}">
+                <a16:creationId xmlns:a16="http://schemas.microsoft.com/office/drawing/2014/main" id="{B263B2D7-6E76-465E-B40E-7E2A46254A84}"/>
+              </a:ext>
+            </a:extLst>
+          </p:cNvPr>
+          <p:cNvSpPr/>
+          <p:nvPr/>
+        </p:nvSpPr>
+        <p:spPr>
+          <a:xfrm rot="10800000" flipH="1">
+            <a:off x="3139658" y="4163497"/>
+            <a:ext cx="271014" cy="221497"/>
+          </a:xfrm>
+          <a:prstGeom prst="triangle">
+            <a:avLst>
+              <a:gd name="adj" fmla="val 44517"/>
+            </a:avLst>
+          </a:prstGeom>
+          <a:solidFill>
+            <a:schemeClr val="accent4">
+              <a:lumMod val="20000"/>
+              <a:lumOff val="80000"/>
+            </a:schemeClr>
+          </a:solidFill>
+          <a:ln w="19050">
+            <a:solidFill>
+              <a:srgbClr val="7030A0"/>
+            </a:solidFill>
+          </a:ln>
+          <a:effectLst/>
+        </p:spPr>
+        <p:style>
+          <a:lnRef idx="1">
+            <a:schemeClr val="accent6"/>
+          </a:lnRef>
+          <a:fillRef idx="2">
+            <a:schemeClr val="accent6"/>
+          </a:fillRef>
+          <a:effectRef idx="1">
+            <a:schemeClr val="accent6"/>
+          </a:effectRef>
+          <a:fontRef idx="minor">
+            <a:schemeClr val="dk1"/>
+          </a:fontRef>
+        </p:style>
+        <p:txBody>
+          <a:bodyPr rtlCol="0" anchor="ctr"/>
+          <a:lstStyle/>
+          <a:p>
+            <a:pPr algn="ctr"/>
+            <a:endParaRPr lang="en-SG" sz="1050"/>
+          </a:p>
+        </p:txBody>
+      </p:sp>
+      <p:cxnSp>
+        <p:nvCxnSpPr>
+          <p:cNvPr id="67" name="Elbow Connector 63">
+            <a:extLst>
+              <a:ext uri="{FF2B5EF4-FFF2-40B4-BE49-F238E27FC236}">
+                <a16:creationId xmlns:a16="http://schemas.microsoft.com/office/drawing/2014/main" id="{BA3A25CD-7C1D-4B3B-B294-1B05ABCFECFD}"/>
+              </a:ext>
+            </a:extLst>
+          </p:cNvPr>
+          <p:cNvCxnSpPr>
+            <a:cxnSpLocks/>
+            <a:stCxn id="59" idx="3"/>
+            <a:endCxn id="2" idx="2"/>
+          </p:cNvCxnSpPr>
+          <p:nvPr/>
+        </p:nvCxnSpPr>
+        <p:spPr>
+          <a:xfrm rot="5400000" flipH="1" flipV="1">
+            <a:off x="3085597" y="3984709"/>
+            <a:ext cx="353497" cy="4081"/>
+          </a:xfrm>
+          <a:prstGeom prst="bentConnector3">
+            <a:avLst>
+              <a:gd name="adj1" fmla="val 50000"/>
+            </a:avLst>
+          </a:prstGeom>
+          <a:ln w="19050">
+            <a:solidFill>
+              <a:srgbClr val="7030A0"/>
+            </a:solidFill>
+            <a:prstDash val="sysDot"/>
+            <a:headEnd type="none" w="med" len="med"/>
+            <a:tailEnd type="none" w="med" len="med"/>
+          </a:ln>
+          <a:effectLst/>
+        </p:spPr>
+        <p:style>
+          <a:lnRef idx="1">
+            <a:schemeClr val="accent2"/>
+          </a:lnRef>
+          <a:fillRef idx="2">
+            <a:schemeClr val="accent2"/>
+          </a:fillRef>
+          <a:effectRef idx="1">
+            <a:schemeClr val="accent2"/>
+          </a:effectRef>
+          <a:fontRef idx="minor">
+            <a:schemeClr val="dk1"/>
+          </a:fontRef>
+        </p:style>
+      </p:cxnSp>
+      <p:cxnSp>
+        <p:nvCxnSpPr>
+          <p:cNvPr id="10" name="Connector: Elbow 9">
+            <a:extLst>
+              <a:ext uri="{FF2B5EF4-FFF2-40B4-BE49-F238E27FC236}">
+                <a16:creationId xmlns:a16="http://schemas.microsoft.com/office/drawing/2014/main" id="{1D1E77CA-7CD8-4540-8DB8-FD4ADEC75126}"/>
+              </a:ext>
+            </a:extLst>
+          </p:cNvPr>
+          <p:cNvCxnSpPr>
+            <a:cxnSpLocks/>
+            <a:stCxn id="51" idx="0"/>
+            <a:endCxn id="72" idx="1"/>
+          </p:cNvCxnSpPr>
+          <p:nvPr/>
+        </p:nvCxnSpPr>
+        <p:spPr>
+          <a:xfrm rot="5400000" flipH="1" flipV="1">
+            <a:off x="3741754" y="1982016"/>
+            <a:ext cx="1639759" cy="237275"/>
+          </a:xfrm>
+          <a:prstGeom prst="bentConnector2">
+            <a:avLst/>
+          </a:prstGeom>
+          <a:ln w="19050">
+            <a:tailEnd type="triangle"/>
+          </a:ln>
+        </p:spPr>
+        <p:style>
+          <a:lnRef idx="1">
+            <a:schemeClr val="accent4"/>
+          </a:lnRef>
+          <a:fillRef idx="0">
+            <a:schemeClr val="accent4"/>
+          </a:fillRef>
+          <a:effectRef idx="0">
+            <a:schemeClr val="accent4"/>
+          </a:effectRef>
+          <a:fontRef idx="minor">
+            <a:schemeClr val="tx1"/>
+          </a:fontRef>
+        </p:style>
+      </p:cxnSp>
+      <p:sp>
+        <p:nvSpPr>
+          <p:cNvPr id="72" name="Rectangle 8">
+            <a:extLst>
+              <a:ext uri="{FF2B5EF4-FFF2-40B4-BE49-F238E27FC236}">
+                <a16:creationId xmlns:a16="http://schemas.microsoft.com/office/drawing/2014/main" id="{F5D9E41B-0410-4C44-9484-EE55ACC5BFBC}"/>
+              </a:ext>
+            </a:extLst>
+          </p:cNvPr>
+          <p:cNvSpPr/>
+          <p:nvPr/>
+        </p:nvSpPr>
+        <p:spPr>
+          <a:xfrm>
+            <a:off x="4680271" y="1107393"/>
+            <a:ext cx="1156969" cy="346760"/>
+          </a:xfrm>
+          <a:prstGeom prst="rect">
+            <a:avLst/>
+          </a:prstGeom>
+          <a:ln w="19050">
+            <a:solidFill>
+              <a:srgbClr val="7030A0"/>
+            </a:solidFill>
+          </a:ln>
+          <a:effectLst/>
+        </p:spPr>
+        <p:style>
+          <a:lnRef idx="1">
+            <a:schemeClr val="accent4"/>
+          </a:lnRef>
+          <a:fillRef idx="2">
+            <a:schemeClr val="accent4"/>
+          </a:fillRef>
+          <a:effectRef idx="1">
+            <a:schemeClr val="accent4"/>
+          </a:effectRef>
+          <a:fontRef idx="minor">
+            <a:schemeClr val="dk1"/>
+          </a:fontRef>
+        </p:style>
+        <p:txBody>
+          <a:bodyPr rtlCol="0" anchor="ctr"/>
+          <a:lstStyle/>
+          <a:p>
+            <a:pPr algn="ctr"/>
+            <a:r>
+              <a:rPr lang="en-US" sz="1050" dirty="0" err="1">
+                <a:solidFill>
+                  <a:srgbClr val="7030A0"/>
+                </a:solidFill>
+              </a:rPr>
+              <a:t>UniqueBeneficaryList</a:t>
+            </a:r>
+            <a:endParaRPr lang="en-SG" sz="1050" dirty="0">
+              <a:solidFill>
+                <a:srgbClr val="7030A0"/>
+              </a:solidFill>
+            </a:endParaRPr>
+          </a:p>
+        </p:txBody>
+      </p:sp>
+      <p:sp>
+        <p:nvSpPr>
+          <p:cNvPr id="108" name="Rectangle 8">
+            <a:extLst>
+              <a:ext uri="{FF2B5EF4-FFF2-40B4-BE49-F238E27FC236}">
+                <a16:creationId xmlns:a16="http://schemas.microsoft.com/office/drawing/2014/main" id="{39391ACE-EE2B-4735-B3C2-F28F7AFF378B}"/>
+              </a:ext>
+            </a:extLst>
+          </p:cNvPr>
+          <p:cNvSpPr/>
+          <p:nvPr/>
+        </p:nvSpPr>
+        <p:spPr>
+          <a:xfrm>
+            <a:off x="6301298" y="1104781"/>
+            <a:ext cx="836822" cy="346760"/>
+          </a:xfrm>
+          <a:prstGeom prst="rect">
+            <a:avLst/>
+          </a:prstGeom>
+          <a:ln w="19050">
+            <a:solidFill>
+              <a:srgbClr val="7030A0"/>
+            </a:solidFill>
+          </a:ln>
+          <a:effectLst/>
+        </p:spPr>
+        <p:style>
+          <a:lnRef idx="1">
+            <a:schemeClr val="accent4"/>
+          </a:lnRef>
+          <a:fillRef idx="2">
+            <a:schemeClr val="accent4"/>
+          </a:fillRef>
+          <a:effectRef idx="1">
+            <a:schemeClr val="accent4"/>
+          </a:effectRef>
+          <a:fontRef idx="minor">
+            <a:schemeClr val="dk1"/>
+          </a:fontRef>
+        </p:style>
+        <p:txBody>
+          <a:bodyPr rtlCol="0" anchor="ctr"/>
+          <a:lstStyle/>
+          <a:p>
+            <a:pPr algn="ctr"/>
+            <a:r>
+              <a:rPr lang="en-US" sz="1050" dirty="0">
+                <a:solidFill>
+                  <a:srgbClr val="7030A0"/>
+                </a:solidFill>
+              </a:rPr>
+              <a:t>Beneficiary</a:t>
+            </a:r>
+            <a:endParaRPr lang="en-SG" sz="1050" dirty="0">
+              <a:solidFill>
+                <a:srgbClr val="7030A0"/>
+              </a:solidFill>
+            </a:endParaRPr>
+          </a:p>
+        </p:txBody>
+      </p:sp>
+      <p:sp>
+        <p:nvSpPr>
+          <p:cNvPr id="109" name="Flowchart: Decision 96">
+            <a:extLst>
+              <a:ext uri="{FF2B5EF4-FFF2-40B4-BE49-F238E27FC236}">
+                <a16:creationId xmlns:a16="http://schemas.microsoft.com/office/drawing/2014/main" id="{411A329F-17F0-4939-94C1-B0704E740805}"/>
+              </a:ext>
+            </a:extLst>
+          </p:cNvPr>
+          <p:cNvSpPr/>
+          <p:nvPr/>
+        </p:nvSpPr>
+        <p:spPr>
+          <a:xfrm>
+            <a:off x="5846372" y="1188391"/>
+            <a:ext cx="236048" cy="173380"/>
+          </a:xfrm>
+          <a:prstGeom prst="flowChartDecision">
+            <a:avLst/>
+          </a:prstGeom>
+          <a:noFill/>
+          <a:ln w="19050">
+            <a:solidFill>
+              <a:srgbClr val="7030A0"/>
+            </a:solidFill>
+          </a:ln>
+          <a:effectLst/>
+        </p:spPr>
+        <p:style>
+          <a:lnRef idx="1">
+            <a:schemeClr val="accent6"/>
+          </a:lnRef>
+          <a:fillRef idx="2">
+            <a:schemeClr val="accent6"/>
+          </a:fillRef>
+          <a:effectRef idx="1">
+            <a:schemeClr val="accent6"/>
+          </a:effectRef>
+          <a:fontRef idx="minor">
+            <a:schemeClr val="dk1"/>
+          </a:fontRef>
+        </p:style>
+        <p:txBody>
+          <a:bodyPr rtlCol="0" anchor="ctr"/>
+          <a:lstStyle/>
+          <a:p>
+            <a:pPr algn="ctr"/>
+            <a:endParaRPr lang="en-US" sz="1050"/>
+          </a:p>
+        </p:txBody>
+      </p:sp>
+      <p:cxnSp>
+        <p:nvCxnSpPr>
+          <p:cNvPr id="110" name="Elbow Connector 63">
+            <a:extLst>
+              <a:ext uri="{FF2B5EF4-FFF2-40B4-BE49-F238E27FC236}">
+                <a16:creationId xmlns:a16="http://schemas.microsoft.com/office/drawing/2014/main" id="{48261472-2F2E-43E6-AA1A-F22230CC31CB}"/>
+              </a:ext>
+            </a:extLst>
+          </p:cNvPr>
+          <p:cNvCxnSpPr>
+            <a:cxnSpLocks/>
+            <a:stCxn id="109" idx="3"/>
+            <a:endCxn id="108" idx="1"/>
+          </p:cNvCxnSpPr>
+          <p:nvPr/>
+        </p:nvCxnSpPr>
+        <p:spPr>
+          <a:xfrm>
+            <a:off x="6082420" y="1275081"/>
+            <a:ext cx="218878" cy="3080"/>
+          </a:xfrm>
+          <a:prstGeom prst="bentConnector3">
+            <a:avLst/>
+          </a:prstGeom>
+          <a:ln w="19050">
+            <a:solidFill>
+              <a:srgbClr val="7030A0"/>
+            </a:solidFill>
+            <a:headEnd type="none" w="med" len="med"/>
+            <a:tailEnd type="arrow" w="med" len="med"/>
+          </a:ln>
+          <a:effectLst/>
+        </p:spPr>
+        <p:style>
+          <a:lnRef idx="1">
+            <a:schemeClr val="accent2"/>
+          </a:lnRef>
+          <a:fillRef idx="2">
+            <a:schemeClr val="accent2"/>
+          </a:fillRef>
+          <a:effectRef idx="1">
+            <a:schemeClr val="accent2"/>
+          </a:effectRef>
+          <a:fontRef idx="minor">
+            <a:schemeClr val="dk1"/>
+          </a:fontRef>
+        </p:style>
+      </p:cxnSp>
+      <p:sp>
+        <p:nvSpPr>
+          <p:cNvPr id="111" name="Rectangle 8">
+            <a:extLst>
+              <a:ext uri="{FF2B5EF4-FFF2-40B4-BE49-F238E27FC236}">
+                <a16:creationId xmlns:a16="http://schemas.microsoft.com/office/drawing/2014/main" id="{D85F6FF4-0FE1-4114-913C-7C73ABF5C420}"/>
+              </a:ext>
+            </a:extLst>
+          </p:cNvPr>
+          <p:cNvSpPr/>
+          <p:nvPr/>
+        </p:nvSpPr>
+        <p:spPr>
+          <a:xfrm>
+            <a:off x="7710767" y="934128"/>
+            <a:ext cx="708186" cy="285783"/>
+          </a:xfrm>
+          <a:prstGeom prst="rect">
+            <a:avLst/>
+          </a:prstGeom>
+          <a:ln w="19050">
+            <a:solidFill>
+              <a:srgbClr val="7030A0"/>
+            </a:solidFill>
+          </a:ln>
+          <a:effectLst/>
+        </p:spPr>
+        <p:style>
+          <a:lnRef idx="1">
+            <a:schemeClr val="accent4"/>
+          </a:lnRef>
+          <a:fillRef idx="2">
+            <a:schemeClr val="accent4"/>
+          </a:fillRef>
+          <a:effectRef idx="1">
+            <a:schemeClr val="accent4"/>
+          </a:effectRef>
+          <a:fontRef idx="minor">
+            <a:schemeClr val="dk1"/>
+          </a:fontRef>
+        </p:style>
+        <p:txBody>
+          <a:bodyPr rtlCol="0" anchor="ctr"/>
+          <a:lstStyle/>
+          <a:p>
+            <a:pPr algn="ctr"/>
+            <a:r>
+              <a:rPr lang="en-US" sz="1050" dirty="0">
+                <a:solidFill>
+                  <a:srgbClr val="7030A0"/>
+                </a:solidFill>
+              </a:rPr>
+              <a:t>Name</a:t>
+            </a:r>
+            <a:endParaRPr lang="en-SG" sz="1050" dirty="0">
+              <a:solidFill>
+                <a:srgbClr val="7030A0"/>
+              </a:solidFill>
+            </a:endParaRPr>
+          </a:p>
+        </p:txBody>
+      </p:sp>
+      <p:sp>
+        <p:nvSpPr>
+          <p:cNvPr id="112" name="Flowchart: Decision 96">
+            <a:extLst>
+              <a:ext uri="{FF2B5EF4-FFF2-40B4-BE49-F238E27FC236}">
+                <a16:creationId xmlns:a16="http://schemas.microsoft.com/office/drawing/2014/main" id="{D91ED9AA-AEF8-41B2-A58C-9F6909B56333}"/>
+              </a:ext>
+            </a:extLst>
+          </p:cNvPr>
+          <p:cNvSpPr/>
+          <p:nvPr/>
+        </p:nvSpPr>
+        <p:spPr>
+          <a:xfrm>
+            <a:off x="7097038" y="1194916"/>
+            <a:ext cx="236048" cy="173380"/>
+          </a:xfrm>
+          <a:prstGeom prst="flowChartDecision">
+            <a:avLst/>
+          </a:prstGeom>
+          <a:solidFill>
+            <a:srgbClr val="7030A0"/>
+          </a:solidFill>
+          <a:ln w="19050">
+            <a:solidFill>
+              <a:srgbClr val="7030A0"/>
+            </a:solidFill>
+          </a:ln>
+          <a:effectLst/>
+        </p:spPr>
+        <p:style>
+          <a:lnRef idx="1">
+            <a:schemeClr val="accent6"/>
+          </a:lnRef>
+          <a:fillRef idx="2">
+            <a:schemeClr val="accent6"/>
+          </a:fillRef>
+          <a:effectRef idx="1">
+            <a:schemeClr val="accent6"/>
+          </a:effectRef>
+          <a:fontRef idx="minor">
+            <a:schemeClr val="dk1"/>
+          </a:fontRef>
+        </p:style>
+        <p:txBody>
+          <a:bodyPr rtlCol="0" anchor="ctr"/>
+          <a:lstStyle/>
+          <a:p>
+            <a:pPr algn="ctr"/>
+            <a:endParaRPr lang="en-US" sz="1050"/>
+          </a:p>
+        </p:txBody>
+      </p:sp>
+      <p:cxnSp>
+        <p:nvCxnSpPr>
+          <p:cNvPr id="113" name="Elbow Connector 78">
+            <a:extLst>
+              <a:ext uri="{FF2B5EF4-FFF2-40B4-BE49-F238E27FC236}">
+                <a16:creationId xmlns:a16="http://schemas.microsoft.com/office/drawing/2014/main" id="{65CC73A5-8098-4558-9187-D208C582E8DD}"/>
+              </a:ext>
+            </a:extLst>
+          </p:cNvPr>
+          <p:cNvCxnSpPr>
+            <a:cxnSpLocks/>
+          </p:cNvCxnSpPr>
+          <p:nvPr/>
+        </p:nvCxnSpPr>
+        <p:spPr>
+          <a:xfrm flipV="1">
+            <a:off x="7245746" y="1078116"/>
+            <a:ext cx="511664" cy="203880"/>
+          </a:xfrm>
+          <a:prstGeom prst="bentConnector3">
+            <a:avLst>
+              <a:gd name="adj1" fmla="val 54038"/>
+            </a:avLst>
+          </a:prstGeom>
+          <a:ln w="19050">
+            <a:solidFill>
+              <a:srgbClr val="7030A0"/>
+            </a:solidFill>
+            <a:headEnd type="none" w="med" len="med"/>
+            <a:tailEnd type="arrow" w="med" len="med"/>
+          </a:ln>
+          <a:effectLst/>
+        </p:spPr>
+        <p:style>
+          <a:lnRef idx="1">
+            <a:schemeClr val="accent2"/>
+          </a:lnRef>
+          <a:fillRef idx="2">
+            <a:schemeClr val="accent2"/>
+          </a:fillRef>
+          <a:effectRef idx="1">
+            <a:schemeClr val="accent2"/>
+          </a:effectRef>
+          <a:fontRef idx="minor">
+            <a:schemeClr val="dk1"/>
+          </a:fontRef>
+        </p:style>
+      </p:cxnSp>
+      <p:sp>
+        <p:nvSpPr>
+          <p:cNvPr id="115" name="Rectangle 8">
+            <a:extLst>
+              <a:ext uri="{FF2B5EF4-FFF2-40B4-BE49-F238E27FC236}">
+                <a16:creationId xmlns:a16="http://schemas.microsoft.com/office/drawing/2014/main" id="{5E729CBE-FECB-4A78-AE01-185697907574}"/>
+              </a:ext>
+            </a:extLst>
+          </p:cNvPr>
+          <p:cNvSpPr/>
+          <p:nvPr/>
+        </p:nvSpPr>
+        <p:spPr>
+          <a:xfrm>
+            <a:off x="7712397" y="1357889"/>
+            <a:ext cx="708186" cy="285783"/>
+          </a:xfrm>
+          <a:prstGeom prst="rect">
+            <a:avLst/>
+          </a:prstGeom>
+          <a:ln w="19050">
+            <a:solidFill>
+              <a:srgbClr val="7030A0"/>
+            </a:solidFill>
+          </a:ln>
+          <a:effectLst/>
+        </p:spPr>
+        <p:style>
+          <a:lnRef idx="1">
+            <a:schemeClr val="accent4"/>
+          </a:lnRef>
+          <a:fillRef idx="2">
+            <a:schemeClr val="accent4"/>
+          </a:fillRef>
+          <a:effectRef idx="1">
+            <a:schemeClr val="accent4"/>
+          </a:effectRef>
+          <a:fontRef idx="minor">
+            <a:schemeClr val="dk1"/>
+          </a:fontRef>
+        </p:style>
+        <p:txBody>
+          <a:bodyPr rtlCol="0" anchor="ctr"/>
+          <a:lstStyle/>
+          <a:p>
+            <a:pPr algn="ctr"/>
+            <a:r>
+              <a:rPr lang="en-US" sz="1050" dirty="0">
+                <a:solidFill>
+                  <a:srgbClr val="7030A0"/>
+                </a:solidFill>
+              </a:rPr>
+              <a:t>Contact</a:t>
+            </a:r>
+            <a:endParaRPr lang="en-SG" sz="1050" dirty="0">
+              <a:solidFill>
+                <a:srgbClr val="7030A0"/>
+              </a:solidFill>
+            </a:endParaRPr>
+          </a:p>
+        </p:txBody>
+      </p:sp>
+      <p:cxnSp>
+        <p:nvCxnSpPr>
+          <p:cNvPr id="117" name="Elbow Connector 83">
+            <a:extLst>
+              <a:ext uri="{FF2B5EF4-FFF2-40B4-BE49-F238E27FC236}">
+                <a16:creationId xmlns:a16="http://schemas.microsoft.com/office/drawing/2014/main" id="{9F2189D4-D664-44CC-BAD1-2E6BB9CB016A}"/>
+              </a:ext>
+            </a:extLst>
+          </p:cNvPr>
+          <p:cNvCxnSpPr>
+            <a:cxnSpLocks/>
+            <a:stCxn id="112" idx="3"/>
+            <a:endCxn id="115" idx="1"/>
+          </p:cNvCxnSpPr>
+          <p:nvPr/>
+        </p:nvCxnSpPr>
+        <p:spPr>
+          <a:xfrm>
+            <a:off x="7333086" y="1281606"/>
+            <a:ext cx="379311" cy="219175"/>
+          </a:xfrm>
+          <a:prstGeom prst="bentConnector3">
+            <a:avLst/>
+          </a:prstGeom>
+          <a:ln w="19050">
+            <a:solidFill>
+              <a:srgbClr val="7030A0"/>
+            </a:solidFill>
+            <a:headEnd type="none" w="med" len="med"/>
+            <a:tailEnd type="arrow" w="med" len="med"/>
+          </a:ln>
+          <a:effectLst/>
+        </p:spPr>
+        <p:style>
+          <a:lnRef idx="1">
+            <a:schemeClr val="accent2"/>
+          </a:lnRef>
+          <a:fillRef idx="2">
+            <a:schemeClr val="accent2"/>
+          </a:fillRef>
+          <a:effectRef idx="1">
+            <a:schemeClr val="accent2"/>
+          </a:effectRef>
+          <a:fontRef idx="minor">
+            <a:schemeClr val="dk1"/>
+          </a:fontRef>
+        </p:style>
+      </p:cxnSp>
+      <p:sp>
+        <p:nvSpPr>
+          <p:cNvPr id="121" name="Rectangle 8">
+            <a:extLst>
+              <a:ext uri="{FF2B5EF4-FFF2-40B4-BE49-F238E27FC236}">
+                <a16:creationId xmlns:a16="http://schemas.microsoft.com/office/drawing/2014/main" id="{50262BC4-4089-4311-A48A-B97579C6153C}"/>
+              </a:ext>
+            </a:extLst>
+          </p:cNvPr>
+          <p:cNvSpPr/>
+          <p:nvPr/>
+        </p:nvSpPr>
+        <p:spPr>
+          <a:xfrm>
+            <a:off x="7700018" y="1779886"/>
+            <a:ext cx="708186" cy="285783"/>
+          </a:xfrm>
+          <a:prstGeom prst="rect">
+            <a:avLst/>
+          </a:prstGeom>
+          <a:ln w="19050">
+            <a:solidFill>
+              <a:srgbClr val="7030A0"/>
+            </a:solidFill>
+          </a:ln>
+          <a:effectLst/>
+        </p:spPr>
+        <p:style>
+          <a:lnRef idx="1">
+            <a:schemeClr val="accent4"/>
+          </a:lnRef>
+          <a:fillRef idx="2">
+            <a:schemeClr val="accent4"/>
+          </a:fillRef>
+          <a:effectRef idx="1">
+            <a:schemeClr val="accent4"/>
+          </a:effectRef>
+          <a:fontRef idx="minor">
+            <a:schemeClr val="dk1"/>
+          </a:fontRef>
+        </p:style>
+        <p:txBody>
+          <a:bodyPr rtlCol="0" anchor="ctr"/>
+          <a:lstStyle/>
+          <a:p>
+            <a:pPr algn="ctr"/>
+            <a:r>
+              <a:rPr lang="en-US" sz="1050" dirty="0">
+                <a:solidFill>
+                  <a:srgbClr val="7030A0"/>
+                </a:solidFill>
+              </a:rPr>
+              <a:t>Address</a:t>
+            </a:r>
+            <a:endParaRPr lang="en-SG" sz="1050" dirty="0">
+              <a:solidFill>
+                <a:srgbClr val="7030A0"/>
+              </a:solidFill>
+            </a:endParaRPr>
+          </a:p>
+        </p:txBody>
+      </p:sp>
+      <p:cxnSp>
+        <p:nvCxnSpPr>
+          <p:cNvPr id="123" name="Elbow Connector 85">
+            <a:extLst>
+              <a:ext uri="{FF2B5EF4-FFF2-40B4-BE49-F238E27FC236}">
+                <a16:creationId xmlns:a16="http://schemas.microsoft.com/office/drawing/2014/main" id="{CF0BD827-881A-41A8-ACE8-44652FE4463B}"/>
+              </a:ext>
+            </a:extLst>
+          </p:cNvPr>
+          <p:cNvCxnSpPr>
+            <a:cxnSpLocks/>
+            <a:stCxn id="112" idx="3"/>
+            <a:endCxn id="121" idx="1"/>
+          </p:cNvCxnSpPr>
+          <p:nvPr/>
+        </p:nvCxnSpPr>
+        <p:spPr>
+          <a:xfrm>
+            <a:off x="7333086" y="1281606"/>
+            <a:ext cx="366932" cy="641172"/>
+          </a:xfrm>
+          <a:prstGeom prst="bentConnector3">
+            <a:avLst/>
+          </a:prstGeom>
+          <a:ln w="19050">
+            <a:solidFill>
+              <a:srgbClr val="7030A0"/>
+            </a:solidFill>
+            <a:headEnd type="none" w="med" len="med"/>
+            <a:tailEnd type="arrow" w="med" len="med"/>
+          </a:ln>
+          <a:effectLst/>
+        </p:spPr>
+        <p:style>
+          <a:lnRef idx="1">
+            <a:schemeClr val="accent2"/>
+          </a:lnRef>
+          <a:fillRef idx="2">
+            <a:schemeClr val="accent2"/>
+          </a:fillRef>
+          <a:effectRef idx="1">
+            <a:schemeClr val="accent2"/>
+          </a:effectRef>
+          <a:fontRef idx="minor">
+            <a:schemeClr val="dk1"/>
+          </a:fontRef>
+        </p:style>
+      </p:cxnSp>
+      <p:sp>
+        <p:nvSpPr>
+          <p:cNvPr id="125" name="TextBox 124">
+            <a:extLst>
+              <a:ext uri="{FF2B5EF4-FFF2-40B4-BE49-F238E27FC236}">
+                <a16:creationId xmlns:a16="http://schemas.microsoft.com/office/drawing/2014/main" id="{6F64CFB2-F335-4FFB-A59D-E1C7ED59A08A}"/>
+              </a:ext>
+            </a:extLst>
+          </p:cNvPr>
+          <p:cNvSpPr txBox="1"/>
+          <p:nvPr/>
+        </p:nvSpPr>
+        <p:spPr>
+          <a:xfrm>
+            <a:off x="6122877" y="1344632"/>
+            <a:ext cx="189257" cy="178683"/>
+          </a:xfrm>
+          <a:prstGeom prst="rect">
+            <a:avLst/>
+          </a:prstGeom>
+          <a:noFill/>
+        </p:spPr>
+        <p:txBody>
+          <a:bodyPr wrap="square" lIns="0" tIns="0" rIns="0" bIns="0" rtlCol="0">
+            <a:noAutofit/>
+          </a:bodyPr>
+          <a:lstStyle/>
+          <a:p>
+            <a:pPr algn="ctr"/>
+            <a:r>
+              <a:rPr lang="en-US" sz="1100" dirty="0">
+                <a:solidFill>
+                  <a:srgbClr val="7030A0"/>
+                </a:solidFill>
+              </a:rPr>
+              <a:t>*</a:t>
+            </a:r>
+            <a:endParaRPr lang="en-SG" sz="1100" dirty="0">
+              <a:solidFill>
+                <a:srgbClr val="7030A0"/>
+              </a:solidFill>
+            </a:endParaRPr>
+          </a:p>
+        </p:txBody>
+      </p:sp>
+      <p:sp>
+        <p:nvSpPr>
+          <p:cNvPr id="126" name="Rectangle 8">
+            <a:extLst>
+              <a:ext uri="{FF2B5EF4-FFF2-40B4-BE49-F238E27FC236}">
+                <a16:creationId xmlns:a16="http://schemas.microsoft.com/office/drawing/2014/main" id="{451BC867-58C0-46A6-8982-351F4E4BA315}"/>
+              </a:ext>
+            </a:extLst>
+          </p:cNvPr>
+          <p:cNvSpPr/>
+          <p:nvPr/>
+        </p:nvSpPr>
+        <p:spPr>
+          <a:xfrm>
+            <a:off x="7700018" y="557616"/>
+            <a:ext cx="834382" cy="225032"/>
+          </a:xfrm>
+          <a:prstGeom prst="rect">
+            <a:avLst/>
+          </a:prstGeom>
+          <a:ln w="19050">
+            <a:solidFill>
+              <a:srgbClr val="7030A0"/>
+            </a:solidFill>
+          </a:ln>
+          <a:effectLst/>
+        </p:spPr>
+        <p:style>
+          <a:lnRef idx="1">
+            <a:schemeClr val="accent4"/>
+          </a:lnRef>
+          <a:fillRef idx="2">
+            <a:schemeClr val="accent4"/>
+          </a:fillRef>
+          <a:effectRef idx="1">
+            <a:schemeClr val="accent4"/>
+          </a:effectRef>
+          <a:fontRef idx="minor">
+            <a:schemeClr val="dk1"/>
+          </a:fontRef>
+        </p:style>
+        <p:txBody>
+          <a:bodyPr rtlCol="0" anchor="ctr"/>
+          <a:lstStyle/>
+          <a:p>
+            <a:pPr algn="ctr"/>
+            <a:r>
+              <a:rPr lang="en-US" sz="1050" dirty="0">
+                <a:solidFill>
+                  <a:srgbClr val="7030A0"/>
+                </a:solidFill>
+              </a:rPr>
+              <a:t>Description</a:t>
+            </a:r>
+            <a:endParaRPr lang="en-SG" sz="1050" dirty="0">
+              <a:solidFill>
+                <a:srgbClr val="7030A0"/>
+              </a:solidFill>
+            </a:endParaRPr>
+          </a:p>
+        </p:txBody>
+      </p:sp>
+      <p:cxnSp>
+        <p:nvCxnSpPr>
+          <p:cNvPr id="127" name="Elbow Connector 78">
+            <a:extLst>
+              <a:ext uri="{FF2B5EF4-FFF2-40B4-BE49-F238E27FC236}">
+                <a16:creationId xmlns:a16="http://schemas.microsoft.com/office/drawing/2014/main" id="{B86AB09A-D3D2-476A-B859-B662A5AE1DC0}"/>
+              </a:ext>
+            </a:extLst>
+          </p:cNvPr>
+          <p:cNvCxnSpPr>
+            <a:cxnSpLocks/>
+            <a:stCxn id="112" idx="3"/>
+            <a:endCxn id="126" idx="1"/>
+          </p:cNvCxnSpPr>
+          <p:nvPr/>
+        </p:nvCxnSpPr>
+        <p:spPr>
+          <a:xfrm flipV="1">
+            <a:off x="7333086" y="670132"/>
+            <a:ext cx="366932" cy="611474"/>
+          </a:xfrm>
+          <a:prstGeom prst="bentConnector3">
+            <a:avLst>
+              <a:gd name="adj1" fmla="val 50000"/>
+            </a:avLst>
+          </a:prstGeom>
+          <a:ln w="19050">
+            <a:solidFill>
+              <a:srgbClr val="7030A0"/>
+            </a:solidFill>
+            <a:headEnd type="none" w="med" len="med"/>
+            <a:tailEnd type="arrow" w="med" len="med"/>
+          </a:ln>
+          <a:effectLst/>
+        </p:spPr>
+        <p:style>
+          <a:lnRef idx="1">
+            <a:schemeClr val="accent2"/>
+          </a:lnRef>
+          <a:fillRef idx="2">
+            <a:schemeClr val="accent2"/>
+          </a:fillRef>
+          <a:effectRef idx="1">
+            <a:schemeClr val="accent2"/>
+          </a:effectRef>
+          <a:fontRef idx="minor">
+            <a:schemeClr val="dk1"/>
+          </a:fontRef>
+        </p:style>
+      </p:cxnSp>
+      <p:sp>
+        <p:nvSpPr>
+          <p:cNvPr id="128" name="TextBox 127">
+            <a:extLst>
+              <a:ext uri="{FF2B5EF4-FFF2-40B4-BE49-F238E27FC236}">
+                <a16:creationId xmlns:a16="http://schemas.microsoft.com/office/drawing/2014/main" id="{3290A307-E54E-465C-8D13-4C9E238439B8}"/>
+              </a:ext>
+            </a:extLst>
+          </p:cNvPr>
+          <p:cNvSpPr txBox="1"/>
+          <p:nvPr/>
+        </p:nvSpPr>
+        <p:spPr>
+          <a:xfrm>
+            <a:off x="7453864" y="502426"/>
+            <a:ext cx="189257" cy="178683"/>
+          </a:xfrm>
+          <a:prstGeom prst="rect">
+            <a:avLst/>
+          </a:prstGeom>
+          <a:noFill/>
+        </p:spPr>
+        <p:txBody>
+          <a:bodyPr wrap="square" lIns="0" tIns="0" rIns="0" bIns="0" rtlCol="0">
+            <a:noAutofit/>
+          </a:bodyPr>
+          <a:lstStyle/>
+          <a:p>
+            <a:pPr algn="ctr"/>
+            <a:r>
+              <a:rPr lang="en-US" sz="1100" dirty="0">
+                <a:solidFill>
+                  <a:srgbClr val="7030A0"/>
+                </a:solidFill>
+              </a:rPr>
+              <a:t>*</a:t>
+            </a:r>
+            <a:endParaRPr lang="en-SG" sz="1100" dirty="0">
+              <a:solidFill>
+                <a:srgbClr val="7030A0"/>
+              </a:solidFill>
+            </a:endParaRPr>
+          </a:p>
+        </p:txBody>
+      </p:sp>
+      <p:cxnSp>
+        <p:nvCxnSpPr>
+          <p:cNvPr id="129" name="Connector: Elbow 128">
+            <a:extLst>
+              <a:ext uri="{FF2B5EF4-FFF2-40B4-BE49-F238E27FC236}">
+                <a16:creationId xmlns:a16="http://schemas.microsoft.com/office/drawing/2014/main" id="{49D5473C-4141-40F6-8DBE-C86621B96AA7}"/>
+              </a:ext>
+            </a:extLst>
+          </p:cNvPr>
+          <p:cNvCxnSpPr>
+            <a:cxnSpLocks/>
+            <a:stCxn id="51" idx="2"/>
+          </p:cNvCxnSpPr>
+          <p:nvPr/>
+        </p:nvCxnSpPr>
+        <p:spPr>
+          <a:xfrm rot="16200000" flipH="1">
+            <a:off x="3561065" y="3975843"/>
+            <a:ext cx="2316288" cy="552426"/>
+          </a:xfrm>
+          <a:prstGeom prst="bentConnector3">
+            <a:avLst>
+              <a:gd name="adj1" fmla="val 99556"/>
+            </a:avLst>
+          </a:prstGeom>
+          <a:ln w="19050">
+            <a:tailEnd type="triangle"/>
+          </a:ln>
+        </p:spPr>
+        <p:style>
+          <a:lnRef idx="1">
+            <a:schemeClr val="accent4"/>
+          </a:lnRef>
+          <a:fillRef idx="0">
+            <a:schemeClr val="accent4"/>
+          </a:fillRef>
+          <a:effectRef idx="0">
+            <a:schemeClr val="accent4"/>
+          </a:effectRef>
+          <a:fontRef idx="minor">
+            <a:schemeClr val="tx1"/>
+          </a:fontRef>
+        </p:style>
+      </p:cxnSp>
+      <p:sp>
+        <p:nvSpPr>
+          <p:cNvPr id="173" name="Rectangle 8">
+            <a:extLst>
+              <a:ext uri="{FF2B5EF4-FFF2-40B4-BE49-F238E27FC236}">
+                <a16:creationId xmlns:a16="http://schemas.microsoft.com/office/drawing/2014/main" id="{DE5F93B1-4D01-41E4-9B25-01A89110E893}"/>
+              </a:ext>
+            </a:extLst>
+          </p:cNvPr>
+          <p:cNvSpPr/>
+          <p:nvPr/>
+        </p:nvSpPr>
+        <p:spPr>
+          <a:xfrm>
+            <a:off x="4725157" y="2846162"/>
+            <a:ext cx="1156969" cy="346760"/>
+          </a:xfrm>
+          <a:prstGeom prst="rect">
+            <a:avLst/>
+          </a:prstGeom>
+          <a:ln w="19050">
+            <a:solidFill>
+              <a:srgbClr val="7030A0"/>
+            </a:solidFill>
+          </a:ln>
+          <a:effectLst/>
+        </p:spPr>
+        <p:style>
+          <a:lnRef idx="1">
+            <a:schemeClr val="accent4"/>
+          </a:lnRef>
+          <a:fillRef idx="2">
+            <a:schemeClr val="accent4"/>
+          </a:fillRef>
+          <a:effectRef idx="1">
+            <a:schemeClr val="accent4"/>
+          </a:effectRef>
+          <a:fontRef idx="minor">
+            <a:schemeClr val="dk1"/>
+          </a:fontRef>
+        </p:style>
+        <p:txBody>
+          <a:bodyPr rtlCol="0" anchor="ctr"/>
+          <a:lstStyle/>
+          <a:p>
+            <a:pPr algn="ctr"/>
+            <a:r>
+              <a:rPr lang="en-US" sz="1050" dirty="0" err="1">
+                <a:solidFill>
+                  <a:srgbClr val="7030A0"/>
+                </a:solidFill>
+              </a:rPr>
+              <a:t>UniqueProjectList</a:t>
+            </a:r>
+            <a:endParaRPr lang="en-SG" sz="1050" dirty="0">
+              <a:solidFill>
+                <a:srgbClr val="7030A0"/>
+              </a:solidFill>
+            </a:endParaRPr>
+          </a:p>
+        </p:txBody>
+      </p:sp>
+      <p:sp>
+        <p:nvSpPr>
+          <p:cNvPr id="174" name="Rectangle 8">
+            <a:extLst>
+              <a:ext uri="{FF2B5EF4-FFF2-40B4-BE49-F238E27FC236}">
+                <a16:creationId xmlns:a16="http://schemas.microsoft.com/office/drawing/2014/main" id="{7D355063-F9B5-4102-91F3-E39402038FA3}"/>
+              </a:ext>
+            </a:extLst>
+          </p:cNvPr>
+          <p:cNvSpPr/>
+          <p:nvPr/>
+        </p:nvSpPr>
+        <p:spPr>
+          <a:xfrm>
+            <a:off x="6364837" y="2834258"/>
+            <a:ext cx="708186" cy="346760"/>
+          </a:xfrm>
+          <a:prstGeom prst="rect">
+            <a:avLst/>
+          </a:prstGeom>
+          <a:ln w="19050">
+            <a:solidFill>
+              <a:srgbClr val="7030A0"/>
+            </a:solidFill>
+          </a:ln>
+          <a:effectLst/>
+        </p:spPr>
+        <p:style>
+          <a:lnRef idx="1">
+            <a:schemeClr val="accent4"/>
+          </a:lnRef>
+          <a:fillRef idx="2">
+            <a:schemeClr val="accent4"/>
+          </a:fillRef>
+          <a:effectRef idx="1">
+            <a:schemeClr val="accent4"/>
+          </a:effectRef>
+          <a:fontRef idx="minor">
+            <a:schemeClr val="dk1"/>
+          </a:fontRef>
+        </p:style>
+        <p:txBody>
+          <a:bodyPr rtlCol="0" anchor="ctr"/>
+          <a:lstStyle/>
+          <a:p>
+            <a:pPr algn="ctr"/>
+            <a:r>
+              <a:rPr lang="en-US" sz="1050" dirty="0">
+                <a:solidFill>
+                  <a:srgbClr val="7030A0"/>
+                </a:solidFill>
+              </a:rPr>
+              <a:t>Project</a:t>
+            </a:r>
+            <a:endParaRPr lang="en-SG" sz="1050" dirty="0">
+              <a:solidFill>
+                <a:srgbClr val="7030A0"/>
+              </a:solidFill>
+            </a:endParaRPr>
+          </a:p>
+        </p:txBody>
+      </p:sp>
+      <p:sp>
+        <p:nvSpPr>
+          <p:cNvPr id="175" name="Flowchart: Decision 96">
+            <a:extLst>
+              <a:ext uri="{FF2B5EF4-FFF2-40B4-BE49-F238E27FC236}">
+                <a16:creationId xmlns:a16="http://schemas.microsoft.com/office/drawing/2014/main" id="{2F380AE6-3CFA-4EBC-9562-B43D5D13F385}"/>
+              </a:ext>
+            </a:extLst>
+          </p:cNvPr>
+          <p:cNvSpPr/>
+          <p:nvPr/>
+        </p:nvSpPr>
+        <p:spPr>
+          <a:xfrm>
+            <a:off x="5882126" y="2924537"/>
+            <a:ext cx="236048" cy="173380"/>
+          </a:xfrm>
+          <a:prstGeom prst="flowChartDecision">
+            <a:avLst/>
+          </a:prstGeom>
+          <a:noFill/>
+          <a:ln w="19050">
+            <a:solidFill>
+              <a:srgbClr val="7030A0"/>
+            </a:solidFill>
+          </a:ln>
+          <a:effectLst/>
+        </p:spPr>
+        <p:style>
+          <a:lnRef idx="1">
+            <a:schemeClr val="accent6"/>
+          </a:lnRef>
+          <a:fillRef idx="2">
+            <a:schemeClr val="accent6"/>
+          </a:fillRef>
+          <a:effectRef idx="1">
+            <a:schemeClr val="accent6"/>
+          </a:effectRef>
+          <a:fontRef idx="minor">
+            <a:schemeClr val="dk1"/>
+          </a:fontRef>
+        </p:style>
+        <p:txBody>
+          <a:bodyPr rtlCol="0" anchor="ctr"/>
+          <a:lstStyle/>
+          <a:p>
+            <a:pPr algn="ctr"/>
+            <a:endParaRPr lang="en-US" sz="1050"/>
+          </a:p>
+        </p:txBody>
+      </p:sp>
+      <p:cxnSp>
+        <p:nvCxnSpPr>
+          <p:cNvPr id="176" name="Elbow Connector 63">
+            <a:extLst>
+              <a:ext uri="{FF2B5EF4-FFF2-40B4-BE49-F238E27FC236}">
+                <a16:creationId xmlns:a16="http://schemas.microsoft.com/office/drawing/2014/main" id="{973BB791-61D2-41C9-A67B-6897CE22077F}"/>
+              </a:ext>
+            </a:extLst>
+          </p:cNvPr>
+          <p:cNvCxnSpPr>
+            <a:cxnSpLocks/>
+            <a:stCxn id="175" idx="3"/>
+            <a:endCxn id="174" idx="1"/>
+          </p:cNvCxnSpPr>
+          <p:nvPr/>
+        </p:nvCxnSpPr>
+        <p:spPr>
+          <a:xfrm flipV="1">
+            <a:off x="6118174" y="3007638"/>
+            <a:ext cx="246663" cy="3589"/>
+          </a:xfrm>
+          <a:prstGeom prst="bentConnector3">
+            <a:avLst>
+              <a:gd name="adj1" fmla="val 50000"/>
+            </a:avLst>
+          </a:prstGeom>
+          <a:ln w="19050">
+            <a:solidFill>
+              <a:srgbClr val="7030A0"/>
+            </a:solidFill>
+            <a:headEnd type="none" w="med" len="med"/>
+            <a:tailEnd type="arrow" w="med" len="med"/>
+          </a:ln>
+          <a:effectLst/>
+        </p:spPr>
+        <p:style>
+          <a:lnRef idx="1">
+            <a:schemeClr val="accent2"/>
+          </a:lnRef>
+          <a:fillRef idx="2">
+            <a:schemeClr val="accent2"/>
+          </a:fillRef>
+          <a:effectRef idx="1">
+            <a:schemeClr val="accent2"/>
+          </a:effectRef>
+          <a:fontRef idx="minor">
+            <a:schemeClr val="dk1"/>
+          </a:fontRef>
+        </p:style>
+      </p:cxnSp>
+      <p:sp>
+        <p:nvSpPr>
+          <p:cNvPr id="177" name="Rectangle 8">
+            <a:extLst>
+              <a:ext uri="{FF2B5EF4-FFF2-40B4-BE49-F238E27FC236}">
+                <a16:creationId xmlns:a16="http://schemas.microsoft.com/office/drawing/2014/main" id="{7BF9FAEB-34F3-43BE-B1ED-FF81870B1A1F}"/>
+              </a:ext>
+            </a:extLst>
+          </p:cNvPr>
+          <p:cNvSpPr/>
+          <p:nvPr/>
+        </p:nvSpPr>
+        <p:spPr>
+          <a:xfrm>
+            <a:off x="7764858" y="3013590"/>
+            <a:ext cx="708186" cy="285783"/>
+          </a:xfrm>
+          <a:prstGeom prst="rect">
+            <a:avLst/>
+          </a:prstGeom>
+          <a:ln w="19050">
+            <a:solidFill>
+              <a:srgbClr val="7030A0"/>
+            </a:solidFill>
+          </a:ln>
+          <a:effectLst/>
+        </p:spPr>
+        <p:style>
+          <a:lnRef idx="1">
+            <a:schemeClr val="accent4"/>
+          </a:lnRef>
+          <a:fillRef idx="2">
+            <a:schemeClr val="accent4"/>
+          </a:fillRef>
+          <a:effectRef idx="1">
+            <a:schemeClr val="accent4"/>
+          </a:effectRef>
+          <a:fontRef idx="minor">
+            <a:schemeClr val="dk1"/>
+          </a:fontRef>
+        </p:style>
+        <p:txBody>
+          <a:bodyPr rtlCol="0" anchor="ctr"/>
+          <a:lstStyle/>
+          <a:p>
+            <a:pPr algn="ctr"/>
+            <a:r>
+              <a:rPr lang="en-US" sz="1050" dirty="0">
+                <a:solidFill>
+                  <a:srgbClr val="7030A0"/>
+                </a:solidFill>
+              </a:rPr>
+              <a:t>Name</a:t>
+            </a:r>
+            <a:endParaRPr lang="en-SG" sz="1050" dirty="0">
+              <a:solidFill>
+                <a:srgbClr val="7030A0"/>
+              </a:solidFill>
+            </a:endParaRPr>
+          </a:p>
+        </p:txBody>
+      </p:sp>
+      <p:sp>
+        <p:nvSpPr>
+          <p:cNvPr id="178" name="Flowchart: Decision 96">
+            <a:extLst>
+              <a:ext uri="{FF2B5EF4-FFF2-40B4-BE49-F238E27FC236}">
+                <a16:creationId xmlns:a16="http://schemas.microsoft.com/office/drawing/2014/main" id="{F0A82EB9-A23A-4C14-A981-8CCEBEDFA48A}"/>
+              </a:ext>
+            </a:extLst>
+          </p:cNvPr>
+          <p:cNvSpPr/>
+          <p:nvPr/>
+        </p:nvSpPr>
+        <p:spPr>
+          <a:xfrm>
+            <a:off x="7074454" y="2933685"/>
+            <a:ext cx="236048" cy="173380"/>
+          </a:xfrm>
+          <a:prstGeom prst="flowChartDecision">
+            <a:avLst/>
+          </a:prstGeom>
+          <a:solidFill>
+            <a:srgbClr val="7030A0"/>
+          </a:solidFill>
+          <a:ln w="19050">
+            <a:solidFill>
+              <a:srgbClr val="7030A0"/>
+            </a:solidFill>
+          </a:ln>
+          <a:effectLst/>
+        </p:spPr>
+        <p:style>
+          <a:lnRef idx="1">
+            <a:schemeClr val="accent6"/>
+          </a:lnRef>
+          <a:fillRef idx="2">
+            <a:schemeClr val="accent6"/>
+          </a:fillRef>
+          <a:effectRef idx="1">
+            <a:schemeClr val="accent6"/>
+          </a:effectRef>
+          <a:fontRef idx="minor">
+            <a:schemeClr val="dk1"/>
+          </a:fontRef>
+        </p:style>
+        <p:txBody>
+          <a:bodyPr rtlCol="0" anchor="ctr"/>
+          <a:lstStyle/>
+          <a:p>
+            <a:pPr algn="ctr"/>
+            <a:endParaRPr lang="en-US" sz="1050"/>
+          </a:p>
+        </p:txBody>
+      </p:sp>
+      <p:cxnSp>
+        <p:nvCxnSpPr>
+          <p:cNvPr id="179" name="Elbow Connector 78">
+            <a:extLst>
+              <a:ext uri="{FF2B5EF4-FFF2-40B4-BE49-F238E27FC236}">
+                <a16:creationId xmlns:a16="http://schemas.microsoft.com/office/drawing/2014/main" id="{5B6E7F6F-E008-441B-BFD9-F46CE1B5648D}"/>
+              </a:ext>
+            </a:extLst>
+          </p:cNvPr>
+          <p:cNvCxnSpPr>
+            <a:cxnSpLocks/>
+            <a:endCxn id="177" idx="1"/>
+          </p:cNvCxnSpPr>
+          <p:nvPr/>
+        </p:nvCxnSpPr>
+        <p:spPr>
+          <a:xfrm>
+            <a:off x="7310502" y="3020068"/>
+            <a:ext cx="454356" cy="136414"/>
+          </a:xfrm>
+          <a:prstGeom prst="bentConnector3">
+            <a:avLst>
+              <a:gd name="adj1" fmla="val 47453"/>
+            </a:avLst>
+          </a:prstGeom>
+          <a:ln w="19050">
+            <a:solidFill>
+              <a:srgbClr val="7030A0"/>
+            </a:solidFill>
+            <a:headEnd type="none" w="med" len="med"/>
+            <a:tailEnd type="arrow" w="med" len="med"/>
+          </a:ln>
+          <a:effectLst/>
+        </p:spPr>
+        <p:style>
+          <a:lnRef idx="1">
+            <a:schemeClr val="accent2"/>
+          </a:lnRef>
+          <a:fillRef idx="2">
+            <a:schemeClr val="accent2"/>
+          </a:fillRef>
+          <a:effectRef idx="1">
+            <a:schemeClr val="accent2"/>
+          </a:effectRef>
+          <a:fontRef idx="minor">
+            <a:schemeClr val="dk1"/>
+          </a:fontRef>
+        </p:style>
+      </p:cxnSp>
+      <p:sp>
+        <p:nvSpPr>
+          <p:cNvPr id="182" name="Rectangle 8">
+            <a:extLst>
+              <a:ext uri="{FF2B5EF4-FFF2-40B4-BE49-F238E27FC236}">
+                <a16:creationId xmlns:a16="http://schemas.microsoft.com/office/drawing/2014/main" id="{7B1B2FCC-484E-4D97-8BF6-02EFE3321AB0}"/>
+              </a:ext>
+            </a:extLst>
+          </p:cNvPr>
+          <p:cNvSpPr/>
+          <p:nvPr/>
+        </p:nvSpPr>
+        <p:spPr>
+          <a:xfrm>
+            <a:off x="7753747" y="3426881"/>
+            <a:ext cx="708186" cy="285783"/>
+          </a:xfrm>
+          <a:prstGeom prst="rect">
+            <a:avLst/>
+          </a:prstGeom>
+          <a:ln w="19050">
+            <a:solidFill>
+              <a:srgbClr val="7030A0"/>
+            </a:solidFill>
+          </a:ln>
+          <a:effectLst/>
+        </p:spPr>
+        <p:style>
+          <a:lnRef idx="1">
+            <a:schemeClr val="accent4"/>
+          </a:lnRef>
+          <a:fillRef idx="2">
+            <a:schemeClr val="accent4"/>
+          </a:fillRef>
+          <a:effectRef idx="1">
+            <a:schemeClr val="accent4"/>
+          </a:effectRef>
+          <a:fontRef idx="minor">
+            <a:schemeClr val="dk1"/>
+          </a:fontRef>
+        </p:style>
+        <p:txBody>
+          <a:bodyPr rtlCol="0" anchor="ctr"/>
+          <a:lstStyle/>
+          <a:p>
+            <a:pPr algn="ctr"/>
+            <a:r>
+              <a:rPr lang="en-US" sz="1050" dirty="0">
+                <a:solidFill>
+                  <a:srgbClr val="7030A0"/>
+                </a:solidFill>
+              </a:rPr>
+              <a:t>Status</a:t>
+            </a:r>
+            <a:endParaRPr lang="en-SG" sz="1050" dirty="0">
+              <a:solidFill>
+                <a:srgbClr val="7030A0"/>
+              </a:solidFill>
+            </a:endParaRPr>
+          </a:p>
+        </p:txBody>
+      </p:sp>
+      <p:cxnSp>
+        <p:nvCxnSpPr>
+          <p:cNvPr id="183" name="Elbow Connector 85">
+            <a:extLst>
+              <a:ext uri="{FF2B5EF4-FFF2-40B4-BE49-F238E27FC236}">
+                <a16:creationId xmlns:a16="http://schemas.microsoft.com/office/drawing/2014/main" id="{1D8B9D90-BC95-40D9-B88D-A9209BA57CFF}"/>
+              </a:ext>
+            </a:extLst>
+          </p:cNvPr>
+          <p:cNvCxnSpPr>
+            <a:cxnSpLocks/>
+            <a:stCxn id="178" idx="3"/>
+          </p:cNvCxnSpPr>
+          <p:nvPr/>
+        </p:nvCxnSpPr>
+        <p:spPr>
+          <a:xfrm>
+            <a:off x="7310502" y="3020375"/>
+            <a:ext cx="434402" cy="641172"/>
+          </a:xfrm>
+          <a:prstGeom prst="bentConnector3">
+            <a:avLst/>
+          </a:prstGeom>
+          <a:ln w="19050">
+            <a:solidFill>
+              <a:srgbClr val="7030A0"/>
+            </a:solidFill>
+            <a:headEnd type="none" w="med" len="med"/>
+            <a:tailEnd type="arrow" w="med" len="med"/>
+          </a:ln>
+          <a:effectLst/>
+        </p:spPr>
+        <p:style>
+          <a:lnRef idx="1">
+            <a:schemeClr val="accent2"/>
+          </a:lnRef>
+          <a:fillRef idx="2">
+            <a:schemeClr val="accent2"/>
+          </a:fillRef>
+          <a:effectRef idx="1">
+            <a:schemeClr val="accent2"/>
+          </a:effectRef>
+          <a:fontRef idx="minor">
+            <a:schemeClr val="dk1"/>
+          </a:fontRef>
+        </p:style>
+      </p:cxnSp>
+      <p:sp>
+        <p:nvSpPr>
+          <p:cNvPr id="185" name="Rectangle 8">
+            <a:extLst>
+              <a:ext uri="{FF2B5EF4-FFF2-40B4-BE49-F238E27FC236}">
+                <a16:creationId xmlns:a16="http://schemas.microsoft.com/office/drawing/2014/main" id="{6ED24253-F4C6-4D6C-9EDE-DB6A7272779A}"/>
+              </a:ext>
+            </a:extLst>
+          </p:cNvPr>
+          <p:cNvSpPr/>
+          <p:nvPr/>
+        </p:nvSpPr>
+        <p:spPr>
+          <a:xfrm>
+            <a:off x="7752479" y="2633393"/>
+            <a:ext cx="834382" cy="225032"/>
+          </a:xfrm>
+          <a:prstGeom prst="rect">
+            <a:avLst/>
+          </a:prstGeom>
+          <a:ln w="19050">
+            <a:solidFill>
+              <a:srgbClr val="7030A0"/>
+            </a:solidFill>
+          </a:ln>
+          <a:effectLst/>
+        </p:spPr>
+        <p:style>
+          <a:lnRef idx="1">
+            <a:schemeClr val="accent4"/>
+          </a:lnRef>
+          <a:fillRef idx="2">
+            <a:schemeClr val="accent4"/>
+          </a:fillRef>
+          <a:effectRef idx="1">
+            <a:schemeClr val="accent4"/>
+          </a:effectRef>
+          <a:fontRef idx="minor">
+            <a:schemeClr val="dk1"/>
+          </a:fontRef>
+        </p:style>
+        <p:txBody>
+          <a:bodyPr rtlCol="0" anchor="ctr"/>
+          <a:lstStyle/>
+          <a:p>
+            <a:pPr algn="ctr"/>
+            <a:r>
+              <a:rPr lang="en-US" sz="1050" dirty="0">
+                <a:solidFill>
+                  <a:srgbClr val="7030A0"/>
+                </a:solidFill>
+              </a:rPr>
+              <a:t>Date</a:t>
+            </a:r>
+            <a:endParaRPr lang="en-SG" sz="1050" dirty="0">
+              <a:solidFill>
+                <a:srgbClr val="7030A0"/>
+              </a:solidFill>
+            </a:endParaRPr>
+          </a:p>
+        </p:txBody>
+      </p:sp>
+      <p:cxnSp>
+        <p:nvCxnSpPr>
+          <p:cNvPr id="186" name="Elbow Connector 78">
+            <a:extLst>
+              <a:ext uri="{FF2B5EF4-FFF2-40B4-BE49-F238E27FC236}">
+                <a16:creationId xmlns:a16="http://schemas.microsoft.com/office/drawing/2014/main" id="{07487563-06A5-4319-A0E4-3103BCA0CDAD}"/>
+              </a:ext>
+            </a:extLst>
+          </p:cNvPr>
+          <p:cNvCxnSpPr>
+            <a:cxnSpLocks/>
+            <a:stCxn id="178" idx="3"/>
+            <a:endCxn id="185" idx="1"/>
+          </p:cNvCxnSpPr>
+          <p:nvPr/>
+        </p:nvCxnSpPr>
+        <p:spPr>
+          <a:xfrm flipV="1">
+            <a:off x="7310502" y="2745909"/>
+            <a:ext cx="441977" cy="274466"/>
+          </a:xfrm>
+          <a:prstGeom prst="bentConnector3">
+            <a:avLst>
+              <a:gd name="adj1" fmla="val 50000"/>
+            </a:avLst>
+          </a:prstGeom>
+          <a:ln w="19050">
+            <a:solidFill>
+              <a:srgbClr val="7030A0"/>
+            </a:solidFill>
+            <a:headEnd type="none" w="med" len="med"/>
+            <a:tailEnd type="arrow" w="med" len="med"/>
+          </a:ln>
+          <a:effectLst/>
+        </p:spPr>
+        <p:style>
+          <a:lnRef idx="1">
+            <a:schemeClr val="accent2"/>
+          </a:lnRef>
+          <a:fillRef idx="2">
+            <a:schemeClr val="accent2"/>
+          </a:fillRef>
+          <a:effectRef idx="1">
+            <a:schemeClr val="accent2"/>
+          </a:effectRef>
+          <a:fontRef idx="minor">
+            <a:schemeClr val="dk1"/>
+          </a:fontRef>
+        </p:style>
+      </p:cxnSp>
+      <p:sp>
+        <p:nvSpPr>
+          <p:cNvPr id="187" name="TextBox 186">
+            <a:extLst>
+              <a:ext uri="{FF2B5EF4-FFF2-40B4-BE49-F238E27FC236}">
+                <a16:creationId xmlns:a16="http://schemas.microsoft.com/office/drawing/2014/main" id="{5556259C-F612-4328-9E97-B1D95AC74131}"/>
+              </a:ext>
+            </a:extLst>
+          </p:cNvPr>
+          <p:cNvSpPr txBox="1"/>
+          <p:nvPr/>
+        </p:nvSpPr>
+        <p:spPr>
+          <a:xfrm>
+            <a:off x="6978395" y="6324600"/>
+            <a:ext cx="189257" cy="178683"/>
+          </a:xfrm>
+          <a:prstGeom prst="rect">
+            <a:avLst/>
+          </a:prstGeom>
+          <a:noFill/>
+        </p:spPr>
+        <p:txBody>
+          <a:bodyPr wrap="square" lIns="0" tIns="0" rIns="0" bIns="0" rtlCol="0">
+            <a:noAutofit/>
+          </a:bodyPr>
+          <a:lstStyle/>
+          <a:p>
+            <a:pPr algn="ctr"/>
+            <a:r>
+              <a:rPr lang="en-US" sz="1100" dirty="0">
+                <a:solidFill>
+                  <a:srgbClr val="7030A0"/>
+                </a:solidFill>
+              </a:rPr>
+              <a:t>*</a:t>
+            </a:r>
+            <a:endParaRPr lang="en-SG" sz="1100" dirty="0">
+              <a:solidFill>
+                <a:srgbClr val="7030A0"/>
+              </a:solidFill>
+            </a:endParaRPr>
+          </a:p>
+        </p:txBody>
+      </p:sp>
+      <p:cxnSp>
+        <p:nvCxnSpPr>
+          <p:cNvPr id="190" name="Connector: Elbow 189">
+            <a:extLst>
+              <a:ext uri="{FF2B5EF4-FFF2-40B4-BE49-F238E27FC236}">
+                <a16:creationId xmlns:a16="http://schemas.microsoft.com/office/drawing/2014/main" id="{B80DBAEB-0E2F-4BD5-9F11-025E54DE4E60}"/>
+              </a:ext>
+            </a:extLst>
+          </p:cNvPr>
+          <p:cNvCxnSpPr>
+            <a:cxnSpLocks/>
+            <a:stCxn id="174" idx="2"/>
+            <a:endCxn id="49" idx="0"/>
+          </p:cNvCxnSpPr>
+          <p:nvPr/>
+        </p:nvCxnSpPr>
+        <p:spPr>
+          <a:xfrm rot="5400000">
+            <a:off x="5112140" y="3625650"/>
+            <a:ext cx="2051423" cy="1162158"/>
+          </a:xfrm>
+          <a:prstGeom prst="bentConnector3">
+            <a:avLst>
+              <a:gd name="adj1" fmla="val 79340"/>
+            </a:avLst>
+          </a:prstGeom>
+          <a:ln w="19050">
+            <a:tailEnd type="triangle"/>
+          </a:ln>
+        </p:spPr>
+        <p:style>
+          <a:lnRef idx="1">
+            <a:schemeClr val="accent4"/>
+          </a:lnRef>
+          <a:fillRef idx="0">
+            <a:schemeClr val="accent4"/>
+          </a:fillRef>
+          <a:effectRef idx="0">
+            <a:schemeClr val="accent4"/>
+          </a:effectRef>
+          <a:fontRef idx="minor">
+            <a:schemeClr val="tx1"/>
+          </a:fontRef>
+        </p:style>
+      </p:cxnSp>
+      <p:sp>
+        <p:nvSpPr>
+          <p:cNvPr id="192" name="TextBox 191">
+            <a:extLst>
+              <a:ext uri="{FF2B5EF4-FFF2-40B4-BE49-F238E27FC236}">
+                <a16:creationId xmlns:a16="http://schemas.microsoft.com/office/drawing/2014/main" id="{1CC0FDA8-FA32-48F8-B034-48CF55C87BBD}"/>
+              </a:ext>
+            </a:extLst>
+          </p:cNvPr>
+          <p:cNvSpPr txBox="1"/>
+          <p:nvPr/>
+        </p:nvSpPr>
+        <p:spPr>
+          <a:xfrm>
+            <a:off x="5581044" y="5033402"/>
+            <a:ext cx="189257" cy="178683"/>
+          </a:xfrm>
+          <a:prstGeom prst="rect">
+            <a:avLst/>
+          </a:prstGeom>
+          <a:noFill/>
+        </p:spPr>
+        <p:txBody>
+          <a:bodyPr wrap="square" lIns="0" tIns="0" rIns="0" bIns="0" rtlCol="0">
+            <a:noAutofit/>
+          </a:bodyPr>
+          <a:lstStyle/>
+          <a:p>
+            <a:pPr algn="ctr"/>
+            <a:r>
+              <a:rPr lang="en-US" sz="1100" dirty="0">
+                <a:solidFill>
+                  <a:srgbClr val="7030A0"/>
+                </a:solidFill>
+              </a:rPr>
+              <a:t>1</a:t>
+            </a:r>
+            <a:endParaRPr lang="en-SG" sz="1100" dirty="0">
+              <a:solidFill>
+                <a:srgbClr val="7030A0"/>
+              </a:solidFill>
+            </a:endParaRPr>
+          </a:p>
+        </p:txBody>
+      </p:sp>
+      <p:cxnSp>
+        <p:nvCxnSpPr>
+          <p:cNvPr id="193" name="Connector: Elbow 192">
+            <a:extLst>
+              <a:ext uri="{FF2B5EF4-FFF2-40B4-BE49-F238E27FC236}">
+                <a16:creationId xmlns:a16="http://schemas.microsoft.com/office/drawing/2014/main" id="{EE6B4BE5-D939-4571-A2EC-047E3A847E9E}"/>
+              </a:ext>
+            </a:extLst>
+          </p:cNvPr>
+          <p:cNvCxnSpPr>
+            <a:cxnSpLocks/>
+            <a:stCxn id="174" idx="0"/>
+            <a:endCxn id="108" idx="2"/>
+          </p:cNvCxnSpPr>
+          <p:nvPr/>
+        </p:nvCxnSpPr>
+        <p:spPr>
+          <a:xfrm rot="5400000" flipH="1" flipV="1">
+            <a:off x="6027961" y="2142511"/>
+            <a:ext cx="1382717" cy="779"/>
+          </a:xfrm>
+          <a:prstGeom prst="bentConnector3">
+            <a:avLst>
+              <a:gd name="adj1" fmla="val 50000"/>
+            </a:avLst>
+          </a:prstGeom>
+          <a:ln w="19050">
+            <a:tailEnd type="triangle"/>
+          </a:ln>
+        </p:spPr>
+        <p:style>
+          <a:lnRef idx="1">
+            <a:schemeClr val="accent4"/>
+          </a:lnRef>
+          <a:fillRef idx="0">
+            <a:schemeClr val="accent4"/>
+          </a:fillRef>
+          <a:effectRef idx="0">
+            <a:schemeClr val="accent4"/>
+          </a:effectRef>
+          <a:fontRef idx="minor">
+            <a:schemeClr val="tx1"/>
+          </a:fontRef>
+        </p:style>
+      </p:cxnSp>
+      <p:sp>
+        <p:nvSpPr>
+          <p:cNvPr id="87" name="Rectangle 8">
+            <a:extLst>
+              <a:ext uri="{FF2B5EF4-FFF2-40B4-BE49-F238E27FC236}">
+                <a16:creationId xmlns:a16="http://schemas.microsoft.com/office/drawing/2014/main" id="{F9F725FE-9D86-4891-8040-6508E74BD29D}"/>
+              </a:ext>
+            </a:extLst>
+          </p:cNvPr>
+          <p:cNvSpPr/>
+          <p:nvPr/>
+        </p:nvSpPr>
+        <p:spPr>
+          <a:xfrm>
+            <a:off x="7753747" y="3875397"/>
+            <a:ext cx="708186" cy="285783"/>
+          </a:xfrm>
+          <a:prstGeom prst="rect">
+            <a:avLst/>
+          </a:prstGeom>
+          <a:ln w="19050">
+            <a:solidFill>
+              <a:srgbClr val="7030A0"/>
+            </a:solidFill>
+          </a:ln>
+          <a:effectLst/>
+        </p:spPr>
+        <p:style>
+          <a:lnRef idx="1">
+            <a:schemeClr val="accent4"/>
+          </a:lnRef>
+          <a:fillRef idx="2">
+            <a:schemeClr val="accent4"/>
+          </a:fillRef>
+          <a:effectRef idx="1">
+            <a:schemeClr val="accent4"/>
+          </a:effectRef>
+          <a:fontRef idx="minor">
+            <a:schemeClr val="dk1"/>
+          </a:fontRef>
+        </p:style>
+        <p:txBody>
+          <a:bodyPr rtlCol="0" anchor="ctr"/>
+          <a:lstStyle/>
+          <a:p>
+            <a:pPr algn="ctr"/>
+            <a:r>
+              <a:rPr lang="en-US" sz="1050" dirty="0">
+                <a:solidFill>
+                  <a:srgbClr val="7030A0"/>
+                </a:solidFill>
+              </a:rPr>
+              <a:t>Address</a:t>
+            </a:r>
+            <a:endParaRPr lang="en-SG" sz="1050" dirty="0">
+              <a:solidFill>
+                <a:srgbClr val="7030A0"/>
+              </a:solidFill>
+            </a:endParaRPr>
+          </a:p>
+        </p:txBody>
+      </p:sp>
+      <p:cxnSp>
+        <p:nvCxnSpPr>
+          <p:cNvPr id="88" name="Elbow Connector 85">
+            <a:extLst>
+              <a:ext uri="{FF2B5EF4-FFF2-40B4-BE49-F238E27FC236}">
+                <a16:creationId xmlns:a16="http://schemas.microsoft.com/office/drawing/2014/main" id="{B2959580-A552-4ABE-AA9A-A092C44F9D12}"/>
+              </a:ext>
+            </a:extLst>
+          </p:cNvPr>
+          <p:cNvCxnSpPr>
+            <a:cxnSpLocks/>
+            <a:stCxn id="178" idx="3"/>
+            <a:endCxn id="87" idx="1"/>
+          </p:cNvCxnSpPr>
+          <p:nvPr/>
+        </p:nvCxnSpPr>
+        <p:spPr>
+          <a:xfrm>
+            <a:off x="7310502" y="3020375"/>
+            <a:ext cx="443245" cy="997914"/>
+          </a:xfrm>
+          <a:prstGeom prst="bentConnector3">
+            <a:avLst>
+              <a:gd name="adj1" fmla="val 50000"/>
+            </a:avLst>
+          </a:prstGeom>
+          <a:ln w="19050">
+            <a:solidFill>
+              <a:srgbClr val="7030A0"/>
+            </a:solidFill>
+            <a:headEnd type="none" w="med" len="med"/>
+            <a:tailEnd type="arrow" w="med" len="med"/>
+          </a:ln>
+          <a:effectLst/>
+        </p:spPr>
+        <p:style>
+          <a:lnRef idx="1">
+            <a:schemeClr val="accent2"/>
+          </a:lnRef>
+          <a:fillRef idx="2">
+            <a:schemeClr val="accent2"/>
+          </a:fillRef>
+          <a:effectRef idx="1">
+            <a:schemeClr val="accent2"/>
+          </a:effectRef>
+          <a:fontRef idx="minor">
+            <a:schemeClr val="dk1"/>
+          </a:fontRef>
+        </p:style>
+      </p:cxnSp>
+      <p:sp>
+        <p:nvSpPr>
+          <p:cNvPr id="89" name="Rectangle 8">
+            <a:extLst>
+              <a:ext uri="{FF2B5EF4-FFF2-40B4-BE49-F238E27FC236}">
+                <a16:creationId xmlns:a16="http://schemas.microsoft.com/office/drawing/2014/main" id="{24B584DB-7D06-488C-AE7C-2B33D911A3BF}"/>
+              </a:ext>
+            </a:extLst>
+          </p:cNvPr>
+          <p:cNvSpPr/>
+          <p:nvPr/>
+        </p:nvSpPr>
+        <p:spPr>
+          <a:xfrm>
+            <a:off x="4694295" y="3755505"/>
+            <a:ext cx="1156969" cy="285783"/>
+          </a:xfrm>
+          <a:prstGeom prst="rect">
+            <a:avLst/>
+          </a:prstGeom>
+          <a:ln w="19050">
+            <a:solidFill>
+              <a:srgbClr val="7030A0"/>
+            </a:solidFill>
+          </a:ln>
+          <a:effectLst/>
+        </p:spPr>
+        <p:style>
+          <a:lnRef idx="1">
+            <a:schemeClr val="accent4"/>
+          </a:lnRef>
+          <a:fillRef idx="2">
+            <a:schemeClr val="accent4"/>
+          </a:fillRef>
+          <a:effectRef idx="1">
+            <a:schemeClr val="accent4"/>
+          </a:effectRef>
+          <a:fontRef idx="minor">
+            <a:schemeClr val="dk1"/>
+          </a:fontRef>
+        </p:style>
+        <p:txBody>
+          <a:bodyPr rtlCol="0" anchor="ctr"/>
+          <a:lstStyle/>
+          <a:p>
+            <a:pPr algn="ctr"/>
+            <a:r>
+              <a:rPr lang="en-US" sz="1050" dirty="0" err="1">
+                <a:solidFill>
+                  <a:srgbClr val="7030A0"/>
+                </a:solidFill>
+              </a:rPr>
+              <a:t>UniqueTagList</a:t>
+            </a:r>
+            <a:endParaRPr lang="en-SG" sz="1050" dirty="0">
+              <a:solidFill>
+                <a:srgbClr val="7030A0"/>
+              </a:solidFill>
+            </a:endParaRPr>
+          </a:p>
+        </p:txBody>
+      </p:sp>
+      <p:cxnSp>
+        <p:nvCxnSpPr>
+          <p:cNvPr id="90" name="Elbow Connector 63">
+            <a:extLst>
+              <a:ext uri="{FF2B5EF4-FFF2-40B4-BE49-F238E27FC236}">
+                <a16:creationId xmlns:a16="http://schemas.microsoft.com/office/drawing/2014/main" id="{1F9FE23A-EFC0-4F9E-9CF0-744D80517158}"/>
+              </a:ext>
+            </a:extLst>
+          </p:cNvPr>
+          <p:cNvCxnSpPr>
+            <a:cxnSpLocks/>
+            <a:stCxn id="92" idx="3"/>
+            <a:endCxn id="91" idx="1"/>
+          </p:cNvCxnSpPr>
+          <p:nvPr/>
+        </p:nvCxnSpPr>
+        <p:spPr>
+          <a:xfrm flipV="1">
+            <a:off x="6061540" y="3866140"/>
+            <a:ext cx="194669" cy="14704"/>
+          </a:xfrm>
+          <a:prstGeom prst="bentConnector3">
+            <a:avLst/>
+          </a:prstGeom>
+          <a:ln w="19050">
+            <a:solidFill>
+              <a:srgbClr val="7030A0"/>
+            </a:solidFill>
+            <a:headEnd type="none" w="med" len="med"/>
+            <a:tailEnd type="arrow" w="med" len="med"/>
+          </a:ln>
+          <a:effectLst/>
+        </p:spPr>
+        <p:style>
+          <a:lnRef idx="1">
+            <a:schemeClr val="accent2"/>
+          </a:lnRef>
+          <a:fillRef idx="2">
+            <a:schemeClr val="accent2"/>
+          </a:fillRef>
+          <a:effectRef idx="1">
+            <a:schemeClr val="accent2"/>
+          </a:effectRef>
+          <a:fontRef idx="minor">
+            <a:schemeClr val="dk1"/>
+          </a:fontRef>
+        </p:style>
+      </p:cxnSp>
+      <p:sp>
+        <p:nvSpPr>
+          <p:cNvPr id="91" name="Rectangle 8">
+            <a:extLst>
+              <a:ext uri="{FF2B5EF4-FFF2-40B4-BE49-F238E27FC236}">
+                <a16:creationId xmlns:a16="http://schemas.microsoft.com/office/drawing/2014/main" id="{2CDC2AC7-4F11-4BEB-AC70-45753C484EE7}"/>
+              </a:ext>
+            </a:extLst>
+          </p:cNvPr>
+          <p:cNvSpPr/>
+          <p:nvPr/>
+        </p:nvSpPr>
+        <p:spPr>
+          <a:xfrm>
+            <a:off x="6256209" y="3692760"/>
+            <a:ext cx="708186" cy="346760"/>
+          </a:xfrm>
+          <a:prstGeom prst="rect">
+            <a:avLst/>
+          </a:prstGeom>
+          <a:ln w="19050">
+            <a:solidFill>
+              <a:srgbClr val="7030A0"/>
+            </a:solidFill>
+          </a:ln>
+          <a:effectLst/>
+        </p:spPr>
+        <p:style>
+          <a:lnRef idx="1">
+            <a:schemeClr val="accent4"/>
+          </a:lnRef>
+          <a:fillRef idx="2">
+            <a:schemeClr val="accent4"/>
+          </a:fillRef>
+          <a:effectRef idx="1">
+            <a:schemeClr val="accent4"/>
+          </a:effectRef>
+          <a:fontRef idx="minor">
+            <a:schemeClr val="dk1"/>
+          </a:fontRef>
+        </p:style>
+        <p:txBody>
+          <a:bodyPr rtlCol="0" anchor="ctr"/>
+          <a:lstStyle/>
+          <a:p>
+            <a:pPr algn="ctr"/>
+            <a:r>
+              <a:rPr lang="en-US" sz="1050" dirty="0">
+                <a:solidFill>
+                  <a:srgbClr val="7030A0"/>
+                </a:solidFill>
+              </a:rPr>
+              <a:t>Tag</a:t>
+            </a:r>
+            <a:endParaRPr lang="en-SG" sz="1050" dirty="0">
+              <a:solidFill>
+                <a:srgbClr val="7030A0"/>
+              </a:solidFill>
+            </a:endParaRPr>
+          </a:p>
+        </p:txBody>
+      </p:sp>
+      <p:sp>
+        <p:nvSpPr>
+          <p:cNvPr id="92" name="Flowchart: Decision 96">
+            <a:extLst>
+              <a:ext uri="{FF2B5EF4-FFF2-40B4-BE49-F238E27FC236}">
+                <a16:creationId xmlns:a16="http://schemas.microsoft.com/office/drawing/2014/main" id="{CAB2BCA2-D19F-43C7-B608-ABFF863A1BB5}"/>
+              </a:ext>
+            </a:extLst>
+          </p:cNvPr>
+          <p:cNvSpPr/>
+          <p:nvPr/>
+        </p:nvSpPr>
+        <p:spPr>
+          <a:xfrm>
+            <a:off x="5825492" y="3794154"/>
+            <a:ext cx="236048" cy="173380"/>
+          </a:xfrm>
+          <a:prstGeom prst="flowChartDecision">
+            <a:avLst/>
+          </a:prstGeom>
+          <a:solidFill>
+            <a:srgbClr val="7030A0"/>
+          </a:solidFill>
+          <a:ln w="19050">
+            <a:solidFill>
+              <a:srgbClr val="7030A0"/>
+            </a:solidFill>
+          </a:ln>
+          <a:effectLst/>
+        </p:spPr>
+        <p:style>
+          <a:lnRef idx="1">
+            <a:schemeClr val="accent6"/>
+          </a:lnRef>
+          <a:fillRef idx="2">
+            <a:schemeClr val="accent6"/>
+          </a:fillRef>
+          <a:effectRef idx="1">
+            <a:schemeClr val="accent6"/>
+          </a:effectRef>
+          <a:fontRef idx="minor">
+            <a:schemeClr val="dk1"/>
+          </a:fontRef>
+        </p:style>
+        <p:txBody>
+          <a:bodyPr rtlCol="0" anchor="ctr"/>
+          <a:lstStyle/>
+          <a:p>
+            <a:pPr algn="ctr"/>
+            <a:endParaRPr lang="en-US" sz="1050"/>
+          </a:p>
+        </p:txBody>
+      </p:sp>
+      <p:sp>
+        <p:nvSpPr>
+          <p:cNvPr id="93" name="Flowchart: Decision 96">
+            <a:extLst>
+              <a:ext uri="{FF2B5EF4-FFF2-40B4-BE49-F238E27FC236}">
+                <a16:creationId xmlns:a16="http://schemas.microsoft.com/office/drawing/2014/main" id="{40AA8019-629F-436B-8371-6C83844DA7EE}"/>
+              </a:ext>
+            </a:extLst>
+          </p:cNvPr>
+          <p:cNvSpPr/>
+          <p:nvPr/>
+        </p:nvSpPr>
+        <p:spPr>
+          <a:xfrm rot="5400000">
+            <a:off x="6494740" y="3213411"/>
+            <a:ext cx="236048" cy="173380"/>
+          </a:xfrm>
+          <a:prstGeom prst="flowChartDecision">
+            <a:avLst/>
+          </a:prstGeom>
+          <a:noFill/>
+          <a:ln w="19050">
+            <a:solidFill>
+              <a:srgbClr val="7030A0"/>
+            </a:solidFill>
+          </a:ln>
+          <a:effectLst/>
+        </p:spPr>
+        <p:style>
+          <a:lnRef idx="1">
+            <a:schemeClr val="accent6"/>
+          </a:lnRef>
+          <a:fillRef idx="2">
+            <a:schemeClr val="accent6"/>
+          </a:fillRef>
+          <a:effectRef idx="1">
+            <a:schemeClr val="accent6"/>
+          </a:effectRef>
+          <a:fontRef idx="minor">
+            <a:schemeClr val="dk1"/>
+          </a:fontRef>
+        </p:style>
+        <p:txBody>
+          <a:bodyPr rtlCol="0" anchor="ctr"/>
+          <a:lstStyle/>
+          <a:p>
+            <a:pPr algn="ctr"/>
+            <a:endParaRPr lang="en-US" sz="1050"/>
+          </a:p>
+        </p:txBody>
+      </p:sp>
+      <p:cxnSp>
+        <p:nvCxnSpPr>
+          <p:cNvPr id="94" name="Elbow Connector 78">
+            <a:extLst>
+              <a:ext uri="{FF2B5EF4-FFF2-40B4-BE49-F238E27FC236}">
+                <a16:creationId xmlns:a16="http://schemas.microsoft.com/office/drawing/2014/main" id="{8CBDB734-0B7F-4A78-BA1D-3FBC93D9B435}"/>
+              </a:ext>
+            </a:extLst>
+          </p:cNvPr>
+          <p:cNvCxnSpPr>
+            <a:cxnSpLocks/>
+            <a:stCxn id="93" idx="3"/>
+            <a:endCxn id="91" idx="0"/>
+          </p:cNvCxnSpPr>
+          <p:nvPr/>
+        </p:nvCxnSpPr>
+        <p:spPr>
+          <a:xfrm rot="5400000">
+            <a:off x="6474216" y="3554211"/>
+            <a:ext cx="274635" cy="2462"/>
+          </a:xfrm>
+          <a:prstGeom prst="bentConnector3">
+            <a:avLst>
+              <a:gd name="adj1" fmla="val 50000"/>
+            </a:avLst>
+          </a:prstGeom>
+          <a:ln w="19050">
+            <a:solidFill>
+              <a:srgbClr val="7030A0"/>
+            </a:solidFill>
+            <a:headEnd type="none" w="med" len="med"/>
+            <a:tailEnd type="arrow" w="med" len="med"/>
+          </a:ln>
+          <a:effectLst/>
+        </p:spPr>
+        <p:style>
+          <a:lnRef idx="1">
+            <a:schemeClr val="accent2"/>
+          </a:lnRef>
+          <a:fillRef idx="2">
+            <a:schemeClr val="accent2"/>
+          </a:fillRef>
+          <a:effectRef idx="1">
+            <a:schemeClr val="accent2"/>
+          </a:effectRef>
+          <a:fontRef idx="minor">
+            <a:schemeClr val="dk1"/>
+          </a:fontRef>
+        </p:style>
+      </p:cxnSp>
+      <p:sp>
+        <p:nvSpPr>
+          <p:cNvPr id="95" name="TextBox 94">
+            <a:extLst>
+              <a:ext uri="{FF2B5EF4-FFF2-40B4-BE49-F238E27FC236}">
+                <a16:creationId xmlns:a16="http://schemas.microsoft.com/office/drawing/2014/main" id="{75F8ADAE-F7C9-4C0F-B3FB-EB9092574212}"/>
+              </a:ext>
+            </a:extLst>
+          </p:cNvPr>
+          <p:cNvSpPr txBox="1"/>
+          <p:nvPr/>
+        </p:nvSpPr>
+        <p:spPr>
+          <a:xfrm>
+            <a:off x="6424247" y="3514868"/>
+            <a:ext cx="189257" cy="178683"/>
+          </a:xfrm>
+          <a:prstGeom prst="rect">
+            <a:avLst/>
+          </a:prstGeom>
+          <a:noFill/>
+        </p:spPr>
+        <p:txBody>
+          <a:bodyPr wrap="square" lIns="0" tIns="0" rIns="0" bIns="0" rtlCol="0">
+            <a:noAutofit/>
+          </a:bodyPr>
+          <a:lstStyle/>
+          <a:p>
+            <a:pPr algn="ctr"/>
+            <a:r>
+              <a:rPr lang="en-US" sz="1100" dirty="0">
+                <a:solidFill>
+                  <a:srgbClr val="7030A0"/>
+                </a:solidFill>
+              </a:rPr>
+              <a:t>*</a:t>
+            </a:r>
+            <a:endParaRPr lang="en-SG" sz="1100" dirty="0">
+              <a:solidFill>
+                <a:srgbClr val="7030A0"/>
+              </a:solidFill>
+            </a:endParaRPr>
+          </a:p>
+        </p:txBody>
+      </p:sp>
+      <p:sp>
+        <p:nvSpPr>
+          <p:cNvPr id="98" name="Flowchart: Decision 96">
+            <a:extLst>
+              <a:ext uri="{FF2B5EF4-FFF2-40B4-BE49-F238E27FC236}">
+                <a16:creationId xmlns:a16="http://schemas.microsoft.com/office/drawing/2014/main" id="{548D5B5B-7E6B-4554-B097-1257A5B3047A}"/>
+              </a:ext>
+            </a:extLst>
+          </p:cNvPr>
+          <p:cNvSpPr/>
+          <p:nvPr/>
+        </p:nvSpPr>
+        <p:spPr>
+          <a:xfrm rot="5400000">
+            <a:off x="6890172" y="5019642"/>
+            <a:ext cx="236048" cy="173380"/>
+          </a:xfrm>
+          <a:prstGeom prst="flowChartDecision">
+            <a:avLst/>
+          </a:prstGeom>
+          <a:noFill/>
+          <a:ln w="19050">
+            <a:solidFill>
+              <a:srgbClr val="7030A0"/>
+            </a:solidFill>
+          </a:ln>
+          <a:effectLst/>
+        </p:spPr>
+        <p:style>
+          <a:lnRef idx="1">
+            <a:schemeClr val="accent6"/>
+          </a:lnRef>
+          <a:fillRef idx="2">
+            <a:schemeClr val="accent6"/>
+          </a:fillRef>
+          <a:effectRef idx="1">
+            <a:schemeClr val="accent6"/>
+          </a:effectRef>
+          <a:fontRef idx="minor">
+            <a:schemeClr val="dk1"/>
+          </a:fontRef>
+        </p:style>
+        <p:txBody>
+          <a:bodyPr rtlCol="0" anchor="ctr"/>
+          <a:lstStyle/>
+          <a:p>
+            <a:pPr algn="ctr"/>
+            <a:endParaRPr lang="en-US" sz="1050"/>
+          </a:p>
+        </p:txBody>
+      </p:sp>
+      <p:cxnSp>
+        <p:nvCxnSpPr>
+          <p:cNvPr id="101" name="Elbow Connector 78">
+            <a:extLst>
+              <a:ext uri="{FF2B5EF4-FFF2-40B4-BE49-F238E27FC236}">
+                <a16:creationId xmlns:a16="http://schemas.microsoft.com/office/drawing/2014/main" id="{92FC962C-E31B-48C5-82FF-CCA0F73AD848}"/>
+              </a:ext>
+            </a:extLst>
+          </p:cNvPr>
+          <p:cNvCxnSpPr>
+            <a:cxnSpLocks/>
+            <a:stCxn id="98" idx="1"/>
+            <a:endCxn id="91" idx="2"/>
+          </p:cNvCxnSpPr>
+          <p:nvPr/>
+        </p:nvCxnSpPr>
+        <p:spPr>
+          <a:xfrm rot="16200000" flipV="1">
+            <a:off x="6334855" y="4314967"/>
+            <a:ext cx="948788" cy="397894"/>
+          </a:xfrm>
+          <a:prstGeom prst="bentConnector3">
+            <a:avLst>
+              <a:gd name="adj1" fmla="val 50000"/>
+            </a:avLst>
+          </a:prstGeom>
+          <a:ln w="19050">
+            <a:solidFill>
+              <a:srgbClr val="7030A0"/>
+            </a:solidFill>
+            <a:headEnd type="none" w="med" len="med"/>
+            <a:tailEnd type="arrow" w="med" len="med"/>
+          </a:ln>
+          <a:effectLst/>
+        </p:spPr>
+        <p:style>
+          <a:lnRef idx="1">
+            <a:schemeClr val="accent2"/>
+          </a:lnRef>
+          <a:fillRef idx="2">
+            <a:schemeClr val="accent2"/>
+          </a:fillRef>
+          <a:effectRef idx="1">
+            <a:schemeClr val="accent2"/>
+          </a:effectRef>
+          <a:fontRef idx="minor">
+            <a:schemeClr val="dk1"/>
+          </a:fontRef>
+        </p:style>
+      </p:cxnSp>
+      <p:sp>
+        <p:nvSpPr>
+          <p:cNvPr id="103" name="TextBox 102">
+            <a:extLst>
+              <a:ext uri="{FF2B5EF4-FFF2-40B4-BE49-F238E27FC236}">
+                <a16:creationId xmlns:a16="http://schemas.microsoft.com/office/drawing/2014/main" id="{6C912A27-D464-4855-8A04-3E1BD339DE7C}"/>
+              </a:ext>
+            </a:extLst>
+          </p:cNvPr>
+          <p:cNvSpPr txBox="1"/>
+          <p:nvPr/>
+        </p:nvSpPr>
+        <p:spPr>
+          <a:xfrm>
+            <a:off x="6415288" y="4117387"/>
+            <a:ext cx="189257" cy="178683"/>
+          </a:xfrm>
+          <a:prstGeom prst="rect">
+            <a:avLst/>
+          </a:prstGeom>
+          <a:noFill/>
+        </p:spPr>
+        <p:txBody>
+          <a:bodyPr wrap="square" lIns="0" tIns="0" rIns="0" bIns="0" rtlCol="0">
+            <a:noAutofit/>
+          </a:bodyPr>
+          <a:lstStyle/>
+          <a:p>
+            <a:pPr algn="ctr"/>
+            <a:r>
+              <a:rPr lang="en-US" sz="1100" dirty="0">
+                <a:solidFill>
+                  <a:srgbClr val="7030A0"/>
+                </a:solidFill>
+              </a:rPr>
+              <a:t>*</a:t>
+            </a:r>
+            <a:endParaRPr lang="en-SG" sz="1100" dirty="0">
+              <a:solidFill>
+                <a:srgbClr val="7030A0"/>
+              </a:solidFill>
+            </a:endParaRPr>
+          </a:p>
+        </p:txBody>
+      </p:sp>
+      <p:sp>
+        <p:nvSpPr>
+          <p:cNvPr id="116" name="TextBox 115">
+            <a:extLst>
+              <a:ext uri="{FF2B5EF4-FFF2-40B4-BE49-F238E27FC236}">
+                <a16:creationId xmlns:a16="http://schemas.microsoft.com/office/drawing/2014/main" id="{2D180421-4214-4DCF-886F-A6D01C00223F}"/>
+              </a:ext>
+            </a:extLst>
+          </p:cNvPr>
+          <p:cNvSpPr txBox="1"/>
+          <p:nvPr/>
+        </p:nvSpPr>
+        <p:spPr>
+          <a:xfrm>
+            <a:off x="6687455" y="1501981"/>
+            <a:ext cx="189257" cy="178683"/>
+          </a:xfrm>
+          <a:prstGeom prst="rect">
+            <a:avLst/>
+          </a:prstGeom>
+          <a:noFill/>
+        </p:spPr>
+        <p:txBody>
+          <a:bodyPr wrap="square" lIns="0" tIns="0" rIns="0" bIns="0" rtlCol="0">
+            <a:noAutofit/>
+          </a:bodyPr>
+          <a:lstStyle/>
+          <a:p>
+            <a:pPr algn="ctr"/>
+            <a:r>
+              <a:rPr lang="en-US" sz="1100" dirty="0">
+                <a:solidFill>
+                  <a:srgbClr val="7030A0"/>
+                </a:solidFill>
+              </a:rPr>
+              <a:t>1</a:t>
+            </a:r>
+            <a:endParaRPr lang="en-SG" sz="1100" dirty="0">
+              <a:solidFill>
+                <a:srgbClr val="7030A0"/>
+              </a:solidFill>
+            </a:endParaRPr>
+          </a:p>
+        </p:txBody>
+      </p:sp>
+    </p:spTree>
+    <p:extLst>
+      <p:ext uri="{BB962C8B-B14F-4D97-AF65-F5344CB8AC3E}">
+        <p14:creationId xmlns:p14="http://schemas.microsoft.com/office/powerpoint/2010/main" val="3946005694"/>
       </p:ext>
     </p:extLst>
   </p:cSld>

--- a/docs/diagrams/ModelComponentClassDiagram.pptx
+++ b/docs/diagrams/ModelComponentClassDiagram.pptx
@@ -10455,6 +10455,48 @@
           </a:p>
         </p:txBody>
       </p:sp>
+      <p:cxnSp>
+        <p:nvCxnSpPr>
+          <p:cNvPr id="102" name="Connector: Elbow 101">
+            <a:extLst>
+              <a:ext uri="{FF2B5EF4-FFF2-40B4-BE49-F238E27FC236}">
+                <a16:creationId xmlns:a16="http://schemas.microsoft.com/office/drawing/2014/main" id="{96FC0670-ED5C-41B5-8019-A4E92C2F2053}"/>
+              </a:ext>
+            </a:extLst>
+          </p:cNvPr>
+          <p:cNvCxnSpPr>
+            <a:cxnSpLocks/>
+            <a:endCxn id="89" idx="1"/>
+          </p:cNvCxnSpPr>
+          <p:nvPr/>
+        </p:nvCxnSpPr>
+        <p:spPr>
+          <a:xfrm rot="16200000" flipH="1">
+            <a:off x="4168404" y="3372506"/>
+            <a:ext cx="800482" cy="251299"/>
+          </a:xfrm>
+          <a:prstGeom prst="bentConnector2">
+            <a:avLst/>
+          </a:prstGeom>
+          <a:ln w="19050">
+            <a:tailEnd type="triangle"/>
+          </a:ln>
+        </p:spPr>
+        <p:style>
+          <a:lnRef idx="1">
+            <a:schemeClr val="accent4"/>
+          </a:lnRef>
+          <a:fillRef idx="0">
+            <a:schemeClr val="accent4"/>
+          </a:fillRef>
+          <a:effectRef idx="0">
+            <a:schemeClr val="accent4"/>
+          </a:effectRef>
+          <a:fontRef idx="minor">
+            <a:schemeClr val="tx1"/>
+          </a:fontRef>
+        </p:style>
+      </p:cxnSp>
     </p:spTree>
     <p:extLst>
       <p:ext uri="{BB962C8B-B14F-4D97-AF65-F5344CB8AC3E}">

--- a/docs/diagrams/ModelComponentClassDiagram.pptx
+++ b/docs/diagrams/ModelComponentClassDiagram.pptx
@@ -209,7 +209,7 @@
           <a:p>
             <a:fld id="{F5CC4B3F-88C1-4FFA-B1B6-F41C21DC6924}" type="datetimeFigureOut">
               <a:rPr lang="en-US" smtClean="0"/>
-              <a:t>28-Feb-19</a:t>
+              <a:t>14-Apr-19</a:t>
             </a:fld>
             <a:endParaRPr lang="en-US"/>
           </a:p>
@@ -655,7 +655,7 @@
           <a:p>
             <a:fld id="{78C97017-6FC3-485B-9764-EAC9E56C1D49}" type="datetimeFigureOut">
               <a:rPr lang="en-US" smtClean="0"/>
-              <a:t>28-Feb-19</a:t>
+              <a:t>14-Apr-19</a:t>
             </a:fld>
             <a:endParaRPr lang="en-US"/>
           </a:p>
@@ -823,7 +823,7 @@
           <a:p>
             <a:fld id="{78C97017-6FC3-485B-9764-EAC9E56C1D49}" type="datetimeFigureOut">
               <a:rPr lang="en-US" smtClean="0"/>
-              <a:t>28-Feb-19</a:t>
+              <a:t>14-Apr-19</a:t>
             </a:fld>
             <a:endParaRPr lang="en-US"/>
           </a:p>
@@ -1001,7 +1001,7 @@
           <a:p>
             <a:fld id="{78C97017-6FC3-485B-9764-EAC9E56C1D49}" type="datetimeFigureOut">
               <a:rPr lang="en-US" smtClean="0"/>
-              <a:t>28-Feb-19</a:t>
+              <a:t>14-Apr-19</a:t>
             </a:fld>
             <a:endParaRPr lang="en-US"/>
           </a:p>
@@ -1169,7 +1169,7 @@
           <a:p>
             <a:fld id="{78C97017-6FC3-485B-9764-EAC9E56C1D49}" type="datetimeFigureOut">
               <a:rPr lang="en-US" smtClean="0"/>
-              <a:t>28-Feb-19</a:t>
+              <a:t>14-Apr-19</a:t>
             </a:fld>
             <a:endParaRPr lang="en-US"/>
           </a:p>
@@ -1414,7 +1414,7 @@
           <a:p>
             <a:fld id="{78C97017-6FC3-485B-9764-EAC9E56C1D49}" type="datetimeFigureOut">
               <a:rPr lang="en-US" smtClean="0"/>
-              <a:t>28-Feb-19</a:t>
+              <a:t>14-Apr-19</a:t>
             </a:fld>
             <a:endParaRPr lang="en-US"/>
           </a:p>
@@ -1699,7 +1699,7 @@
           <a:p>
             <a:fld id="{78C97017-6FC3-485B-9764-EAC9E56C1D49}" type="datetimeFigureOut">
               <a:rPr lang="en-US" smtClean="0"/>
-              <a:t>28-Feb-19</a:t>
+              <a:t>14-Apr-19</a:t>
             </a:fld>
             <a:endParaRPr lang="en-US"/>
           </a:p>
@@ -2118,7 +2118,7 @@
           <a:p>
             <a:fld id="{78C97017-6FC3-485B-9764-EAC9E56C1D49}" type="datetimeFigureOut">
               <a:rPr lang="en-US" smtClean="0"/>
-              <a:t>28-Feb-19</a:t>
+              <a:t>14-Apr-19</a:t>
             </a:fld>
             <a:endParaRPr lang="en-US"/>
           </a:p>
@@ -2235,7 +2235,7 @@
           <a:p>
             <a:fld id="{78C97017-6FC3-485B-9764-EAC9E56C1D49}" type="datetimeFigureOut">
               <a:rPr lang="en-US" smtClean="0"/>
-              <a:t>28-Feb-19</a:t>
+              <a:t>14-Apr-19</a:t>
             </a:fld>
             <a:endParaRPr lang="en-US"/>
           </a:p>
@@ -2330,7 +2330,7 @@
           <a:p>
             <a:fld id="{78C97017-6FC3-485B-9764-EAC9E56C1D49}" type="datetimeFigureOut">
               <a:rPr lang="en-US" smtClean="0"/>
-              <a:t>28-Feb-19</a:t>
+              <a:t>14-Apr-19</a:t>
             </a:fld>
             <a:endParaRPr lang="en-US"/>
           </a:p>
@@ -2605,7 +2605,7 @@
           <a:p>
             <a:fld id="{78C97017-6FC3-485B-9764-EAC9E56C1D49}" type="datetimeFigureOut">
               <a:rPr lang="en-US" smtClean="0"/>
-              <a:t>28-Feb-19</a:t>
+              <a:t>14-Apr-19</a:t>
             </a:fld>
             <a:endParaRPr lang="en-US"/>
           </a:p>
@@ -2857,7 +2857,7 @@
           <a:p>
             <a:fld id="{78C97017-6FC3-485B-9764-EAC9E56C1D49}" type="datetimeFigureOut">
               <a:rPr lang="en-US" smtClean="0"/>
-              <a:t>28-Feb-19</a:t>
+              <a:t>14-Apr-19</a:t>
             </a:fld>
             <a:endParaRPr lang="en-US"/>
           </a:p>
@@ -3068,7 +3068,7 @@
           <a:p>
             <a:fld id="{78C97017-6FC3-485B-9764-EAC9E56C1D49}" type="datetimeFigureOut">
               <a:rPr lang="en-US" smtClean="0"/>
-              <a:t>28-Feb-19</a:t>
+              <a:t>14-Apr-19</a:t>
             </a:fld>
             <a:endParaRPr lang="en-US"/>
           </a:p>
@@ -5870,8 +5870,8 @@
         </p:nvSpPr>
         <p:spPr>
           <a:xfrm>
-            <a:off x="1066800" y="238291"/>
-            <a:ext cx="7784132" cy="6581504"/>
+            <a:off x="1066800" y="219437"/>
+            <a:ext cx="7010400" cy="6581504"/>
           </a:xfrm>
           <a:prstGeom prst="roundRect">
             <a:avLst>
@@ -6420,7 +6420,7 @@
                   <a:srgbClr val="7030A0"/>
                 </a:solidFill>
               </a:rPr>
-              <a:t>VersionedVoluncheerBook</a:t>
+              <a:t>VersionedVoluncheer</a:t>
             </a:r>
             <a:endParaRPr lang="en-SG" sz="1050" dirty="0">
               <a:solidFill>
@@ -6525,7 +6525,7 @@
         </p:nvSpPr>
         <p:spPr>
           <a:xfrm>
-            <a:off x="4978287" y="5232441"/>
+            <a:off x="4694295" y="5233079"/>
             <a:ext cx="1156969" cy="346760"/>
           </a:xfrm>
           <a:prstGeom prst="rect">
@@ -6684,7 +6684,7 @@
         </p:nvSpPr>
         <p:spPr>
           <a:xfrm>
-            <a:off x="6144388" y="5327955"/>
+            <a:off x="5835309" y="5328105"/>
             <a:ext cx="236048" cy="173380"/>
           </a:xfrm>
           <a:prstGeom prst="flowChartDecision">
@@ -6733,8 +6733,8 @@
         </p:nvCxnSpPr>
         <p:spPr>
           <a:xfrm>
-            <a:off x="6380436" y="5414645"/>
-            <a:ext cx="218878" cy="3080"/>
+            <a:off x="6071357" y="5414795"/>
+            <a:ext cx="527957" cy="2930"/>
           </a:xfrm>
           <a:prstGeom prst="bentConnector3">
             <a:avLst/>
@@ -6763,20 +6763,70 @@
           </a:fontRef>
         </p:style>
       </p:cxnSp>
-      <p:sp>
-        <p:nvSpPr>
-          <p:cNvPr id="76" name="Rectangle 8"/>
+      <p:cxnSp>
+        <p:nvCxnSpPr>
+          <p:cNvPr id="97" name="Elbow Connector 63"/>
+          <p:cNvCxnSpPr>
+            <a:cxnSpLocks/>
+            <a:stCxn id="99" idx="3"/>
+          </p:cNvCxnSpPr>
+          <p:nvPr/>
+        </p:nvCxnSpPr>
+        <p:spPr>
+          <a:xfrm rot="16200000" flipH="1">
+            <a:off x="2926071" y="2068744"/>
+            <a:ext cx="1554838" cy="2"/>
+          </a:xfrm>
+          <a:prstGeom prst="bentConnector3">
+            <a:avLst>
+              <a:gd name="adj1" fmla="val 50000"/>
+            </a:avLst>
+          </a:prstGeom>
+          <a:ln w="19050">
+            <a:solidFill>
+              <a:srgbClr val="7030A0"/>
+            </a:solidFill>
+            <a:prstDash val="sysDot"/>
+            <a:headEnd type="none" w="med" len="med"/>
+            <a:tailEnd type="none" w="med" len="med"/>
+          </a:ln>
+          <a:effectLst/>
+        </p:spPr>
+        <p:style>
+          <a:lnRef idx="1">
+            <a:schemeClr val="accent2"/>
+          </a:lnRef>
+          <a:fillRef idx="2">
+            <a:schemeClr val="accent2"/>
+          </a:fillRef>
+          <a:effectRef idx="1">
+            <a:schemeClr val="accent2"/>
+          </a:effectRef>
+          <a:fontRef idx="minor">
+            <a:schemeClr val="dk1"/>
+          </a:fontRef>
+        </p:style>
+      </p:cxnSp>
+      <p:sp>
+        <p:nvSpPr>
+          <p:cNvPr id="99" name="Isosceles Triangle 102"/>
           <p:cNvSpPr/>
           <p:nvPr/>
         </p:nvSpPr>
         <p:spPr>
-          <a:xfrm>
-            <a:off x="7998034" y="4950517"/>
-            <a:ext cx="708186" cy="285783"/>
-          </a:xfrm>
-          <a:prstGeom prst="rect">
-            <a:avLst/>
-          </a:prstGeom>
+          <a:xfrm rot="10800000" flipV="1">
+            <a:off x="3562296" y="1134264"/>
+            <a:ext cx="282387" cy="157062"/>
+          </a:xfrm>
+          <a:prstGeom prst="triangle">
+            <a:avLst/>
+          </a:prstGeom>
+          <a:solidFill>
+            <a:schemeClr val="accent4">
+              <a:lumMod val="20000"/>
+              <a:lumOff val="80000"/>
+            </a:schemeClr>
+          </a:solidFill>
           <a:ln w="19050">
             <a:solidFill>
               <a:srgbClr val="7030A0"/>
@@ -6803,17 +6853,9 @@
           <a:lstStyle/>
           <a:p>
             <a:pPr algn="ctr"/>
-            <a:r>
-              <a:rPr lang="en-US" sz="1050" dirty="0">
-                <a:solidFill>
-                  <a:srgbClr val="7030A0"/>
-                </a:solidFill>
-              </a:rPr>
-              <a:t>Name</a:t>
-            </a:r>
-            <a:endParaRPr lang="en-SG" sz="1050" dirty="0">
+            <a:endParaRPr lang="en-SG" sz="1050" b="1">
               <a:solidFill>
-                <a:srgbClr val="7030A0"/>
+                <a:srgbClr val="92D050"/>
               </a:solidFill>
             </a:endParaRPr>
           </a:p>
@@ -6821,103 +6863,14 @@
       </p:sp>
       <p:sp>
         <p:nvSpPr>
-          <p:cNvPr id="78" name="Flowchart: Decision 96"/>
+          <p:cNvPr id="100" name="Rectangle 8"/>
           <p:cNvSpPr/>
           <p:nvPr/>
         </p:nvSpPr>
         <p:spPr>
           <a:xfrm>
-            <a:off x="7410093" y="5331035"/>
-            <a:ext cx="236048" cy="173380"/>
-          </a:xfrm>
-          <a:prstGeom prst="flowChartDecision">
-            <a:avLst/>
-          </a:prstGeom>
-          <a:solidFill>
-            <a:srgbClr val="7030A0"/>
-          </a:solidFill>
-          <a:ln w="19050">
-            <a:solidFill>
-              <a:srgbClr val="7030A0"/>
-            </a:solidFill>
-          </a:ln>
-          <a:effectLst/>
-        </p:spPr>
-        <p:style>
-          <a:lnRef idx="1">
-            <a:schemeClr val="accent6"/>
-          </a:lnRef>
-          <a:fillRef idx="2">
-            <a:schemeClr val="accent6"/>
-          </a:fillRef>
-          <a:effectRef idx="1">
-            <a:schemeClr val="accent6"/>
-          </a:effectRef>
-          <a:fontRef idx="minor">
-            <a:schemeClr val="dk1"/>
-          </a:fontRef>
-        </p:style>
-        <p:txBody>
-          <a:bodyPr rtlCol="0" anchor="ctr"/>
-          <a:lstStyle/>
-          <a:p>
-            <a:pPr algn="ctr"/>
-            <a:endParaRPr lang="en-US" sz="1050" dirty="0"/>
-          </a:p>
-        </p:txBody>
-      </p:sp>
-      <p:cxnSp>
-        <p:nvCxnSpPr>
-          <p:cNvPr id="79" name="Elbow Connector 78"/>
-          <p:cNvCxnSpPr>
-            <a:cxnSpLocks/>
-          </p:cNvCxnSpPr>
-          <p:nvPr/>
-        </p:nvCxnSpPr>
-        <p:spPr>
-          <a:xfrm flipV="1">
-            <a:off x="7563632" y="5093100"/>
-            <a:ext cx="434402" cy="327761"/>
-          </a:xfrm>
-          <a:prstGeom prst="bentConnector3">
-            <a:avLst>
-              <a:gd name="adj1" fmla="val 58680"/>
-            </a:avLst>
-          </a:prstGeom>
-          <a:ln w="19050">
-            <a:solidFill>
-              <a:srgbClr val="7030A0"/>
-            </a:solidFill>
-            <a:headEnd type="none" w="med" len="med"/>
-            <a:tailEnd type="arrow" w="med" len="med"/>
-          </a:ln>
-          <a:effectLst/>
-        </p:spPr>
-        <p:style>
-          <a:lnRef idx="1">
-            <a:schemeClr val="accent2"/>
-          </a:lnRef>
-          <a:fillRef idx="2">
-            <a:schemeClr val="accent2"/>
-          </a:fillRef>
-          <a:effectRef idx="1">
-            <a:schemeClr val="accent2"/>
-          </a:effectRef>
-          <a:fontRef idx="minor">
-            <a:schemeClr val="dk1"/>
-          </a:fontRef>
-        </p:style>
-      </p:cxnSp>
-      <p:sp>
-        <p:nvSpPr>
-          <p:cNvPr id="80" name="Rectangle 8"/>
-          <p:cNvSpPr/>
-          <p:nvPr/>
-        </p:nvSpPr>
-        <p:spPr>
-          <a:xfrm>
-            <a:off x="7998034" y="5273495"/>
-            <a:ext cx="708186" cy="285783"/>
+            <a:off x="1273938" y="762000"/>
+            <a:ext cx="1443661" cy="364396"/>
           </a:xfrm>
           <a:prstGeom prst="rect">
             <a:avLst/>
@@ -6954,7 +6907,22 @@
                   <a:srgbClr val="7030A0"/>
                 </a:solidFill>
               </a:rPr>
-              <a:t>Phone</a:t>
+              <a:t>&lt;&lt;interface&gt;&gt;</a:t>
+            </a:r>
+            <a:br>
+              <a:rPr lang="en-US" sz="1050" dirty="0">
+                <a:solidFill>
+                  <a:srgbClr val="7030A0"/>
+                </a:solidFill>
+              </a:rPr>
+            </a:br>
+            <a:r>
+              <a:rPr lang="en-US" sz="1050" dirty="0" err="1">
+                <a:solidFill>
+                  <a:srgbClr val="7030A0"/>
+                </a:solidFill>
+              </a:rPr>
+              <a:t>ReadOnlyBook</a:t>
             </a:r>
             <a:endParaRPr lang="en-SG" sz="1050" dirty="0">
               <a:solidFill>
@@ -6964,58 +6932,55 @@
           </a:p>
         </p:txBody>
       </p:sp>
-      <p:cxnSp>
-        <p:nvCxnSpPr>
-          <p:cNvPr id="81" name="Elbow Connector 80"/>
-          <p:cNvCxnSpPr>
-            <a:cxnSpLocks/>
-            <a:stCxn id="78" idx="3"/>
-            <a:endCxn id="80" idx="1"/>
-          </p:cNvCxnSpPr>
-          <p:nvPr/>
-        </p:nvCxnSpPr>
-        <p:spPr>
-          <a:xfrm flipV="1">
-            <a:off x="7646141" y="5416387"/>
-            <a:ext cx="351893" cy="1338"/>
-          </a:xfrm>
-          <a:prstGeom prst="bentConnector3">
-            <a:avLst/>
-          </a:prstGeom>
-          <a:ln w="19050">
-            <a:solidFill>
-              <a:srgbClr val="7030A0"/>
-            </a:solidFill>
-            <a:headEnd type="none" w="med" len="med"/>
-            <a:tailEnd type="arrow" w="med" len="med"/>
-          </a:ln>
-          <a:effectLst/>
-        </p:spPr>
-        <p:style>
-          <a:lnRef idx="1">
-            <a:schemeClr val="accent2"/>
-          </a:lnRef>
-          <a:fillRef idx="2">
-            <a:schemeClr val="accent2"/>
-          </a:fillRef>
-          <a:effectRef idx="1">
-            <a:schemeClr val="accent2"/>
-          </a:effectRef>
-          <a:fontRef idx="minor">
-            <a:schemeClr val="dk1"/>
-          </a:fontRef>
-        </p:style>
-      </p:cxnSp>
-      <p:sp>
-        <p:nvSpPr>
-          <p:cNvPr id="83" name="Rectangle 8"/>
+      <p:sp>
+        <p:nvSpPr>
+          <p:cNvPr id="114" name="TextBox 113"/>
+          <p:cNvSpPr txBox="1"/>
+          <p:nvPr/>
+        </p:nvSpPr>
+        <p:spPr>
+          <a:xfrm>
+            <a:off x="6170624" y="5589660"/>
+            <a:ext cx="881018" cy="261610"/>
+          </a:xfrm>
+          <a:prstGeom prst="rect">
+            <a:avLst/>
+          </a:prstGeom>
+          <a:noFill/>
+        </p:spPr>
+        <p:txBody>
+          <a:bodyPr wrap="square" rtlCol="0">
+            <a:spAutoFit/>
+          </a:bodyPr>
+          <a:lstStyle/>
+          <a:p>
+            <a:pPr algn="r"/>
+            <a:r>
+              <a:rPr lang="en-US" sz="1100" dirty="0">
+                <a:solidFill>
+                  <a:srgbClr val="7030A0"/>
+                </a:solidFill>
+              </a:rPr>
+              <a:t>filtered list</a:t>
+            </a:r>
+            <a:endParaRPr lang="en-SG" sz="1100" dirty="0">
+              <a:solidFill>
+                <a:srgbClr val="7030A0"/>
+              </a:solidFill>
+            </a:endParaRPr>
+          </a:p>
+        </p:txBody>
+      </p:sp>
+      <p:sp>
+        <p:nvSpPr>
+          <p:cNvPr id="122" name="Rectangle 8"/>
           <p:cNvSpPr/>
           <p:nvPr/>
         </p:nvSpPr>
         <p:spPr>
           <a:xfrm>
-            <a:off x="7998034" y="5596473"/>
-            <a:ext cx="708186" cy="285783"/>
+            <a:off x="2208365" y="6413941"/>
+            <a:ext cx="1066800" cy="346760"/>
           </a:xfrm>
           <a:prstGeom prst="rect">
             <a:avLst/>
@@ -7052,7 +7017,22 @@
                   <a:srgbClr val="7030A0"/>
                 </a:solidFill>
               </a:rPr>
-              <a:t>Email</a:t>
+              <a:t>&lt;&lt;interface&gt;&gt;</a:t>
+            </a:r>
+            <a:br>
+              <a:rPr lang="en-US" sz="1050">
+                <a:solidFill>
+                  <a:srgbClr val="7030A0"/>
+                </a:solidFill>
+              </a:rPr>
+            </a:br>
+            <a:r>
+              <a:rPr lang="en-US" sz="1050" dirty="0" err="1">
+                <a:solidFill>
+                  <a:srgbClr val="7030A0"/>
+                </a:solidFill>
+              </a:rPr>
+              <a:t>ObservableList</a:t>
             </a:r>
             <a:endParaRPr lang="en-SG" sz="1050" dirty="0">
               <a:solidFill>
@@ -7064,28 +7044,27 @@
       </p:sp>
       <p:cxnSp>
         <p:nvCxnSpPr>
-          <p:cNvPr id="84" name="Elbow Connector 83"/>
+          <p:cNvPr id="124" name="Elbow Connector 122"/>
           <p:cNvCxnSpPr>
             <a:cxnSpLocks/>
-            <a:stCxn id="78" idx="3"/>
-            <a:endCxn id="83" idx="1"/>
+            <a:stCxn id="119" idx="1"/>
+            <a:endCxn id="122" idx="1"/>
           </p:cNvCxnSpPr>
           <p:nvPr/>
         </p:nvCxnSpPr>
         <p:spPr>
-          <a:xfrm>
-            <a:off x="7646141" y="5417725"/>
-            <a:ext cx="351893" cy="321640"/>
-          </a:xfrm>
-          <a:prstGeom prst="bentConnector3">
-            <a:avLst>
-              <a:gd name="adj1" fmla="val 50000"/>
-            </a:avLst>
+          <a:xfrm rot="16200000" flipH="1">
+            <a:off x="352732" y="4731687"/>
+            <a:ext cx="3005921" cy="705345"/>
+          </a:xfrm>
+          <a:prstGeom prst="bentConnector2">
+            <a:avLst/>
           </a:prstGeom>
           <a:ln w="19050">
             <a:solidFill>
               <a:srgbClr val="7030A0"/>
             </a:solidFill>
+            <a:prstDash val="sysDot"/>
             <a:headEnd type="none" w="med" len="med"/>
             <a:tailEnd type="arrow" w="med" len="med"/>
           </a:ln>
@@ -7108,14 +7087,209 @@
       </p:cxnSp>
       <p:sp>
         <p:nvSpPr>
-          <p:cNvPr id="85" name="Rectangle 8"/>
+          <p:cNvPr id="54" name="TextBox 53"/>
+          <p:cNvSpPr txBox="1"/>
+          <p:nvPr/>
+        </p:nvSpPr>
+        <p:spPr>
+          <a:xfrm>
+            <a:off x="4429979" y="3111479"/>
+            <a:ext cx="189257" cy="178683"/>
+          </a:xfrm>
+          <a:prstGeom prst="rect">
+            <a:avLst/>
+          </a:prstGeom>
+          <a:noFill/>
+        </p:spPr>
+        <p:txBody>
+          <a:bodyPr wrap="square" lIns="0" tIns="0" rIns="0" bIns="0" rtlCol="0">
+            <a:noAutofit/>
+          </a:bodyPr>
+          <a:lstStyle/>
+          <a:p>
+            <a:pPr algn="ctr"/>
+            <a:r>
+              <a:rPr lang="en-US" sz="1100" dirty="0">
+                <a:solidFill>
+                  <a:srgbClr val="7030A0"/>
+                </a:solidFill>
+              </a:rPr>
+              <a:t>1</a:t>
+            </a:r>
+            <a:endParaRPr lang="en-SG" sz="1100" dirty="0">
+              <a:solidFill>
+                <a:srgbClr val="7030A0"/>
+              </a:solidFill>
+            </a:endParaRPr>
+          </a:p>
+        </p:txBody>
+      </p:sp>
+      <p:sp>
+        <p:nvSpPr>
+          <p:cNvPr id="61" name="TextBox 60"/>
+          <p:cNvSpPr txBox="1"/>
+          <p:nvPr/>
+        </p:nvSpPr>
+        <p:spPr>
+          <a:xfrm>
+            <a:off x="6135256" y="3097917"/>
+            <a:ext cx="189257" cy="178683"/>
+          </a:xfrm>
+          <a:prstGeom prst="rect">
+            <a:avLst/>
+          </a:prstGeom>
+          <a:noFill/>
+        </p:spPr>
+        <p:txBody>
+          <a:bodyPr wrap="square" lIns="0" tIns="0" rIns="0" bIns="0" rtlCol="0">
+            <a:noAutofit/>
+          </a:bodyPr>
+          <a:lstStyle/>
+          <a:p>
+            <a:pPr algn="ctr"/>
+            <a:r>
+              <a:rPr lang="en-US" sz="1100" dirty="0">
+                <a:solidFill>
+                  <a:srgbClr val="7030A0"/>
+                </a:solidFill>
+              </a:rPr>
+              <a:t>*</a:t>
+            </a:r>
+            <a:endParaRPr lang="en-SG" sz="1100" dirty="0">
+              <a:solidFill>
+                <a:srgbClr val="7030A0"/>
+              </a:solidFill>
+            </a:endParaRPr>
+          </a:p>
+        </p:txBody>
+      </p:sp>
+      <p:sp>
+        <p:nvSpPr>
+          <p:cNvPr id="65" name="TextBox 64"/>
+          <p:cNvSpPr txBox="1"/>
+          <p:nvPr/>
+        </p:nvSpPr>
+        <p:spPr>
+          <a:xfrm>
+            <a:off x="2573394" y="2756715"/>
+            <a:ext cx="170110" cy="137542"/>
+          </a:xfrm>
+          <a:prstGeom prst="rect">
+            <a:avLst/>
+          </a:prstGeom>
+          <a:noFill/>
+        </p:spPr>
+        <p:txBody>
+          <a:bodyPr wrap="square" lIns="0" tIns="0" rIns="0" bIns="0" rtlCol="0">
+            <a:noAutofit/>
+          </a:bodyPr>
+          <a:lstStyle/>
+          <a:p>
+            <a:pPr algn="ctr"/>
+            <a:r>
+              <a:rPr lang="en-US" sz="1100" dirty="0">
+                <a:solidFill>
+                  <a:srgbClr val="7030A0"/>
+                </a:solidFill>
+              </a:rPr>
+              <a:t>1</a:t>
+            </a:r>
+            <a:endParaRPr lang="en-SG" sz="1100" dirty="0">
+              <a:solidFill>
+                <a:srgbClr val="7030A0"/>
+              </a:solidFill>
+            </a:endParaRPr>
+          </a:p>
+        </p:txBody>
+      </p:sp>
+      <p:sp>
+        <p:nvSpPr>
+          <p:cNvPr id="66" name="TextBox 65"/>
+          <p:cNvSpPr txBox="1"/>
+          <p:nvPr/>
+        </p:nvSpPr>
+        <p:spPr>
+          <a:xfrm>
+            <a:off x="2630191" y="3667737"/>
+            <a:ext cx="189257" cy="178683"/>
+          </a:xfrm>
+          <a:prstGeom prst="rect">
+            <a:avLst/>
+          </a:prstGeom>
+          <a:noFill/>
+        </p:spPr>
+        <p:txBody>
+          <a:bodyPr wrap="square" lIns="0" tIns="0" rIns="0" bIns="0" rtlCol="0">
+            <a:noAutofit/>
+          </a:bodyPr>
+          <a:lstStyle/>
+          <a:p>
+            <a:pPr algn="ctr"/>
+            <a:r>
+              <a:rPr lang="en-US" sz="1100" dirty="0">
+                <a:solidFill>
+                  <a:srgbClr val="7030A0"/>
+                </a:solidFill>
+              </a:rPr>
+              <a:t>1</a:t>
+            </a:r>
+            <a:endParaRPr lang="en-SG" sz="1100" dirty="0">
+              <a:solidFill>
+                <a:srgbClr val="7030A0"/>
+              </a:solidFill>
+            </a:endParaRPr>
+          </a:p>
+        </p:txBody>
+      </p:sp>
+      <p:sp>
+        <p:nvSpPr>
+          <p:cNvPr id="70" name="TextBox 69"/>
+          <p:cNvSpPr txBox="1"/>
+          <p:nvPr/>
+        </p:nvSpPr>
+        <p:spPr>
+          <a:xfrm>
+            <a:off x="6411882" y="5475839"/>
+            <a:ext cx="189257" cy="178683"/>
+          </a:xfrm>
+          <a:prstGeom prst="rect">
+            <a:avLst/>
+          </a:prstGeom>
+          <a:noFill/>
+        </p:spPr>
+        <p:txBody>
+          <a:bodyPr wrap="square" lIns="0" tIns="0" rIns="0" bIns="0" rtlCol="0">
+            <a:noAutofit/>
+          </a:bodyPr>
+          <a:lstStyle/>
+          <a:p>
+            <a:pPr algn="ctr"/>
+            <a:r>
+              <a:rPr lang="en-US" sz="1100" dirty="0">
+                <a:solidFill>
+                  <a:srgbClr val="7030A0"/>
+                </a:solidFill>
+              </a:rPr>
+              <a:t>1</a:t>
+            </a:r>
+            <a:endParaRPr lang="en-SG" sz="1100" dirty="0">
+              <a:solidFill>
+                <a:srgbClr val="7030A0"/>
+              </a:solidFill>
+            </a:endParaRPr>
+          </a:p>
+        </p:txBody>
+      </p:sp>
+      <p:sp>
+        <p:nvSpPr>
+          <p:cNvPr id="55" name="Rectangle 8"/>
           <p:cNvSpPr/>
           <p:nvPr/>
         </p:nvSpPr>
         <p:spPr>
           <a:xfrm>
-            <a:off x="7998034" y="5919450"/>
-            <a:ext cx="708186" cy="285783"/>
+            <a:off x="3183197" y="762000"/>
+            <a:ext cx="1259798" cy="364396"/>
           </a:xfrm>
           <a:prstGeom prst="rect">
             <a:avLst/>
@@ -7147,627 +7321,12 @@
           <a:p>
             <a:pPr algn="ctr"/>
             <a:r>
-              <a:rPr lang="en-US" sz="1050" dirty="0">
-                <a:solidFill>
-                  <a:srgbClr val="7030A0"/>
-                </a:solidFill>
-              </a:rPr>
-              <a:t>Address</a:t>
-            </a:r>
-            <a:endParaRPr lang="en-SG" sz="1050" dirty="0">
-              <a:solidFill>
-                <a:srgbClr val="7030A0"/>
-              </a:solidFill>
-            </a:endParaRPr>
-          </a:p>
-        </p:txBody>
-      </p:sp>
-      <p:cxnSp>
-        <p:nvCxnSpPr>
-          <p:cNvPr id="86" name="Elbow Connector 85"/>
-          <p:cNvCxnSpPr>
-            <a:cxnSpLocks/>
-            <a:stCxn id="78" idx="3"/>
-            <a:endCxn id="85" idx="1"/>
-          </p:cNvCxnSpPr>
-          <p:nvPr/>
-        </p:nvCxnSpPr>
-        <p:spPr>
-          <a:xfrm>
-            <a:off x="7646141" y="5417725"/>
-            <a:ext cx="351893" cy="644617"/>
-          </a:xfrm>
-          <a:prstGeom prst="bentConnector3">
-            <a:avLst/>
-          </a:prstGeom>
-          <a:ln w="19050">
-            <a:solidFill>
-              <a:srgbClr val="7030A0"/>
-            </a:solidFill>
-            <a:headEnd type="none" w="med" len="med"/>
-            <a:tailEnd type="arrow" w="med" len="med"/>
-          </a:ln>
-          <a:effectLst/>
-        </p:spPr>
-        <p:style>
-          <a:lnRef idx="1">
-            <a:schemeClr val="accent2"/>
-          </a:lnRef>
-          <a:fillRef idx="2">
-            <a:schemeClr val="accent2"/>
-          </a:fillRef>
-          <a:effectRef idx="1">
-            <a:schemeClr val="accent2"/>
-          </a:effectRef>
-          <a:fontRef idx="minor">
-            <a:schemeClr val="dk1"/>
-          </a:fontRef>
-        </p:style>
-      </p:cxnSp>
-      <p:cxnSp>
-        <p:nvCxnSpPr>
-          <p:cNvPr id="97" name="Elbow Connector 63"/>
-          <p:cNvCxnSpPr>
-            <a:cxnSpLocks/>
-            <a:stCxn id="99" idx="3"/>
-          </p:cNvCxnSpPr>
-          <p:nvPr/>
-        </p:nvCxnSpPr>
-        <p:spPr>
-          <a:xfrm rot="16200000" flipH="1">
-            <a:off x="2926071" y="2068744"/>
-            <a:ext cx="1554838" cy="2"/>
-          </a:xfrm>
-          <a:prstGeom prst="bentConnector3">
-            <a:avLst>
-              <a:gd name="adj1" fmla="val 50000"/>
-            </a:avLst>
-          </a:prstGeom>
-          <a:ln w="19050">
-            <a:solidFill>
-              <a:srgbClr val="7030A0"/>
-            </a:solidFill>
-            <a:prstDash val="sysDot"/>
-            <a:headEnd type="none" w="med" len="med"/>
-            <a:tailEnd type="none" w="med" len="med"/>
-          </a:ln>
-          <a:effectLst/>
-        </p:spPr>
-        <p:style>
-          <a:lnRef idx="1">
-            <a:schemeClr val="accent2"/>
-          </a:lnRef>
-          <a:fillRef idx="2">
-            <a:schemeClr val="accent2"/>
-          </a:fillRef>
-          <a:effectRef idx="1">
-            <a:schemeClr val="accent2"/>
-          </a:effectRef>
-          <a:fontRef idx="minor">
-            <a:schemeClr val="dk1"/>
-          </a:fontRef>
-        </p:style>
-      </p:cxnSp>
-      <p:sp>
-        <p:nvSpPr>
-          <p:cNvPr id="99" name="Isosceles Triangle 102"/>
-          <p:cNvSpPr/>
-          <p:nvPr/>
-        </p:nvSpPr>
-        <p:spPr>
-          <a:xfrm rot="10800000" flipV="1">
-            <a:off x="3562296" y="1134264"/>
-            <a:ext cx="282387" cy="157062"/>
-          </a:xfrm>
-          <a:prstGeom prst="triangle">
-            <a:avLst/>
-          </a:prstGeom>
-          <a:solidFill>
-            <a:schemeClr val="accent4">
-              <a:lumMod val="20000"/>
-              <a:lumOff val="80000"/>
-            </a:schemeClr>
-          </a:solidFill>
-          <a:ln w="19050">
-            <a:solidFill>
-              <a:srgbClr val="7030A0"/>
-            </a:solidFill>
-          </a:ln>
-          <a:effectLst/>
-        </p:spPr>
-        <p:style>
-          <a:lnRef idx="1">
-            <a:schemeClr val="accent4"/>
-          </a:lnRef>
-          <a:fillRef idx="2">
-            <a:schemeClr val="accent4"/>
-          </a:fillRef>
-          <a:effectRef idx="1">
-            <a:schemeClr val="accent4"/>
-          </a:effectRef>
-          <a:fontRef idx="minor">
-            <a:schemeClr val="dk1"/>
-          </a:fontRef>
-        </p:style>
-        <p:txBody>
-          <a:bodyPr rtlCol="0" anchor="ctr"/>
-          <a:lstStyle/>
-          <a:p>
-            <a:pPr algn="ctr"/>
-            <a:endParaRPr lang="en-SG" sz="1050" b="1">
-              <a:solidFill>
-                <a:srgbClr val="92D050"/>
-              </a:solidFill>
-            </a:endParaRPr>
-          </a:p>
-        </p:txBody>
-      </p:sp>
-      <p:sp>
-        <p:nvSpPr>
-          <p:cNvPr id="100" name="Rectangle 8"/>
-          <p:cNvSpPr/>
-          <p:nvPr/>
-        </p:nvSpPr>
-        <p:spPr>
-          <a:xfrm>
-            <a:off x="1273938" y="762000"/>
-            <a:ext cx="1443661" cy="364396"/>
-          </a:xfrm>
-          <a:prstGeom prst="rect">
-            <a:avLst/>
-          </a:prstGeom>
-          <a:ln w="19050">
-            <a:solidFill>
-              <a:srgbClr val="7030A0"/>
-            </a:solidFill>
-          </a:ln>
-          <a:effectLst/>
-        </p:spPr>
-        <p:style>
-          <a:lnRef idx="1">
-            <a:schemeClr val="accent4"/>
-          </a:lnRef>
-          <a:fillRef idx="2">
-            <a:schemeClr val="accent4"/>
-          </a:fillRef>
-          <a:effectRef idx="1">
-            <a:schemeClr val="accent4"/>
-          </a:effectRef>
-          <a:fontRef idx="minor">
-            <a:schemeClr val="dk1"/>
-          </a:fontRef>
-        </p:style>
-        <p:txBody>
-          <a:bodyPr rtlCol="0" anchor="ctr"/>
-          <a:lstStyle/>
-          <a:p>
-            <a:pPr algn="ctr"/>
-            <a:r>
-              <a:rPr lang="en-US" sz="1050" dirty="0">
-                <a:solidFill>
-                  <a:srgbClr val="7030A0"/>
-                </a:solidFill>
-              </a:rPr>
-              <a:t>&lt;&lt;interface&gt;&gt;</a:t>
-            </a:r>
-            <a:br>
-              <a:rPr lang="en-US" sz="1050" dirty="0">
-                <a:solidFill>
-                  <a:srgbClr val="7030A0"/>
-                </a:solidFill>
-              </a:rPr>
-            </a:br>
-            <a:r>
               <a:rPr lang="en-US" sz="1050" dirty="0" err="1">
                 <a:solidFill>
                   <a:srgbClr val="7030A0"/>
                 </a:solidFill>
               </a:rPr>
-              <a:t>ReadOnlyBook</a:t>
-            </a:r>
-            <a:endParaRPr lang="en-SG" sz="1050" dirty="0">
-              <a:solidFill>
-                <a:srgbClr val="7030A0"/>
-              </a:solidFill>
-            </a:endParaRPr>
-          </a:p>
-        </p:txBody>
-      </p:sp>
-      <p:sp>
-        <p:nvSpPr>
-          <p:cNvPr id="114" name="TextBox 113"/>
-          <p:cNvSpPr txBox="1"/>
-          <p:nvPr/>
-        </p:nvSpPr>
-        <p:spPr>
-          <a:xfrm rot="16200000">
-            <a:off x="6605381" y="5900808"/>
-            <a:ext cx="881018" cy="261610"/>
-          </a:xfrm>
-          <a:prstGeom prst="rect">
-            <a:avLst/>
-          </a:prstGeom>
-          <a:noFill/>
-        </p:spPr>
-        <p:txBody>
-          <a:bodyPr wrap="square" rtlCol="0">
-            <a:spAutoFit/>
-          </a:bodyPr>
-          <a:lstStyle/>
-          <a:p>
-            <a:pPr algn="r"/>
-            <a:r>
-              <a:rPr lang="en-US" sz="1100" dirty="0">
-                <a:solidFill>
-                  <a:srgbClr val="7030A0"/>
-                </a:solidFill>
-              </a:rPr>
-              <a:t>filtered list</a:t>
-            </a:r>
-            <a:endParaRPr lang="en-SG" sz="1100" dirty="0">
-              <a:solidFill>
-                <a:srgbClr val="7030A0"/>
-              </a:solidFill>
-            </a:endParaRPr>
-          </a:p>
-        </p:txBody>
-      </p:sp>
-      <p:sp>
-        <p:nvSpPr>
-          <p:cNvPr id="122" name="Rectangle 8"/>
-          <p:cNvSpPr/>
-          <p:nvPr/>
-        </p:nvSpPr>
-        <p:spPr>
-          <a:xfrm>
-            <a:off x="2208365" y="6413941"/>
-            <a:ext cx="1066800" cy="346760"/>
-          </a:xfrm>
-          <a:prstGeom prst="rect">
-            <a:avLst/>
-          </a:prstGeom>
-          <a:ln w="19050">
-            <a:solidFill>
-              <a:srgbClr val="7030A0"/>
-            </a:solidFill>
-          </a:ln>
-          <a:effectLst/>
-        </p:spPr>
-        <p:style>
-          <a:lnRef idx="1">
-            <a:schemeClr val="accent4"/>
-          </a:lnRef>
-          <a:fillRef idx="2">
-            <a:schemeClr val="accent4"/>
-          </a:fillRef>
-          <a:effectRef idx="1">
-            <a:schemeClr val="accent4"/>
-          </a:effectRef>
-          <a:fontRef idx="minor">
-            <a:schemeClr val="dk1"/>
-          </a:fontRef>
-        </p:style>
-        <p:txBody>
-          <a:bodyPr rtlCol="0" anchor="ctr"/>
-          <a:lstStyle/>
-          <a:p>
-            <a:pPr algn="ctr"/>
-            <a:r>
-              <a:rPr lang="en-US" sz="1050" dirty="0">
-                <a:solidFill>
-                  <a:srgbClr val="7030A0"/>
-                </a:solidFill>
-              </a:rPr>
-              <a:t>&lt;&lt;interface&gt;&gt;</a:t>
-            </a:r>
-            <a:br>
-              <a:rPr lang="en-US" sz="1050">
-                <a:solidFill>
-                  <a:srgbClr val="7030A0"/>
-                </a:solidFill>
-              </a:rPr>
-            </a:br>
-            <a:r>
-              <a:rPr lang="en-US" sz="1050" dirty="0" err="1">
-                <a:solidFill>
-                  <a:srgbClr val="7030A0"/>
-                </a:solidFill>
-              </a:rPr>
-              <a:t>ObservableList</a:t>
-            </a:r>
-            <a:endParaRPr lang="en-SG" sz="1050" dirty="0">
-              <a:solidFill>
-                <a:srgbClr val="7030A0"/>
-              </a:solidFill>
-            </a:endParaRPr>
-          </a:p>
-        </p:txBody>
-      </p:sp>
-      <p:cxnSp>
-        <p:nvCxnSpPr>
-          <p:cNvPr id="124" name="Elbow Connector 122"/>
-          <p:cNvCxnSpPr>
-            <a:cxnSpLocks/>
-            <a:stCxn id="119" idx="1"/>
-            <a:endCxn id="122" idx="1"/>
-          </p:cNvCxnSpPr>
-          <p:nvPr/>
-        </p:nvCxnSpPr>
-        <p:spPr>
-          <a:xfrm rot="16200000" flipH="1">
-            <a:off x="352732" y="4731687"/>
-            <a:ext cx="3005921" cy="705345"/>
-          </a:xfrm>
-          <a:prstGeom prst="bentConnector2">
-            <a:avLst/>
-          </a:prstGeom>
-          <a:ln w="19050">
-            <a:solidFill>
-              <a:srgbClr val="7030A0"/>
-            </a:solidFill>
-            <a:prstDash val="sysDot"/>
-            <a:headEnd type="none" w="med" len="med"/>
-            <a:tailEnd type="arrow" w="med" len="med"/>
-          </a:ln>
-          <a:effectLst/>
-        </p:spPr>
-        <p:style>
-          <a:lnRef idx="1">
-            <a:schemeClr val="accent2"/>
-          </a:lnRef>
-          <a:fillRef idx="2">
-            <a:schemeClr val="accent2"/>
-          </a:fillRef>
-          <a:effectRef idx="1">
-            <a:schemeClr val="accent2"/>
-          </a:effectRef>
-          <a:fontRef idx="minor">
-            <a:schemeClr val="dk1"/>
-          </a:fontRef>
-        </p:style>
-      </p:cxnSp>
-      <p:sp>
-        <p:nvSpPr>
-          <p:cNvPr id="54" name="TextBox 53"/>
-          <p:cNvSpPr txBox="1"/>
-          <p:nvPr/>
-        </p:nvSpPr>
-        <p:spPr>
-          <a:xfrm>
-            <a:off x="4429979" y="3111479"/>
-            <a:ext cx="189257" cy="178683"/>
-          </a:xfrm>
-          <a:prstGeom prst="rect">
-            <a:avLst/>
-          </a:prstGeom>
-          <a:noFill/>
-        </p:spPr>
-        <p:txBody>
-          <a:bodyPr wrap="square" lIns="0" tIns="0" rIns="0" bIns="0" rtlCol="0">
-            <a:noAutofit/>
-          </a:bodyPr>
-          <a:lstStyle/>
-          <a:p>
-            <a:pPr algn="ctr"/>
-            <a:r>
-              <a:rPr lang="en-US" sz="1100" dirty="0">
-                <a:solidFill>
-                  <a:srgbClr val="7030A0"/>
-                </a:solidFill>
-              </a:rPr>
-              <a:t>1</a:t>
-            </a:r>
-            <a:endParaRPr lang="en-SG" sz="1100" dirty="0">
-              <a:solidFill>
-                <a:srgbClr val="7030A0"/>
-              </a:solidFill>
-            </a:endParaRPr>
-          </a:p>
-        </p:txBody>
-      </p:sp>
-      <p:sp>
-        <p:nvSpPr>
-          <p:cNvPr id="61" name="TextBox 60"/>
-          <p:cNvSpPr txBox="1"/>
-          <p:nvPr/>
-        </p:nvSpPr>
-        <p:spPr>
-          <a:xfrm>
-            <a:off x="6135256" y="3097917"/>
-            <a:ext cx="189257" cy="178683"/>
-          </a:xfrm>
-          <a:prstGeom prst="rect">
-            <a:avLst/>
-          </a:prstGeom>
-          <a:noFill/>
-        </p:spPr>
-        <p:txBody>
-          <a:bodyPr wrap="square" lIns="0" tIns="0" rIns="0" bIns="0" rtlCol="0">
-            <a:noAutofit/>
-          </a:bodyPr>
-          <a:lstStyle/>
-          <a:p>
-            <a:pPr algn="ctr"/>
-            <a:r>
-              <a:rPr lang="en-US" sz="1100" dirty="0">
-                <a:solidFill>
-                  <a:srgbClr val="7030A0"/>
-                </a:solidFill>
-              </a:rPr>
-              <a:t>*</a:t>
-            </a:r>
-            <a:endParaRPr lang="en-SG" sz="1100" dirty="0">
-              <a:solidFill>
-                <a:srgbClr val="7030A0"/>
-              </a:solidFill>
-            </a:endParaRPr>
-          </a:p>
-        </p:txBody>
-      </p:sp>
-      <p:sp>
-        <p:nvSpPr>
-          <p:cNvPr id="65" name="TextBox 64"/>
-          <p:cNvSpPr txBox="1"/>
-          <p:nvPr/>
-        </p:nvSpPr>
-        <p:spPr>
-          <a:xfrm>
-            <a:off x="2573394" y="2756715"/>
-            <a:ext cx="170110" cy="137542"/>
-          </a:xfrm>
-          <a:prstGeom prst="rect">
-            <a:avLst/>
-          </a:prstGeom>
-          <a:noFill/>
-        </p:spPr>
-        <p:txBody>
-          <a:bodyPr wrap="square" lIns="0" tIns="0" rIns="0" bIns="0" rtlCol="0">
-            <a:noAutofit/>
-          </a:bodyPr>
-          <a:lstStyle/>
-          <a:p>
-            <a:pPr algn="ctr"/>
-            <a:r>
-              <a:rPr lang="en-US" sz="1100" dirty="0">
-                <a:solidFill>
-                  <a:srgbClr val="7030A0"/>
-                </a:solidFill>
-              </a:rPr>
-              <a:t>1</a:t>
-            </a:r>
-            <a:endParaRPr lang="en-SG" sz="1100" dirty="0">
-              <a:solidFill>
-                <a:srgbClr val="7030A0"/>
-              </a:solidFill>
-            </a:endParaRPr>
-          </a:p>
-        </p:txBody>
-      </p:sp>
-      <p:sp>
-        <p:nvSpPr>
-          <p:cNvPr id="66" name="TextBox 65"/>
-          <p:cNvSpPr txBox="1"/>
-          <p:nvPr/>
-        </p:nvSpPr>
-        <p:spPr>
-          <a:xfrm>
-            <a:off x="2630191" y="3667737"/>
-            <a:ext cx="189257" cy="178683"/>
-          </a:xfrm>
-          <a:prstGeom prst="rect">
-            <a:avLst/>
-          </a:prstGeom>
-          <a:noFill/>
-        </p:spPr>
-        <p:txBody>
-          <a:bodyPr wrap="square" lIns="0" tIns="0" rIns="0" bIns="0" rtlCol="0">
-            <a:noAutofit/>
-          </a:bodyPr>
-          <a:lstStyle/>
-          <a:p>
-            <a:pPr algn="ctr"/>
-            <a:r>
-              <a:rPr lang="en-US" sz="1100" dirty="0">
-                <a:solidFill>
-                  <a:srgbClr val="7030A0"/>
-                </a:solidFill>
-              </a:rPr>
-              <a:t>1</a:t>
-            </a:r>
-            <a:endParaRPr lang="en-SG" sz="1100" dirty="0">
-              <a:solidFill>
-                <a:srgbClr val="7030A0"/>
-              </a:solidFill>
-            </a:endParaRPr>
-          </a:p>
-        </p:txBody>
-      </p:sp>
-      <p:sp>
-        <p:nvSpPr>
-          <p:cNvPr id="70" name="TextBox 69"/>
-          <p:cNvSpPr txBox="1"/>
-          <p:nvPr/>
-        </p:nvSpPr>
-        <p:spPr>
-          <a:xfrm>
-            <a:off x="6411882" y="5475839"/>
-            <a:ext cx="189257" cy="178683"/>
-          </a:xfrm>
-          <a:prstGeom prst="rect">
-            <a:avLst/>
-          </a:prstGeom>
-          <a:noFill/>
-        </p:spPr>
-        <p:txBody>
-          <a:bodyPr wrap="square" lIns="0" tIns="0" rIns="0" bIns="0" rtlCol="0">
-            <a:noAutofit/>
-          </a:bodyPr>
-          <a:lstStyle/>
-          <a:p>
-            <a:pPr algn="ctr"/>
-            <a:r>
-              <a:rPr lang="en-US" sz="1100" dirty="0">
-                <a:solidFill>
-                  <a:srgbClr val="7030A0"/>
-                </a:solidFill>
-              </a:rPr>
-              <a:t>1</a:t>
-            </a:r>
-            <a:endParaRPr lang="en-SG" sz="1100" dirty="0">
-              <a:solidFill>
-                <a:srgbClr val="7030A0"/>
-              </a:solidFill>
-            </a:endParaRPr>
-          </a:p>
-        </p:txBody>
-      </p:sp>
-      <p:sp>
-        <p:nvSpPr>
-          <p:cNvPr id="55" name="Rectangle 8"/>
-          <p:cNvSpPr/>
-          <p:nvPr/>
-        </p:nvSpPr>
-        <p:spPr>
-          <a:xfrm>
-            <a:off x="3183197" y="762000"/>
-            <a:ext cx="1259798" cy="364396"/>
-          </a:xfrm>
-          <a:prstGeom prst="rect">
-            <a:avLst/>
-          </a:prstGeom>
-          <a:ln w="19050">
-            <a:solidFill>
-              <a:srgbClr val="7030A0"/>
-            </a:solidFill>
-          </a:ln>
-          <a:effectLst/>
-        </p:spPr>
-        <p:style>
-          <a:lnRef idx="1">
-            <a:schemeClr val="accent4"/>
-          </a:lnRef>
-          <a:fillRef idx="2">
-            <a:schemeClr val="accent4"/>
-          </a:fillRef>
-          <a:effectRef idx="1">
-            <a:schemeClr val="accent4"/>
-          </a:effectRef>
-          <a:fontRef idx="minor">
-            <a:schemeClr val="dk1"/>
-          </a:fontRef>
-        </p:style>
-        <p:txBody>
-          <a:bodyPr rtlCol="0" anchor="ctr"/>
-          <a:lstStyle/>
-          <a:p>
-            <a:pPr algn="ctr"/>
-            <a:r>
-              <a:rPr lang="en-US" sz="1050" dirty="0" err="1">
-                <a:solidFill>
-                  <a:srgbClr val="7030A0"/>
-                </a:solidFill>
-              </a:rPr>
-              <a:t>VoluncheerBook</a:t>
+              <a:t>Voluncheer</a:t>
             </a:r>
             <a:endParaRPr lang="en-SG" sz="1050" dirty="0">
               <a:solidFill>
@@ -8364,389 +7923,6 @@
       </p:cxnSp>
       <p:sp>
         <p:nvSpPr>
-          <p:cNvPr id="111" name="Rectangle 8">
-            <a:extLst>
-              <a:ext uri="{FF2B5EF4-FFF2-40B4-BE49-F238E27FC236}">
-                <a16:creationId xmlns:a16="http://schemas.microsoft.com/office/drawing/2014/main" id="{D85F6FF4-0FE1-4114-913C-7C73ABF5C420}"/>
-              </a:ext>
-            </a:extLst>
-          </p:cNvPr>
-          <p:cNvSpPr/>
-          <p:nvPr/>
-        </p:nvSpPr>
-        <p:spPr>
-          <a:xfrm>
-            <a:off x="7710767" y="934128"/>
-            <a:ext cx="708186" cy="285783"/>
-          </a:xfrm>
-          <a:prstGeom prst="rect">
-            <a:avLst/>
-          </a:prstGeom>
-          <a:ln w="19050">
-            <a:solidFill>
-              <a:srgbClr val="7030A0"/>
-            </a:solidFill>
-          </a:ln>
-          <a:effectLst/>
-        </p:spPr>
-        <p:style>
-          <a:lnRef idx="1">
-            <a:schemeClr val="accent4"/>
-          </a:lnRef>
-          <a:fillRef idx="2">
-            <a:schemeClr val="accent4"/>
-          </a:fillRef>
-          <a:effectRef idx="1">
-            <a:schemeClr val="accent4"/>
-          </a:effectRef>
-          <a:fontRef idx="minor">
-            <a:schemeClr val="dk1"/>
-          </a:fontRef>
-        </p:style>
-        <p:txBody>
-          <a:bodyPr rtlCol="0" anchor="ctr"/>
-          <a:lstStyle/>
-          <a:p>
-            <a:pPr algn="ctr"/>
-            <a:r>
-              <a:rPr lang="en-US" sz="1050" dirty="0">
-                <a:solidFill>
-                  <a:srgbClr val="7030A0"/>
-                </a:solidFill>
-              </a:rPr>
-              <a:t>Name</a:t>
-            </a:r>
-            <a:endParaRPr lang="en-SG" sz="1050" dirty="0">
-              <a:solidFill>
-                <a:srgbClr val="7030A0"/>
-              </a:solidFill>
-            </a:endParaRPr>
-          </a:p>
-        </p:txBody>
-      </p:sp>
-      <p:sp>
-        <p:nvSpPr>
-          <p:cNvPr id="112" name="Flowchart: Decision 96">
-            <a:extLst>
-              <a:ext uri="{FF2B5EF4-FFF2-40B4-BE49-F238E27FC236}">
-                <a16:creationId xmlns:a16="http://schemas.microsoft.com/office/drawing/2014/main" id="{D91ED9AA-AEF8-41B2-A58C-9F6909B56333}"/>
-              </a:ext>
-            </a:extLst>
-          </p:cNvPr>
-          <p:cNvSpPr/>
-          <p:nvPr/>
-        </p:nvSpPr>
-        <p:spPr>
-          <a:xfrm>
-            <a:off x="7097038" y="1194916"/>
-            <a:ext cx="236048" cy="173380"/>
-          </a:xfrm>
-          <a:prstGeom prst="flowChartDecision">
-            <a:avLst/>
-          </a:prstGeom>
-          <a:solidFill>
-            <a:srgbClr val="7030A0"/>
-          </a:solidFill>
-          <a:ln w="19050">
-            <a:solidFill>
-              <a:srgbClr val="7030A0"/>
-            </a:solidFill>
-          </a:ln>
-          <a:effectLst/>
-        </p:spPr>
-        <p:style>
-          <a:lnRef idx="1">
-            <a:schemeClr val="accent6"/>
-          </a:lnRef>
-          <a:fillRef idx="2">
-            <a:schemeClr val="accent6"/>
-          </a:fillRef>
-          <a:effectRef idx="1">
-            <a:schemeClr val="accent6"/>
-          </a:effectRef>
-          <a:fontRef idx="minor">
-            <a:schemeClr val="dk1"/>
-          </a:fontRef>
-        </p:style>
-        <p:txBody>
-          <a:bodyPr rtlCol="0" anchor="ctr"/>
-          <a:lstStyle/>
-          <a:p>
-            <a:pPr algn="ctr"/>
-            <a:endParaRPr lang="en-US" sz="1050"/>
-          </a:p>
-        </p:txBody>
-      </p:sp>
-      <p:cxnSp>
-        <p:nvCxnSpPr>
-          <p:cNvPr id="113" name="Elbow Connector 78">
-            <a:extLst>
-              <a:ext uri="{FF2B5EF4-FFF2-40B4-BE49-F238E27FC236}">
-                <a16:creationId xmlns:a16="http://schemas.microsoft.com/office/drawing/2014/main" id="{65CC73A5-8098-4558-9187-D208C582E8DD}"/>
-              </a:ext>
-            </a:extLst>
-          </p:cNvPr>
-          <p:cNvCxnSpPr>
-            <a:cxnSpLocks/>
-          </p:cNvCxnSpPr>
-          <p:nvPr/>
-        </p:nvCxnSpPr>
-        <p:spPr>
-          <a:xfrm flipV="1">
-            <a:off x="7245746" y="1078116"/>
-            <a:ext cx="511664" cy="203880"/>
-          </a:xfrm>
-          <a:prstGeom prst="bentConnector3">
-            <a:avLst>
-              <a:gd name="adj1" fmla="val 54038"/>
-            </a:avLst>
-          </a:prstGeom>
-          <a:ln w="19050">
-            <a:solidFill>
-              <a:srgbClr val="7030A0"/>
-            </a:solidFill>
-            <a:headEnd type="none" w="med" len="med"/>
-            <a:tailEnd type="arrow" w="med" len="med"/>
-          </a:ln>
-          <a:effectLst/>
-        </p:spPr>
-        <p:style>
-          <a:lnRef idx="1">
-            <a:schemeClr val="accent2"/>
-          </a:lnRef>
-          <a:fillRef idx="2">
-            <a:schemeClr val="accent2"/>
-          </a:fillRef>
-          <a:effectRef idx="1">
-            <a:schemeClr val="accent2"/>
-          </a:effectRef>
-          <a:fontRef idx="minor">
-            <a:schemeClr val="dk1"/>
-          </a:fontRef>
-        </p:style>
-      </p:cxnSp>
-      <p:sp>
-        <p:nvSpPr>
-          <p:cNvPr id="115" name="Rectangle 8">
-            <a:extLst>
-              <a:ext uri="{FF2B5EF4-FFF2-40B4-BE49-F238E27FC236}">
-                <a16:creationId xmlns:a16="http://schemas.microsoft.com/office/drawing/2014/main" id="{5E729CBE-FECB-4A78-AE01-185697907574}"/>
-              </a:ext>
-            </a:extLst>
-          </p:cNvPr>
-          <p:cNvSpPr/>
-          <p:nvPr/>
-        </p:nvSpPr>
-        <p:spPr>
-          <a:xfrm>
-            <a:off x="7712397" y="1357889"/>
-            <a:ext cx="708186" cy="285783"/>
-          </a:xfrm>
-          <a:prstGeom prst="rect">
-            <a:avLst/>
-          </a:prstGeom>
-          <a:ln w="19050">
-            <a:solidFill>
-              <a:srgbClr val="7030A0"/>
-            </a:solidFill>
-          </a:ln>
-          <a:effectLst/>
-        </p:spPr>
-        <p:style>
-          <a:lnRef idx="1">
-            <a:schemeClr val="accent4"/>
-          </a:lnRef>
-          <a:fillRef idx="2">
-            <a:schemeClr val="accent4"/>
-          </a:fillRef>
-          <a:effectRef idx="1">
-            <a:schemeClr val="accent4"/>
-          </a:effectRef>
-          <a:fontRef idx="minor">
-            <a:schemeClr val="dk1"/>
-          </a:fontRef>
-        </p:style>
-        <p:txBody>
-          <a:bodyPr rtlCol="0" anchor="ctr"/>
-          <a:lstStyle/>
-          <a:p>
-            <a:pPr algn="ctr"/>
-            <a:r>
-              <a:rPr lang="en-US" sz="1050" dirty="0">
-                <a:solidFill>
-                  <a:srgbClr val="7030A0"/>
-                </a:solidFill>
-              </a:rPr>
-              <a:t>Contact</a:t>
-            </a:r>
-            <a:endParaRPr lang="en-SG" sz="1050" dirty="0">
-              <a:solidFill>
-                <a:srgbClr val="7030A0"/>
-              </a:solidFill>
-            </a:endParaRPr>
-          </a:p>
-        </p:txBody>
-      </p:sp>
-      <p:cxnSp>
-        <p:nvCxnSpPr>
-          <p:cNvPr id="117" name="Elbow Connector 83">
-            <a:extLst>
-              <a:ext uri="{FF2B5EF4-FFF2-40B4-BE49-F238E27FC236}">
-                <a16:creationId xmlns:a16="http://schemas.microsoft.com/office/drawing/2014/main" id="{9F2189D4-D664-44CC-BAD1-2E6BB9CB016A}"/>
-              </a:ext>
-            </a:extLst>
-          </p:cNvPr>
-          <p:cNvCxnSpPr>
-            <a:cxnSpLocks/>
-            <a:stCxn id="112" idx="3"/>
-            <a:endCxn id="115" idx="1"/>
-          </p:cNvCxnSpPr>
-          <p:nvPr/>
-        </p:nvCxnSpPr>
-        <p:spPr>
-          <a:xfrm>
-            <a:off x="7333086" y="1281606"/>
-            <a:ext cx="379311" cy="219175"/>
-          </a:xfrm>
-          <a:prstGeom prst="bentConnector3">
-            <a:avLst/>
-          </a:prstGeom>
-          <a:ln w="19050">
-            <a:solidFill>
-              <a:srgbClr val="7030A0"/>
-            </a:solidFill>
-            <a:headEnd type="none" w="med" len="med"/>
-            <a:tailEnd type="arrow" w="med" len="med"/>
-          </a:ln>
-          <a:effectLst/>
-        </p:spPr>
-        <p:style>
-          <a:lnRef idx="1">
-            <a:schemeClr val="accent2"/>
-          </a:lnRef>
-          <a:fillRef idx="2">
-            <a:schemeClr val="accent2"/>
-          </a:fillRef>
-          <a:effectRef idx="1">
-            <a:schemeClr val="accent2"/>
-          </a:effectRef>
-          <a:fontRef idx="minor">
-            <a:schemeClr val="dk1"/>
-          </a:fontRef>
-        </p:style>
-      </p:cxnSp>
-      <p:sp>
-        <p:nvSpPr>
-          <p:cNvPr id="121" name="Rectangle 8">
-            <a:extLst>
-              <a:ext uri="{FF2B5EF4-FFF2-40B4-BE49-F238E27FC236}">
-                <a16:creationId xmlns:a16="http://schemas.microsoft.com/office/drawing/2014/main" id="{50262BC4-4089-4311-A48A-B97579C6153C}"/>
-              </a:ext>
-            </a:extLst>
-          </p:cNvPr>
-          <p:cNvSpPr/>
-          <p:nvPr/>
-        </p:nvSpPr>
-        <p:spPr>
-          <a:xfrm>
-            <a:off x="7700018" y="1779886"/>
-            <a:ext cx="708186" cy="285783"/>
-          </a:xfrm>
-          <a:prstGeom prst="rect">
-            <a:avLst/>
-          </a:prstGeom>
-          <a:ln w="19050">
-            <a:solidFill>
-              <a:srgbClr val="7030A0"/>
-            </a:solidFill>
-          </a:ln>
-          <a:effectLst/>
-        </p:spPr>
-        <p:style>
-          <a:lnRef idx="1">
-            <a:schemeClr val="accent4"/>
-          </a:lnRef>
-          <a:fillRef idx="2">
-            <a:schemeClr val="accent4"/>
-          </a:fillRef>
-          <a:effectRef idx="1">
-            <a:schemeClr val="accent4"/>
-          </a:effectRef>
-          <a:fontRef idx="minor">
-            <a:schemeClr val="dk1"/>
-          </a:fontRef>
-        </p:style>
-        <p:txBody>
-          <a:bodyPr rtlCol="0" anchor="ctr"/>
-          <a:lstStyle/>
-          <a:p>
-            <a:pPr algn="ctr"/>
-            <a:r>
-              <a:rPr lang="en-US" sz="1050" dirty="0">
-                <a:solidFill>
-                  <a:srgbClr val="7030A0"/>
-                </a:solidFill>
-              </a:rPr>
-              <a:t>Address</a:t>
-            </a:r>
-            <a:endParaRPr lang="en-SG" sz="1050" dirty="0">
-              <a:solidFill>
-                <a:srgbClr val="7030A0"/>
-              </a:solidFill>
-            </a:endParaRPr>
-          </a:p>
-        </p:txBody>
-      </p:sp>
-      <p:cxnSp>
-        <p:nvCxnSpPr>
-          <p:cNvPr id="123" name="Elbow Connector 85">
-            <a:extLst>
-              <a:ext uri="{FF2B5EF4-FFF2-40B4-BE49-F238E27FC236}">
-                <a16:creationId xmlns:a16="http://schemas.microsoft.com/office/drawing/2014/main" id="{CF0BD827-881A-41A8-ACE8-44652FE4463B}"/>
-              </a:ext>
-            </a:extLst>
-          </p:cNvPr>
-          <p:cNvCxnSpPr>
-            <a:cxnSpLocks/>
-            <a:stCxn id="112" idx="3"/>
-            <a:endCxn id="121" idx="1"/>
-          </p:cNvCxnSpPr>
-          <p:nvPr/>
-        </p:nvCxnSpPr>
-        <p:spPr>
-          <a:xfrm>
-            <a:off x="7333086" y="1281606"/>
-            <a:ext cx="366932" cy="641172"/>
-          </a:xfrm>
-          <a:prstGeom prst="bentConnector3">
-            <a:avLst/>
-          </a:prstGeom>
-          <a:ln w="19050">
-            <a:solidFill>
-              <a:srgbClr val="7030A0"/>
-            </a:solidFill>
-            <a:headEnd type="none" w="med" len="med"/>
-            <a:tailEnd type="arrow" w="med" len="med"/>
-          </a:ln>
-          <a:effectLst/>
-        </p:spPr>
-        <p:style>
-          <a:lnRef idx="1">
-            <a:schemeClr val="accent2"/>
-          </a:lnRef>
-          <a:fillRef idx="2">
-            <a:schemeClr val="accent2"/>
-          </a:fillRef>
-          <a:effectRef idx="1">
-            <a:schemeClr val="accent2"/>
-          </a:effectRef>
-          <a:fontRef idx="minor">
-            <a:schemeClr val="dk1"/>
-          </a:fontRef>
-        </p:style>
-      </p:cxnSp>
-      <p:sp>
-        <p:nvSpPr>
           <p:cNvPr id="125" name="TextBox 124">
             <a:extLst>
               <a:ext uri="{FF2B5EF4-FFF2-40B4-BE49-F238E27FC236}">
@@ -8760,163 +7936,6 @@
         <p:spPr>
           <a:xfrm>
             <a:off x="6122877" y="1344632"/>
-            <a:ext cx="189257" cy="178683"/>
-          </a:xfrm>
-          <a:prstGeom prst="rect">
-            <a:avLst/>
-          </a:prstGeom>
-          <a:noFill/>
-        </p:spPr>
-        <p:txBody>
-          <a:bodyPr wrap="square" lIns="0" tIns="0" rIns="0" bIns="0" rtlCol="0">
-            <a:noAutofit/>
-          </a:bodyPr>
-          <a:lstStyle/>
-          <a:p>
-            <a:pPr algn="ctr"/>
-            <a:r>
-              <a:rPr lang="en-US" sz="1100" dirty="0">
-                <a:solidFill>
-                  <a:srgbClr val="7030A0"/>
-                </a:solidFill>
-              </a:rPr>
-              <a:t>*</a:t>
-            </a:r>
-            <a:endParaRPr lang="en-SG" sz="1100" dirty="0">
-              <a:solidFill>
-                <a:srgbClr val="7030A0"/>
-              </a:solidFill>
-            </a:endParaRPr>
-          </a:p>
-        </p:txBody>
-      </p:sp>
-      <p:sp>
-        <p:nvSpPr>
-          <p:cNvPr id="126" name="Rectangle 8">
-            <a:extLst>
-              <a:ext uri="{FF2B5EF4-FFF2-40B4-BE49-F238E27FC236}">
-                <a16:creationId xmlns:a16="http://schemas.microsoft.com/office/drawing/2014/main" id="{451BC867-58C0-46A6-8982-351F4E4BA315}"/>
-              </a:ext>
-            </a:extLst>
-          </p:cNvPr>
-          <p:cNvSpPr/>
-          <p:nvPr/>
-        </p:nvSpPr>
-        <p:spPr>
-          <a:xfrm>
-            <a:off x="7700018" y="557616"/>
-            <a:ext cx="834382" cy="225032"/>
-          </a:xfrm>
-          <a:prstGeom prst="rect">
-            <a:avLst/>
-          </a:prstGeom>
-          <a:ln w="19050">
-            <a:solidFill>
-              <a:srgbClr val="7030A0"/>
-            </a:solidFill>
-          </a:ln>
-          <a:effectLst/>
-        </p:spPr>
-        <p:style>
-          <a:lnRef idx="1">
-            <a:schemeClr val="accent4"/>
-          </a:lnRef>
-          <a:fillRef idx="2">
-            <a:schemeClr val="accent4"/>
-          </a:fillRef>
-          <a:effectRef idx="1">
-            <a:schemeClr val="accent4"/>
-          </a:effectRef>
-          <a:fontRef idx="minor">
-            <a:schemeClr val="dk1"/>
-          </a:fontRef>
-        </p:style>
-        <p:txBody>
-          <a:bodyPr rtlCol="0" anchor="ctr"/>
-          <a:lstStyle/>
-          <a:p>
-            <a:pPr algn="ctr"/>
-            <a:r>
-              <a:rPr lang="en-US" sz="1050" dirty="0">
-                <a:solidFill>
-                  <a:srgbClr val="7030A0"/>
-                </a:solidFill>
-              </a:rPr>
-              <a:t>Description</a:t>
-            </a:r>
-            <a:endParaRPr lang="en-SG" sz="1050" dirty="0">
-              <a:solidFill>
-                <a:srgbClr val="7030A0"/>
-              </a:solidFill>
-            </a:endParaRPr>
-          </a:p>
-        </p:txBody>
-      </p:sp>
-      <p:cxnSp>
-        <p:nvCxnSpPr>
-          <p:cNvPr id="127" name="Elbow Connector 78">
-            <a:extLst>
-              <a:ext uri="{FF2B5EF4-FFF2-40B4-BE49-F238E27FC236}">
-                <a16:creationId xmlns:a16="http://schemas.microsoft.com/office/drawing/2014/main" id="{B86AB09A-D3D2-476A-B859-B662A5AE1DC0}"/>
-              </a:ext>
-            </a:extLst>
-          </p:cNvPr>
-          <p:cNvCxnSpPr>
-            <a:cxnSpLocks/>
-            <a:stCxn id="112" idx="3"/>
-            <a:endCxn id="126" idx="1"/>
-          </p:cNvCxnSpPr>
-          <p:nvPr/>
-        </p:nvCxnSpPr>
-        <p:spPr>
-          <a:xfrm flipV="1">
-            <a:off x="7333086" y="670132"/>
-            <a:ext cx="366932" cy="611474"/>
-          </a:xfrm>
-          <a:prstGeom prst="bentConnector3">
-            <a:avLst>
-              <a:gd name="adj1" fmla="val 50000"/>
-            </a:avLst>
-          </a:prstGeom>
-          <a:ln w="19050">
-            <a:solidFill>
-              <a:srgbClr val="7030A0"/>
-            </a:solidFill>
-            <a:headEnd type="none" w="med" len="med"/>
-            <a:tailEnd type="arrow" w="med" len="med"/>
-          </a:ln>
-          <a:effectLst/>
-        </p:spPr>
-        <p:style>
-          <a:lnRef idx="1">
-            <a:schemeClr val="accent2"/>
-          </a:lnRef>
-          <a:fillRef idx="2">
-            <a:schemeClr val="accent2"/>
-          </a:fillRef>
-          <a:effectRef idx="1">
-            <a:schemeClr val="accent2"/>
-          </a:effectRef>
-          <a:fontRef idx="minor">
-            <a:schemeClr val="dk1"/>
-          </a:fontRef>
-        </p:style>
-      </p:cxnSp>
-      <p:sp>
-        <p:nvSpPr>
-          <p:cNvPr id="128" name="TextBox 127">
-            <a:extLst>
-              <a:ext uri="{FF2B5EF4-FFF2-40B4-BE49-F238E27FC236}">
-                <a16:creationId xmlns:a16="http://schemas.microsoft.com/office/drawing/2014/main" id="{3290A307-E54E-465C-8D13-4C9E238439B8}"/>
-              </a:ext>
-            </a:extLst>
-          </p:cNvPr>
-          <p:cNvSpPr txBox="1"/>
-          <p:nvPr/>
-        </p:nvSpPr>
-        <p:spPr>
-          <a:xfrm>
-            <a:off x="7453864" y="502426"/>
             <a:ext cx="189257" cy="178683"/>
           </a:xfrm>
           <a:prstGeom prst="rect">
@@ -8959,18 +7978,17 @@
           <p:cNvCxnSpPr>
             <a:cxnSpLocks/>
             <a:stCxn id="51" idx="2"/>
+            <a:endCxn id="49" idx="1"/>
           </p:cNvCxnSpPr>
           <p:nvPr/>
         </p:nvCxnSpPr>
         <p:spPr>
           <a:xfrm rot="16200000" flipH="1">
-            <a:off x="3561065" y="3975843"/>
-            <a:ext cx="2316288" cy="552426"/>
-          </a:xfrm>
-          <a:prstGeom prst="bentConnector3">
-            <a:avLst>
-              <a:gd name="adj1" fmla="val 99556"/>
-            </a:avLst>
+            <a:off x="3412372" y="4124535"/>
+            <a:ext cx="2312547" cy="251299"/>
+          </a:xfrm>
+          <a:prstGeom prst="bentConnector2">
+            <a:avLst/>
           </a:prstGeom>
           <a:ln w="19050">
             <a:tailEnd type="triangle"/>
@@ -9218,10 +8236,55 @@
       </p:cxnSp>
       <p:sp>
         <p:nvSpPr>
-          <p:cNvPr id="177" name="Rectangle 8">
+          <p:cNvPr id="187" name="TextBox 186">
             <a:extLst>
               <a:ext uri="{FF2B5EF4-FFF2-40B4-BE49-F238E27FC236}">
-                <a16:creationId xmlns:a16="http://schemas.microsoft.com/office/drawing/2014/main" id="{7BF9FAEB-34F3-43BE-B1ED-FF81870B1A1F}"/>
+                <a16:creationId xmlns:a16="http://schemas.microsoft.com/office/drawing/2014/main" id="{5556259C-F612-4328-9E97-B1D95AC74131}"/>
+              </a:ext>
+            </a:extLst>
+          </p:cNvPr>
+          <p:cNvSpPr txBox="1"/>
+          <p:nvPr/>
+        </p:nvSpPr>
+        <p:spPr>
+          <a:xfrm>
+            <a:off x="7011116" y="5615700"/>
+            <a:ext cx="189257" cy="178683"/>
+          </a:xfrm>
+          <a:prstGeom prst="rect">
+            <a:avLst/>
+          </a:prstGeom>
+          <a:noFill/>
+        </p:spPr>
+        <p:txBody>
+          <a:bodyPr wrap="square" lIns="0" tIns="0" rIns="0" bIns="0" rtlCol="0">
+            <a:noAutofit/>
+          </a:bodyPr>
+          <a:lstStyle/>
+          <a:p>
+            <a:pPr algn="ctr"/>
+            <a:r>
+              <a:rPr lang="en-US" sz="1100" dirty="0">
+                <a:solidFill>
+                  <a:srgbClr val="7030A0"/>
+                </a:solidFill>
+              </a:rPr>
+              <a:t>*</a:t>
+            </a:r>
+            <a:endParaRPr lang="en-SG" sz="1100" dirty="0">
+              <a:solidFill>
+                <a:srgbClr val="7030A0"/>
+              </a:solidFill>
+            </a:endParaRPr>
+          </a:p>
+        </p:txBody>
+      </p:sp>
+      <p:sp>
+        <p:nvSpPr>
+          <p:cNvPr id="89" name="Rectangle 8">
+            <a:extLst>
+              <a:ext uri="{FF2B5EF4-FFF2-40B4-BE49-F238E27FC236}">
+                <a16:creationId xmlns:a16="http://schemas.microsoft.com/office/drawing/2014/main" id="{24B584DB-7D06-488C-AE7C-2B33D911A3BF}"/>
               </a:ext>
             </a:extLst>
           </p:cNvPr>
@@ -9230,8 +8293,8 @@
         </p:nvSpPr>
         <p:spPr>
           <a:xfrm>
-            <a:off x="7764858" y="3013590"/>
-            <a:ext cx="708186" cy="285783"/>
+            <a:off x="4694295" y="3755505"/>
+            <a:ext cx="1156969" cy="285783"/>
           </a:xfrm>
           <a:prstGeom prst="rect">
             <a:avLst/>
@@ -9263,12 +8326,122 @@
           <a:p>
             <a:pPr algn="ctr"/>
             <a:r>
+              <a:rPr lang="en-US" sz="1050" dirty="0" err="1">
+                <a:solidFill>
+                  <a:srgbClr val="7030A0"/>
+                </a:solidFill>
+              </a:rPr>
+              <a:t>UniqueTagList</a:t>
+            </a:r>
+            <a:endParaRPr lang="en-SG" sz="1050" dirty="0">
+              <a:solidFill>
+                <a:srgbClr val="7030A0"/>
+              </a:solidFill>
+            </a:endParaRPr>
+          </a:p>
+        </p:txBody>
+      </p:sp>
+      <p:cxnSp>
+        <p:nvCxnSpPr>
+          <p:cNvPr id="90" name="Elbow Connector 63">
+            <a:extLst>
+              <a:ext uri="{FF2B5EF4-FFF2-40B4-BE49-F238E27FC236}">
+                <a16:creationId xmlns:a16="http://schemas.microsoft.com/office/drawing/2014/main" id="{1F9FE23A-EFC0-4F9E-9CF0-744D80517158}"/>
+              </a:ext>
+            </a:extLst>
+          </p:cNvPr>
+          <p:cNvCxnSpPr>
+            <a:cxnSpLocks/>
+            <a:stCxn id="92" idx="3"/>
+            <a:endCxn id="91" idx="1"/>
+          </p:cNvCxnSpPr>
+          <p:nvPr/>
+        </p:nvCxnSpPr>
+        <p:spPr>
+          <a:xfrm flipV="1">
+            <a:off x="6061540" y="3866140"/>
+            <a:ext cx="194669" cy="14704"/>
+          </a:xfrm>
+          <a:prstGeom prst="bentConnector3">
+            <a:avLst/>
+          </a:prstGeom>
+          <a:ln w="19050">
+            <a:solidFill>
+              <a:srgbClr val="7030A0"/>
+            </a:solidFill>
+            <a:headEnd type="none" w="med" len="med"/>
+            <a:tailEnd type="arrow" w="med" len="med"/>
+          </a:ln>
+          <a:effectLst/>
+        </p:spPr>
+        <p:style>
+          <a:lnRef idx="1">
+            <a:schemeClr val="accent2"/>
+          </a:lnRef>
+          <a:fillRef idx="2">
+            <a:schemeClr val="accent2"/>
+          </a:fillRef>
+          <a:effectRef idx="1">
+            <a:schemeClr val="accent2"/>
+          </a:effectRef>
+          <a:fontRef idx="minor">
+            <a:schemeClr val="dk1"/>
+          </a:fontRef>
+        </p:style>
+      </p:cxnSp>
+      <p:sp>
+        <p:nvSpPr>
+          <p:cNvPr id="91" name="Rectangle 8">
+            <a:extLst>
+              <a:ext uri="{FF2B5EF4-FFF2-40B4-BE49-F238E27FC236}">
+                <a16:creationId xmlns:a16="http://schemas.microsoft.com/office/drawing/2014/main" id="{2CDC2AC7-4F11-4BEB-AC70-45753C484EE7}"/>
+              </a:ext>
+            </a:extLst>
+          </p:cNvPr>
+          <p:cNvSpPr/>
+          <p:nvPr/>
+        </p:nvSpPr>
+        <p:spPr>
+          <a:xfrm>
+            <a:off x="6256209" y="3692760"/>
+            <a:ext cx="708186" cy="346760"/>
+          </a:xfrm>
+          <a:prstGeom prst="rect">
+            <a:avLst/>
+          </a:prstGeom>
+          <a:ln w="19050">
+            <a:solidFill>
+              <a:srgbClr val="7030A0"/>
+            </a:solidFill>
+          </a:ln>
+          <a:effectLst/>
+        </p:spPr>
+        <p:style>
+          <a:lnRef idx="1">
+            <a:schemeClr val="accent4"/>
+          </a:lnRef>
+          <a:fillRef idx="2">
+            <a:schemeClr val="accent4"/>
+          </a:fillRef>
+          <a:effectRef idx="1">
+            <a:schemeClr val="accent4"/>
+          </a:effectRef>
+          <a:fontRef idx="minor">
+            <a:schemeClr val="dk1"/>
+          </a:fontRef>
+        </p:style>
+        <p:txBody>
+          <a:bodyPr rtlCol="0" anchor="ctr"/>
+          <a:lstStyle/>
+          <a:p>
+            <a:pPr algn="ctr"/>
+            <a:r>
               <a:rPr lang="en-US" sz="1050" dirty="0">
                 <a:solidFill>
                   <a:srgbClr val="7030A0"/>
                 </a:solidFill>
               </a:rPr>
-              <a:t>Name</a:t>
+              <a:t>Tag</a:t>
             </a:r>
             <a:endParaRPr lang="en-SG" sz="1050" dirty="0">
               <a:solidFill>
@@ -9280,10 +8453,10 @@
       </p:sp>
       <p:sp>
         <p:nvSpPr>
-          <p:cNvPr id="178" name="Flowchart: Decision 96">
+          <p:cNvPr id="92" name="Flowchart: Decision 96">
             <a:extLst>
               <a:ext uri="{FF2B5EF4-FFF2-40B4-BE49-F238E27FC236}">
-                <a16:creationId xmlns:a16="http://schemas.microsoft.com/office/drawing/2014/main" id="{F0A82EB9-A23A-4C14-A981-8CCEBEDFA48A}"/>
+                <a16:creationId xmlns:a16="http://schemas.microsoft.com/office/drawing/2014/main" id="{CAB2BCA2-D19F-43C7-B608-ABFF863A1BB5}"/>
               </a:ext>
             </a:extLst>
           </p:cNvPr>
@@ -9292,7 +8465,7 @@
         </p:nvSpPr>
         <p:spPr>
           <a:xfrm>
-            <a:off x="7074454" y="2933685"/>
+            <a:off x="5825492" y="3794154"/>
             <a:ext cx="236048" cy="173380"/>
           </a:xfrm>
           <a:prstGeom prst="flowChartDecision">
@@ -9331,29 +8504,81 @@
           </a:p>
         </p:txBody>
       </p:sp>
+      <p:sp>
+        <p:nvSpPr>
+          <p:cNvPr id="98" name="Flowchart: Decision 96">
+            <a:extLst>
+              <a:ext uri="{FF2B5EF4-FFF2-40B4-BE49-F238E27FC236}">
+                <a16:creationId xmlns:a16="http://schemas.microsoft.com/office/drawing/2014/main" id="{548D5B5B-7E6B-4554-B097-1257A5B3047A}"/>
+              </a:ext>
+            </a:extLst>
+          </p:cNvPr>
+          <p:cNvSpPr/>
+          <p:nvPr/>
+        </p:nvSpPr>
+        <p:spPr>
+          <a:xfrm rot="5400000">
+            <a:off x="6890172" y="5019642"/>
+            <a:ext cx="236048" cy="173380"/>
+          </a:xfrm>
+          <a:prstGeom prst="flowChartDecision">
+            <a:avLst/>
+          </a:prstGeom>
+          <a:noFill/>
+          <a:ln w="19050">
+            <a:solidFill>
+              <a:srgbClr val="7030A0"/>
+            </a:solidFill>
+          </a:ln>
+          <a:effectLst/>
+        </p:spPr>
+        <p:style>
+          <a:lnRef idx="1">
+            <a:schemeClr val="accent6"/>
+          </a:lnRef>
+          <a:fillRef idx="2">
+            <a:schemeClr val="accent6"/>
+          </a:fillRef>
+          <a:effectRef idx="1">
+            <a:schemeClr val="accent6"/>
+          </a:effectRef>
+          <a:fontRef idx="minor">
+            <a:schemeClr val="dk1"/>
+          </a:fontRef>
+        </p:style>
+        <p:txBody>
+          <a:bodyPr rtlCol="0" anchor="ctr"/>
+          <a:lstStyle/>
+          <a:p>
+            <a:pPr algn="ctr"/>
+            <a:endParaRPr lang="en-US" sz="1050"/>
+          </a:p>
+        </p:txBody>
+      </p:sp>
       <p:cxnSp>
         <p:nvCxnSpPr>
-          <p:cNvPr id="179" name="Elbow Connector 78">
+          <p:cNvPr id="101" name="Elbow Connector 78">
             <a:extLst>
               <a:ext uri="{FF2B5EF4-FFF2-40B4-BE49-F238E27FC236}">
-                <a16:creationId xmlns:a16="http://schemas.microsoft.com/office/drawing/2014/main" id="{5B6E7F6F-E008-441B-BFD9-F46CE1B5648D}"/>
+                <a16:creationId xmlns:a16="http://schemas.microsoft.com/office/drawing/2014/main" id="{92FC962C-E31B-48C5-82FF-CCA0F73AD848}"/>
               </a:ext>
             </a:extLst>
           </p:cNvPr>
           <p:cNvCxnSpPr>
             <a:cxnSpLocks/>
-            <a:endCxn id="177" idx="1"/>
+            <a:stCxn id="98" idx="1"/>
+            <a:endCxn id="91" idx="2"/>
           </p:cNvCxnSpPr>
           <p:nvPr/>
         </p:nvCxnSpPr>
         <p:spPr>
-          <a:xfrm>
-            <a:off x="7310502" y="3020068"/>
-            <a:ext cx="454356" cy="136414"/>
+          <a:xfrm rot="16200000" flipV="1">
+            <a:off x="6334855" y="4314967"/>
+            <a:ext cx="948788" cy="397894"/>
           </a:xfrm>
           <a:prstGeom prst="bentConnector3">
             <a:avLst>
-              <a:gd name="adj1" fmla="val 47453"/>
+              <a:gd name="adj1" fmla="val 50000"/>
             </a:avLst>
           </a:prstGeom>
           <a:ln w="19050">
@@ -9382,231 +8607,10 @@
       </p:cxnSp>
       <p:sp>
         <p:nvSpPr>
-          <p:cNvPr id="182" name="Rectangle 8">
+          <p:cNvPr id="103" name="TextBox 102">
             <a:extLst>
               <a:ext uri="{FF2B5EF4-FFF2-40B4-BE49-F238E27FC236}">
-                <a16:creationId xmlns:a16="http://schemas.microsoft.com/office/drawing/2014/main" id="{7B1B2FCC-484E-4D97-8BF6-02EFE3321AB0}"/>
-              </a:ext>
-            </a:extLst>
-          </p:cNvPr>
-          <p:cNvSpPr/>
-          <p:nvPr/>
-        </p:nvSpPr>
-        <p:spPr>
-          <a:xfrm>
-            <a:off x="7753747" y="3426881"/>
-            <a:ext cx="708186" cy="285783"/>
-          </a:xfrm>
-          <a:prstGeom prst="rect">
-            <a:avLst/>
-          </a:prstGeom>
-          <a:ln w="19050">
-            <a:solidFill>
-              <a:srgbClr val="7030A0"/>
-            </a:solidFill>
-          </a:ln>
-          <a:effectLst/>
-        </p:spPr>
-        <p:style>
-          <a:lnRef idx="1">
-            <a:schemeClr val="accent4"/>
-          </a:lnRef>
-          <a:fillRef idx="2">
-            <a:schemeClr val="accent4"/>
-          </a:fillRef>
-          <a:effectRef idx="1">
-            <a:schemeClr val="accent4"/>
-          </a:effectRef>
-          <a:fontRef idx="minor">
-            <a:schemeClr val="dk1"/>
-          </a:fontRef>
-        </p:style>
-        <p:txBody>
-          <a:bodyPr rtlCol="0" anchor="ctr"/>
-          <a:lstStyle/>
-          <a:p>
-            <a:pPr algn="ctr"/>
-            <a:r>
-              <a:rPr lang="en-US" sz="1050" dirty="0">
-                <a:solidFill>
-                  <a:srgbClr val="7030A0"/>
-                </a:solidFill>
-              </a:rPr>
-              <a:t>Status</a:t>
-            </a:r>
-            <a:endParaRPr lang="en-SG" sz="1050" dirty="0">
-              <a:solidFill>
-                <a:srgbClr val="7030A0"/>
-              </a:solidFill>
-            </a:endParaRPr>
-          </a:p>
-        </p:txBody>
-      </p:sp>
-      <p:cxnSp>
-        <p:nvCxnSpPr>
-          <p:cNvPr id="183" name="Elbow Connector 85">
-            <a:extLst>
-              <a:ext uri="{FF2B5EF4-FFF2-40B4-BE49-F238E27FC236}">
-                <a16:creationId xmlns:a16="http://schemas.microsoft.com/office/drawing/2014/main" id="{1D8B9D90-BC95-40D9-B88D-A9209BA57CFF}"/>
-              </a:ext>
-            </a:extLst>
-          </p:cNvPr>
-          <p:cNvCxnSpPr>
-            <a:cxnSpLocks/>
-            <a:stCxn id="178" idx="3"/>
-          </p:cNvCxnSpPr>
-          <p:nvPr/>
-        </p:nvCxnSpPr>
-        <p:spPr>
-          <a:xfrm>
-            <a:off x="7310502" y="3020375"/>
-            <a:ext cx="434402" cy="641172"/>
-          </a:xfrm>
-          <a:prstGeom prst="bentConnector3">
-            <a:avLst/>
-          </a:prstGeom>
-          <a:ln w="19050">
-            <a:solidFill>
-              <a:srgbClr val="7030A0"/>
-            </a:solidFill>
-            <a:headEnd type="none" w="med" len="med"/>
-            <a:tailEnd type="arrow" w="med" len="med"/>
-          </a:ln>
-          <a:effectLst/>
-        </p:spPr>
-        <p:style>
-          <a:lnRef idx="1">
-            <a:schemeClr val="accent2"/>
-          </a:lnRef>
-          <a:fillRef idx="2">
-            <a:schemeClr val="accent2"/>
-          </a:fillRef>
-          <a:effectRef idx="1">
-            <a:schemeClr val="accent2"/>
-          </a:effectRef>
-          <a:fontRef idx="minor">
-            <a:schemeClr val="dk1"/>
-          </a:fontRef>
-        </p:style>
-      </p:cxnSp>
-      <p:sp>
-        <p:nvSpPr>
-          <p:cNvPr id="185" name="Rectangle 8">
-            <a:extLst>
-              <a:ext uri="{FF2B5EF4-FFF2-40B4-BE49-F238E27FC236}">
-                <a16:creationId xmlns:a16="http://schemas.microsoft.com/office/drawing/2014/main" id="{6ED24253-F4C6-4D6C-9EDE-DB6A7272779A}"/>
-              </a:ext>
-            </a:extLst>
-          </p:cNvPr>
-          <p:cNvSpPr/>
-          <p:nvPr/>
-        </p:nvSpPr>
-        <p:spPr>
-          <a:xfrm>
-            <a:off x="7752479" y="2633393"/>
-            <a:ext cx="834382" cy="225032"/>
-          </a:xfrm>
-          <a:prstGeom prst="rect">
-            <a:avLst/>
-          </a:prstGeom>
-          <a:ln w="19050">
-            <a:solidFill>
-              <a:srgbClr val="7030A0"/>
-            </a:solidFill>
-          </a:ln>
-          <a:effectLst/>
-        </p:spPr>
-        <p:style>
-          <a:lnRef idx="1">
-            <a:schemeClr val="accent4"/>
-          </a:lnRef>
-          <a:fillRef idx="2">
-            <a:schemeClr val="accent4"/>
-          </a:fillRef>
-          <a:effectRef idx="1">
-            <a:schemeClr val="accent4"/>
-          </a:effectRef>
-          <a:fontRef idx="minor">
-            <a:schemeClr val="dk1"/>
-          </a:fontRef>
-        </p:style>
-        <p:txBody>
-          <a:bodyPr rtlCol="0" anchor="ctr"/>
-          <a:lstStyle/>
-          <a:p>
-            <a:pPr algn="ctr"/>
-            <a:r>
-              <a:rPr lang="en-US" sz="1050" dirty="0">
-                <a:solidFill>
-                  <a:srgbClr val="7030A0"/>
-                </a:solidFill>
-              </a:rPr>
-              <a:t>Date</a:t>
-            </a:r>
-            <a:endParaRPr lang="en-SG" sz="1050" dirty="0">
-              <a:solidFill>
-                <a:srgbClr val="7030A0"/>
-              </a:solidFill>
-            </a:endParaRPr>
-          </a:p>
-        </p:txBody>
-      </p:sp>
-      <p:cxnSp>
-        <p:nvCxnSpPr>
-          <p:cNvPr id="186" name="Elbow Connector 78">
-            <a:extLst>
-              <a:ext uri="{FF2B5EF4-FFF2-40B4-BE49-F238E27FC236}">
-                <a16:creationId xmlns:a16="http://schemas.microsoft.com/office/drawing/2014/main" id="{07487563-06A5-4319-A0E4-3103BCA0CDAD}"/>
-              </a:ext>
-            </a:extLst>
-          </p:cNvPr>
-          <p:cNvCxnSpPr>
-            <a:cxnSpLocks/>
-            <a:stCxn id="178" idx="3"/>
-            <a:endCxn id="185" idx="1"/>
-          </p:cNvCxnSpPr>
-          <p:nvPr/>
-        </p:nvCxnSpPr>
-        <p:spPr>
-          <a:xfrm flipV="1">
-            <a:off x="7310502" y="2745909"/>
-            <a:ext cx="441977" cy="274466"/>
-          </a:xfrm>
-          <a:prstGeom prst="bentConnector3">
-            <a:avLst>
-              <a:gd name="adj1" fmla="val 50000"/>
-            </a:avLst>
-          </a:prstGeom>
-          <a:ln w="19050">
-            <a:solidFill>
-              <a:srgbClr val="7030A0"/>
-            </a:solidFill>
-            <a:headEnd type="none" w="med" len="med"/>
-            <a:tailEnd type="arrow" w="med" len="med"/>
-          </a:ln>
-          <a:effectLst/>
-        </p:spPr>
-        <p:style>
-          <a:lnRef idx="1">
-            <a:schemeClr val="accent2"/>
-          </a:lnRef>
-          <a:fillRef idx="2">
-            <a:schemeClr val="accent2"/>
-          </a:fillRef>
-          <a:effectRef idx="1">
-            <a:schemeClr val="accent2"/>
-          </a:effectRef>
-          <a:fontRef idx="minor">
-            <a:schemeClr val="dk1"/>
-          </a:fontRef>
-        </p:style>
-      </p:cxnSp>
-      <p:sp>
-        <p:nvSpPr>
-          <p:cNvPr id="187" name="TextBox 186">
-            <a:extLst>
-              <a:ext uri="{FF2B5EF4-FFF2-40B4-BE49-F238E27FC236}">
-                <a16:creationId xmlns:a16="http://schemas.microsoft.com/office/drawing/2014/main" id="{5556259C-F612-4328-9E97-B1D95AC74131}"/>
+                <a16:creationId xmlns:a16="http://schemas.microsoft.com/office/drawing/2014/main" id="{6C912A27-D464-4855-8A04-3E1BD339DE7C}"/>
               </a:ext>
             </a:extLst>
           </p:cNvPr>
@@ -9615,7 +8619,7 @@
         </p:nvSpPr>
         <p:spPr>
           <a:xfrm>
-            <a:off x="6978395" y="6324600"/>
+            <a:off x="6415288" y="4117387"/>
             <a:ext cx="189257" cy="178683"/>
           </a:xfrm>
           <a:prstGeom prst="rect">
@@ -9646,31 +8650,73 @@
           </a:p>
         </p:txBody>
       </p:sp>
+      <p:sp>
+        <p:nvSpPr>
+          <p:cNvPr id="116" name="TextBox 115">
+            <a:extLst>
+              <a:ext uri="{FF2B5EF4-FFF2-40B4-BE49-F238E27FC236}">
+                <a16:creationId xmlns:a16="http://schemas.microsoft.com/office/drawing/2014/main" id="{2D180421-4214-4DCF-886F-A6D01C00223F}"/>
+              </a:ext>
+            </a:extLst>
+          </p:cNvPr>
+          <p:cNvSpPr txBox="1"/>
+          <p:nvPr/>
+        </p:nvSpPr>
+        <p:spPr>
+          <a:xfrm>
+            <a:off x="6687455" y="1501982"/>
+            <a:ext cx="361850" cy="171130"/>
+          </a:xfrm>
+          <a:prstGeom prst="rect">
+            <a:avLst/>
+          </a:prstGeom>
+          <a:noFill/>
+        </p:spPr>
+        <p:txBody>
+          <a:bodyPr wrap="square" lIns="0" tIns="0" rIns="0" bIns="0" rtlCol="0">
+            <a:noAutofit/>
+          </a:bodyPr>
+          <a:lstStyle/>
+          <a:p>
+            <a:pPr algn="ctr"/>
+            <a:r>
+              <a:rPr lang="en-US" sz="1100" dirty="0">
+                <a:solidFill>
+                  <a:srgbClr val="7030A0"/>
+                </a:solidFill>
+              </a:rPr>
+              <a:t>0..1</a:t>
+            </a:r>
+            <a:endParaRPr lang="en-SG" sz="1100" dirty="0">
+              <a:solidFill>
+                <a:srgbClr val="7030A0"/>
+              </a:solidFill>
+            </a:endParaRPr>
+          </a:p>
+        </p:txBody>
+      </p:sp>
       <p:cxnSp>
         <p:nvCxnSpPr>
-          <p:cNvPr id="190" name="Connector: Elbow 189">
+          <p:cNvPr id="102" name="Connector: Elbow 101">
             <a:extLst>
               <a:ext uri="{FF2B5EF4-FFF2-40B4-BE49-F238E27FC236}">
-                <a16:creationId xmlns:a16="http://schemas.microsoft.com/office/drawing/2014/main" id="{B80DBAEB-0E2F-4BD5-9F11-025E54DE4E60}"/>
+                <a16:creationId xmlns:a16="http://schemas.microsoft.com/office/drawing/2014/main" id="{96FC0670-ED5C-41B5-8019-A4E92C2F2053}"/>
               </a:ext>
             </a:extLst>
           </p:cNvPr>
           <p:cNvCxnSpPr>
             <a:cxnSpLocks/>
-            <a:stCxn id="174" idx="2"/>
-            <a:endCxn id="49" idx="0"/>
+            <a:endCxn id="89" idx="1"/>
           </p:cNvCxnSpPr>
           <p:nvPr/>
         </p:nvCxnSpPr>
         <p:spPr>
-          <a:xfrm rot="5400000">
-            <a:off x="5112140" y="3625650"/>
-            <a:ext cx="2051423" cy="1162158"/>
-          </a:xfrm>
-          <a:prstGeom prst="bentConnector3">
-            <a:avLst>
-              <a:gd name="adj1" fmla="val 79340"/>
-            </a:avLst>
+          <a:xfrm rot="16200000" flipH="1">
+            <a:off x="4168404" y="3372506"/>
+            <a:ext cx="800482" cy="251299"/>
+          </a:xfrm>
+          <a:prstGeom prst="bentConnector2">
+            <a:avLst/>
           </a:prstGeom>
           <a:ln w="19050">
             <a:tailEnd type="triangle"/>
@@ -9693,10 +8739,10 @@
       </p:cxnSp>
       <p:sp>
         <p:nvSpPr>
-          <p:cNvPr id="192" name="TextBox 191">
+          <p:cNvPr id="96" name="TextBox 95">
             <a:extLst>
               <a:ext uri="{FF2B5EF4-FFF2-40B4-BE49-F238E27FC236}">
-                <a16:creationId xmlns:a16="http://schemas.microsoft.com/office/drawing/2014/main" id="{1CC0FDA8-FA32-48F8-B034-48CF55C87BBD}"/>
+                <a16:creationId xmlns:a16="http://schemas.microsoft.com/office/drawing/2014/main" id="{E286C520-39EC-43E2-9251-D7BE3620D7D0}"/>
               </a:ext>
             </a:extLst>
           </p:cNvPr>
@@ -9705,8 +8751,8 @@
         </p:nvSpPr>
         <p:spPr>
           <a:xfrm>
-            <a:off x="5581044" y="5033402"/>
-            <a:ext cx="189257" cy="178683"/>
+            <a:off x="7029213" y="2743725"/>
+            <a:ext cx="881018" cy="261610"/>
           </a:xfrm>
           <a:prstGeom prst="rect">
             <a:avLst/>
@@ -9714,19 +8760,19 @@
           <a:noFill/>
         </p:spPr>
         <p:txBody>
-          <a:bodyPr wrap="square" lIns="0" tIns="0" rIns="0" bIns="0" rtlCol="0">
-            <a:noAutofit/>
+          <a:bodyPr wrap="square" rtlCol="0">
+            <a:spAutoFit/>
           </a:bodyPr>
           <a:lstStyle/>
           <a:p>
-            <a:pPr algn="ctr"/>
+            <a:pPr algn="r"/>
             <a:r>
               <a:rPr lang="en-US" sz="1100" dirty="0">
                 <a:solidFill>
                   <a:srgbClr val="7030A0"/>
                 </a:solidFill>
               </a:rPr>
-              <a:t>1</a:t>
+              <a:t>filtered list</a:t>
             </a:r>
             <a:endParaRPr lang="en-SG" sz="1100" dirty="0">
               <a:solidFill>
@@ -9736,761 +8782,470 @@
           </a:p>
         </p:txBody>
       </p:sp>
+      <p:sp>
+        <p:nvSpPr>
+          <p:cNvPr id="104" name="TextBox 103">
+            <a:extLst>
+              <a:ext uri="{FF2B5EF4-FFF2-40B4-BE49-F238E27FC236}">
+                <a16:creationId xmlns:a16="http://schemas.microsoft.com/office/drawing/2014/main" id="{9A564130-CA6E-426B-B581-54257841CBA4}"/>
+              </a:ext>
+            </a:extLst>
+          </p:cNvPr>
+          <p:cNvSpPr txBox="1"/>
+          <p:nvPr/>
+        </p:nvSpPr>
+        <p:spPr>
+          <a:xfrm>
+            <a:off x="7155202" y="3020824"/>
+            <a:ext cx="189257" cy="178683"/>
+          </a:xfrm>
+          <a:prstGeom prst="rect">
+            <a:avLst/>
+          </a:prstGeom>
+          <a:noFill/>
+        </p:spPr>
+        <p:txBody>
+          <a:bodyPr wrap="square" lIns="0" tIns="0" rIns="0" bIns="0" rtlCol="0">
+            <a:noAutofit/>
+          </a:bodyPr>
+          <a:lstStyle/>
+          <a:p>
+            <a:pPr algn="ctr"/>
+            <a:r>
+              <a:rPr lang="en-US" sz="1100" dirty="0">
+                <a:solidFill>
+                  <a:srgbClr val="7030A0"/>
+                </a:solidFill>
+              </a:rPr>
+              <a:t>*</a:t>
+            </a:r>
+            <a:endParaRPr lang="en-SG" sz="1100" dirty="0">
+              <a:solidFill>
+                <a:srgbClr val="7030A0"/>
+              </a:solidFill>
+            </a:endParaRPr>
+          </a:p>
+        </p:txBody>
+      </p:sp>
+      <p:sp>
+        <p:nvSpPr>
+          <p:cNvPr id="105" name="TextBox 104">
+            <a:extLst>
+              <a:ext uri="{FF2B5EF4-FFF2-40B4-BE49-F238E27FC236}">
+                <a16:creationId xmlns:a16="http://schemas.microsoft.com/office/drawing/2014/main" id="{4F50CF51-3D07-4E2D-8D41-8E4637A843F4}"/>
+              </a:ext>
+            </a:extLst>
+          </p:cNvPr>
+          <p:cNvSpPr txBox="1"/>
+          <p:nvPr/>
+        </p:nvSpPr>
+        <p:spPr>
+          <a:xfrm>
+            <a:off x="7090333" y="1242009"/>
+            <a:ext cx="881018" cy="261610"/>
+          </a:xfrm>
+          <a:prstGeom prst="rect">
+            <a:avLst/>
+          </a:prstGeom>
+          <a:noFill/>
+        </p:spPr>
+        <p:txBody>
+          <a:bodyPr wrap="square" rtlCol="0">
+            <a:spAutoFit/>
+          </a:bodyPr>
+          <a:lstStyle/>
+          <a:p>
+            <a:pPr algn="r"/>
+            <a:r>
+              <a:rPr lang="en-US" sz="1100" dirty="0">
+                <a:solidFill>
+                  <a:srgbClr val="7030A0"/>
+                </a:solidFill>
+              </a:rPr>
+              <a:t>filtered list</a:t>
+            </a:r>
+            <a:endParaRPr lang="en-SG" sz="1100" dirty="0">
+              <a:solidFill>
+                <a:srgbClr val="7030A0"/>
+              </a:solidFill>
+            </a:endParaRPr>
+          </a:p>
+        </p:txBody>
+      </p:sp>
+      <p:sp>
+        <p:nvSpPr>
+          <p:cNvPr id="106" name="TextBox 105">
+            <a:extLst>
+              <a:ext uri="{FF2B5EF4-FFF2-40B4-BE49-F238E27FC236}">
+                <a16:creationId xmlns:a16="http://schemas.microsoft.com/office/drawing/2014/main" id="{E2F0A024-6C8B-4DEA-82D6-5F2623A69257}"/>
+              </a:ext>
+            </a:extLst>
+          </p:cNvPr>
+          <p:cNvSpPr txBox="1"/>
+          <p:nvPr/>
+        </p:nvSpPr>
+        <p:spPr>
+          <a:xfrm>
+            <a:off x="7105744" y="1306117"/>
+            <a:ext cx="189257" cy="178683"/>
+          </a:xfrm>
+          <a:prstGeom prst="rect">
+            <a:avLst/>
+          </a:prstGeom>
+          <a:noFill/>
+        </p:spPr>
+        <p:txBody>
+          <a:bodyPr wrap="square" lIns="0" tIns="0" rIns="0" bIns="0" rtlCol="0">
+            <a:noAutofit/>
+          </a:bodyPr>
+          <a:lstStyle/>
+          <a:p>
+            <a:pPr algn="ctr"/>
+            <a:r>
+              <a:rPr lang="en-US" sz="1100" dirty="0">
+                <a:solidFill>
+                  <a:srgbClr val="7030A0"/>
+                </a:solidFill>
+              </a:rPr>
+              <a:t>*</a:t>
+            </a:r>
+            <a:endParaRPr lang="en-SG" sz="1100" dirty="0">
+              <a:solidFill>
+                <a:srgbClr val="7030A0"/>
+              </a:solidFill>
+            </a:endParaRPr>
+          </a:p>
+        </p:txBody>
+      </p:sp>
       <p:cxnSp>
         <p:nvCxnSpPr>
-          <p:cNvPr id="193" name="Connector: Elbow 192">
+          <p:cNvPr id="130" name="Elbow Connector 106">
             <a:extLst>
               <a:ext uri="{FF2B5EF4-FFF2-40B4-BE49-F238E27FC236}">
-                <a16:creationId xmlns:a16="http://schemas.microsoft.com/office/drawing/2014/main" id="{EE6B4BE5-D939-4571-A2EC-047E3A847E9E}"/>
+                <a16:creationId xmlns:a16="http://schemas.microsoft.com/office/drawing/2014/main" id="{780616A4-DC09-43D6-A2E8-8063CD228755}"/>
               </a:ext>
             </a:extLst>
           </p:cNvPr>
           <p:cNvCxnSpPr>
             <a:cxnSpLocks/>
-            <a:stCxn id="174" idx="0"/>
-            <a:endCxn id="108" idx="2"/>
+            <a:stCxn id="9" idx="1"/>
+            <a:endCxn id="108" idx="3"/>
           </p:cNvCxnSpPr>
           <p:nvPr/>
         </p:nvCxnSpPr>
         <p:spPr>
           <a:xfrm rot="5400000" flipH="1" flipV="1">
-            <a:off x="6027961" y="2142511"/>
-            <a:ext cx="1382717" cy="779"/>
-          </a:xfrm>
-          <a:prstGeom prst="bentConnector3">
+            <a:off x="3403349" y="83178"/>
+            <a:ext cx="2539787" cy="4929754"/>
+          </a:xfrm>
+          <a:prstGeom prst="bentConnector4">
             <a:avLst>
-              <a:gd name="adj1" fmla="val 50000"/>
+              <a:gd name="adj1" fmla="val -95254"/>
+              <a:gd name="adj2" fmla="val 117067"/>
             </a:avLst>
           </a:prstGeom>
           <a:ln w="19050">
+            <a:solidFill>
+              <a:srgbClr val="7030A0"/>
+            </a:solidFill>
+            <a:prstDash val="solid"/>
+            <a:headEnd type="none" w="med" len="med"/>
+            <a:tailEnd type="arrow" w="med" len="med"/>
+          </a:ln>
+          <a:effectLst/>
+        </p:spPr>
+        <p:style>
+          <a:lnRef idx="1">
+            <a:schemeClr val="accent2"/>
+          </a:lnRef>
+          <a:fillRef idx="2">
+            <a:schemeClr val="accent2"/>
+          </a:fillRef>
+          <a:effectRef idx="1">
+            <a:schemeClr val="accent2"/>
+          </a:effectRef>
+          <a:fontRef idx="minor">
+            <a:schemeClr val="dk1"/>
+          </a:fontRef>
+        </p:style>
+      </p:cxnSp>
+      <p:cxnSp>
+        <p:nvCxnSpPr>
+          <p:cNvPr id="131" name="Elbow Connector 106">
+            <a:extLst>
+              <a:ext uri="{FF2B5EF4-FFF2-40B4-BE49-F238E27FC236}">
+                <a16:creationId xmlns:a16="http://schemas.microsoft.com/office/drawing/2014/main" id="{1CAD97E4-ACCF-4844-A9B1-5EF818FEFFF6}"/>
+              </a:ext>
+            </a:extLst>
+          </p:cNvPr>
+          <p:cNvCxnSpPr>
+            <a:cxnSpLocks/>
+            <a:stCxn id="9" idx="1"/>
+            <a:endCxn id="174" idx="3"/>
+          </p:cNvCxnSpPr>
+          <p:nvPr/>
+        </p:nvCxnSpPr>
+        <p:spPr>
+          <a:xfrm rot="5400000" flipH="1" flipV="1">
+            <a:off x="4235539" y="980464"/>
+            <a:ext cx="810310" cy="4864657"/>
+          </a:xfrm>
+          <a:prstGeom prst="bentConnector4">
+            <a:avLst>
+              <a:gd name="adj1" fmla="val -274129"/>
+              <a:gd name="adj2" fmla="val 114969"/>
+            </a:avLst>
+          </a:prstGeom>
+          <a:ln w="19050">
+            <a:solidFill>
+              <a:srgbClr val="7030A0"/>
+            </a:solidFill>
+            <a:prstDash val="solid"/>
+            <a:headEnd type="none" w="med" len="med"/>
+            <a:tailEnd type="arrow" w="med" len="med"/>
+          </a:ln>
+          <a:effectLst/>
+        </p:spPr>
+        <p:style>
+          <a:lnRef idx="1">
+            <a:schemeClr val="accent2"/>
+          </a:lnRef>
+          <a:fillRef idx="2">
+            <a:schemeClr val="accent2"/>
+          </a:fillRef>
+          <a:effectRef idx="1">
+            <a:schemeClr val="accent2"/>
+          </a:effectRef>
+          <a:fontRef idx="minor">
+            <a:schemeClr val="dk1"/>
+          </a:fontRef>
+        </p:style>
+      </p:cxnSp>
+      <p:sp>
+        <p:nvSpPr>
+          <p:cNvPr id="132" name="TextBox 131">
+            <a:extLst>
+              <a:ext uri="{FF2B5EF4-FFF2-40B4-BE49-F238E27FC236}">
+                <a16:creationId xmlns:a16="http://schemas.microsoft.com/office/drawing/2014/main" id="{9976FA39-2EC6-4724-A754-B55D2278A992}"/>
+              </a:ext>
+            </a:extLst>
+          </p:cNvPr>
+          <p:cNvSpPr txBox="1"/>
+          <p:nvPr/>
+        </p:nvSpPr>
+        <p:spPr>
+          <a:xfrm>
+            <a:off x="6693229" y="2655574"/>
+            <a:ext cx="189257" cy="178683"/>
+          </a:xfrm>
+          <a:prstGeom prst="rect">
+            <a:avLst/>
+          </a:prstGeom>
+          <a:noFill/>
+        </p:spPr>
+        <p:txBody>
+          <a:bodyPr wrap="square" lIns="0" tIns="0" rIns="0" bIns="0" rtlCol="0">
+            <a:noAutofit/>
+          </a:bodyPr>
+          <a:lstStyle/>
+          <a:p>
+            <a:pPr algn="ctr"/>
+            <a:r>
+              <a:rPr lang="en-US" sz="1100" dirty="0">
+                <a:solidFill>
+                  <a:srgbClr val="7030A0"/>
+                </a:solidFill>
+              </a:rPr>
+              <a:t>*</a:t>
+            </a:r>
+            <a:endParaRPr lang="en-SG" sz="1100" dirty="0">
+              <a:solidFill>
+                <a:srgbClr val="7030A0"/>
+              </a:solidFill>
+            </a:endParaRPr>
+          </a:p>
+        </p:txBody>
+      </p:sp>
+      <p:sp>
+        <p:nvSpPr>
+          <p:cNvPr id="133" name="TextBox 132">
+            <a:extLst>
+              <a:ext uri="{FF2B5EF4-FFF2-40B4-BE49-F238E27FC236}">
+                <a16:creationId xmlns:a16="http://schemas.microsoft.com/office/drawing/2014/main" id="{F7A911B9-B661-4D5F-B49B-C8764E253609}"/>
+              </a:ext>
+            </a:extLst>
+          </p:cNvPr>
+          <p:cNvSpPr txBox="1"/>
+          <p:nvPr/>
+        </p:nvSpPr>
+        <p:spPr>
+          <a:xfrm>
+            <a:off x="7400284" y="5270750"/>
+            <a:ext cx="189257" cy="178683"/>
+          </a:xfrm>
+          <a:prstGeom prst="rect">
+            <a:avLst/>
+          </a:prstGeom>
+          <a:noFill/>
+        </p:spPr>
+        <p:txBody>
+          <a:bodyPr wrap="square" lIns="0" tIns="0" rIns="0" bIns="0" rtlCol="0">
+            <a:noAutofit/>
+          </a:bodyPr>
+          <a:lstStyle/>
+          <a:p>
+            <a:pPr algn="ctr"/>
+            <a:r>
+              <a:rPr lang="en-US" sz="1100" dirty="0">
+                <a:solidFill>
+                  <a:srgbClr val="7030A0"/>
+                </a:solidFill>
+              </a:rPr>
+              <a:t>*</a:t>
+            </a:r>
+            <a:endParaRPr lang="en-SG" sz="1100" dirty="0">
+              <a:solidFill>
+                <a:srgbClr val="7030A0"/>
+              </a:solidFill>
+            </a:endParaRPr>
+          </a:p>
+        </p:txBody>
+      </p:sp>
+      <p:sp>
+        <p:nvSpPr>
+          <p:cNvPr id="134" name="TextBox 133">
+            <a:extLst>
+              <a:ext uri="{FF2B5EF4-FFF2-40B4-BE49-F238E27FC236}">
+                <a16:creationId xmlns:a16="http://schemas.microsoft.com/office/drawing/2014/main" id="{F794ABFA-2F3A-44DD-9472-A09FC5F06DBC}"/>
+              </a:ext>
+            </a:extLst>
+          </p:cNvPr>
+          <p:cNvSpPr txBox="1"/>
+          <p:nvPr/>
+        </p:nvSpPr>
+        <p:spPr>
+          <a:xfrm>
+            <a:off x="6684335" y="3170560"/>
+            <a:ext cx="189257" cy="178683"/>
+          </a:xfrm>
+          <a:prstGeom prst="rect">
+            <a:avLst/>
+          </a:prstGeom>
+          <a:noFill/>
+        </p:spPr>
+        <p:txBody>
+          <a:bodyPr wrap="square" lIns="0" tIns="0" rIns="0" bIns="0" rtlCol="0">
+            <a:noAutofit/>
+          </a:bodyPr>
+          <a:lstStyle/>
+          <a:p>
+            <a:pPr algn="ctr"/>
+            <a:r>
+              <a:rPr lang="en-US" sz="1100" dirty="0">
+                <a:solidFill>
+                  <a:srgbClr val="7030A0"/>
+                </a:solidFill>
+              </a:rPr>
+              <a:t>*</a:t>
+            </a:r>
+            <a:endParaRPr lang="en-SG" sz="1100" dirty="0">
+              <a:solidFill>
+                <a:srgbClr val="7030A0"/>
+              </a:solidFill>
+            </a:endParaRPr>
+          </a:p>
+        </p:txBody>
+      </p:sp>
+      <p:cxnSp>
+        <p:nvCxnSpPr>
+          <p:cNvPr id="25" name="Straight Arrow Connector 24">
+            <a:extLst>
+              <a:ext uri="{FF2B5EF4-FFF2-40B4-BE49-F238E27FC236}">
+                <a16:creationId xmlns:a16="http://schemas.microsoft.com/office/drawing/2014/main" id="{F225424C-A834-4050-B062-B587C6DDBEE2}"/>
+              </a:ext>
+            </a:extLst>
+          </p:cNvPr>
+          <p:cNvCxnSpPr>
+            <a:cxnSpLocks/>
+            <a:stCxn id="108" idx="2"/>
+            <a:endCxn id="174" idx="0"/>
+          </p:cNvCxnSpPr>
+          <p:nvPr/>
+        </p:nvCxnSpPr>
+        <p:spPr>
+          <a:xfrm flipH="1">
+            <a:off x="6718930" y="1451541"/>
+            <a:ext cx="779" cy="1382717"/>
+          </a:xfrm>
+          <a:prstGeom prst="straightConnector1">
+            <a:avLst/>
+          </a:prstGeom>
+          <a:ln w="19050">
+            <a:solidFill>
+              <a:srgbClr val="7030A0"/>
+            </a:solidFill>
+            <a:headEnd type="triangle"/>
             <a:tailEnd type="triangle"/>
           </a:ln>
         </p:spPr>
         <p:style>
           <a:lnRef idx="1">
-            <a:schemeClr val="accent4"/>
+            <a:schemeClr val="accent1"/>
           </a:lnRef>
           <a:fillRef idx="0">
-            <a:schemeClr val="accent4"/>
+            <a:schemeClr val="accent1"/>
           </a:fillRef>
           <a:effectRef idx="0">
-            <a:schemeClr val="accent4"/>
+            <a:schemeClr val="accent1"/>
           </a:effectRef>
           <a:fontRef idx="minor">
             <a:schemeClr val="tx1"/>
           </a:fontRef>
         </p:style>
       </p:cxnSp>
-      <p:sp>
-        <p:nvSpPr>
-          <p:cNvPr id="87" name="Rectangle 8">
+      <p:cxnSp>
+        <p:nvCxnSpPr>
+          <p:cNvPr id="31" name="Connector: Elbow 30">
             <a:extLst>
               <a:ext uri="{FF2B5EF4-FFF2-40B4-BE49-F238E27FC236}">
-                <a16:creationId xmlns:a16="http://schemas.microsoft.com/office/drawing/2014/main" id="{F9F725FE-9D86-4891-8040-6508E74BD29D}"/>
+                <a16:creationId xmlns:a16="http://schemas.microsoft.com/office/drawing/2014/main" id="{ADFC645C-F5D1-4D78-8CB7-B6C68E8383D5}"/>
               </a:ext>
             </a:extLst>
           </p:cNvPr>
-          <p:cNvSpPr/>
-          <p:nvPr/>
-        </p:nvSpPr>
-        <p:spPr>
-          <a:xfrm>
-            <a:off x="7753747" y="3875397"/>
-            <a:ext cx="708186" cy="285783"/>
-          </a:xfrm>
-          <a:prstGeom prst="rect">
-            <a:avLst/>
+          <p:cNvCxnSpPr>
+            <a:stCxn id="174" idx="2"/>
+            <a:endCxn id="62" idx="3"/>
+          </p:cNvCxnSpPr>
+          <p:nvPr/>
+        </p:nvCxnSpPr>
+        <p:spPr>
+          <a:xfrm rot="16200000" flipH="1">
+            <a:off x="5953831" y="3946117"/>
+            <a:ext cx="2236707" cy="706508"/>
+          </a:xfrm>
+          <a:prstGeom prst="bentConnector4">
+            <a:avLst>
+              <a:gd name="adj1" fmla="val 11564"/>
+              <a:gd name="adj2" fmla="val 132356"/>
+            </a:avLst>
           </a:prstGeom>
           <a:ln w="19050">
             <a:solidFill>
               <a:srgbClr val="7030A0"/>
             </a:solidFill>
+            <a:headEnd type="triangle"/>
+            <a:tailEnd type="triangle"/>
           </a:ln>
-          <a:effectLst/>
         </p:spPr>
         <p:style>
           <a:lnRef idx="1">
-            <a:schemeClr val="accent4"/>
-          </a:lnRef>
-          <a:fillRef idx="2">
-            <a:schemeClr val="accent4"/>
-          </a:fillRef>
-          <a:effectRef idx="1">
-            <a:schemeClr val="accent4"/>
-          </a:effectRef>
-          <a:fontRef idx="minor">
-            <a:schemeClr val="dk1"/>
-          </a:fontRef>
-        </p:style>
-        <p:txBody>
-          <a:bodyPr rtlCol="0" anchor="ctr"/>
-          <a:lstStyle/>
-          <a:p>
-            <a:pPr algn="ctr"/>
-            <a:r>
-              <a:rPr lang="en-US" sz="1050" dirty="0">
-                <a:solidFill>
-                  <a:srgbClr val="7030A0"/>
-                </a:solidFill>
-              </a:rPr>
-              <a:t>Address</a:t>
-            </a:r>
-            <a:endParaRPr lang="en-SG" sz="1050" dirty="0">
-              <a:solidFill>
-                <a:srgbClr val="7030A0"/>
-              </a:solidFill>
-            </a:endParaRPr>
-          </a:p>
-        </p:txBody>
-      </p:sp>
-      <p:cxnSp>
-        <p:nvCxnSpPr>
-          <p:cNvPr id="88" name="Elbow Connector 85">
-            <a:extLst>
-              <a:ext uri="{FF2B5EF4-FFF2-40B4-BE49-F238E27FC236}">
-                <a16:creationId xmlns:a16="http://schemas.microsoft.com/office/drawing/2014/main" id="{B2959580-A552-4ABE-AA9A-A092C44F9D12}"/>
-              </a:ext>
-            </a:extLst>
-          </p:cNvPr>
-          <p:cNvCxnSpPr>
-            <a:cxnSpLocks/>
-            <a:stCxn id="178" idx="3"/>
-            <a:endCxn id="87" idx="1"/>
-          </p:cNvCxnSpPr>
-          <p:nvPr/>
-        </p:nvCxnSpPr>
-        <p:spPr>
-          <a:xfrm>
-            <a:off x="7310502" y="3020375"/>
-            <a:ext cx="443245" cy="997914"/>
-          </a:xfrm>
-          <a:prstGeom prst="bentConnector3">
-            <a:avLst>
-              <a:gd name="adj1" fmla="val 50000"/>
-            </a:avLst>
-          </a:prstGeom>
-          <a:ln w="19050">
-            <a:solidFill>
-              <a:srgbClr val="7030A0"/>
-            </a:solidFill>
-            <a:headEnd type="none" w="med" len="med"/>
-            <a:tailEnd type="arrow" w="med" len="med"/>
-          </a:ln>
-          <a:effectLst/>
-        </p:spPr>
-        <p:style>
-          <a:lnRef idx="1">
-            <a:schemeClr val="accent2"/>
-          </a:lnRef>
-          <a:fillRef idx="2">
-            <a:schemeClr val="accent2"/>
-          </a:fillRef>
-          <a:effectRef idx="1">
-            <a:schemeClr val="accent2"/>
-          </a:effectRef>
-          <a:fontRef idx="minor">
-            <a:schemeClr val="dk1"/>
-          </a:fontRef>
-        </p:style>
-      </p:cxnSp>
-      <p:sp>
-        <p:nvSpPr>
-          <p:cNvPr id="89" name="Rectangle 8">
-            <a:extLst>
-              <a:ext uri="{FF2B5EF4-FFF2-40B4-BE49-F238E27FC236}">
-                <a16:creationId xmlns:a16="http://schemas.microsoft.com/office/drawing/2014/main" id="{24B584DB-7D06-488C-AE7C-2B33D911A3BF}"/>
-              </a:ext>
-            </a:extLst>
-          </p:cNvPr>
-          <p:cNvSpPr/>
-          <p:nvPr/>
-        </p:nvSpPr>
-        <p:spPr>
-          <a:xfrm>
-            <a:off x="4694295" y="3755505"/>
-            <a:ext cx="1156969" cy="285783"/>
-          </a:xfrm>
-          <a:prstGeom prst="rect">
-            <a:avLst/>
-          </a:prstGeom>
-          <a:ln w="19050">
-            <a:solidFill>
-              <a:srgbClr val="7030A0"/>
-            </a:solidFill>
-          </a:ln>
-          <a:effectLst/>
-        </p:spPr>
-        <p:style>
-          <a:lnRef idx="1">
-            <a:schemeClr val="accent4"/>
-          </a:lnRef>
-          <a:fillRef idx="2">
-            <a:schemeClr val="accent4"/>
-          </a:fillRef>
-          <a:effectRef idx="1">
-            <a:schemeClr val="accent4"/>
-          </a:effectRef>
-          <a:fontRef idx="minor">
-            <a:schemeClr val="dk1"/>
-          </a:fontRef>
-        </p:style>
-        <p:txBody>
-          <a:bodyPr rtlCol="0" anchor="ctr"/>
-          <a:lstStyle/>
-          <a:p>
-            <a:pPr algn="ctr"/>
-            <a:r>
-              <a:rPr lang="en-US" sz="1050" dirty="0" err="1">
-                <a:solidFill>
-                  <a:srgbClr val="7030A0"/>
-                </a:solidFill>
-              </a:rPr>
-              <a:t>UniqueTagList</a:t>
-            </a:r>
-            <a:endParaRPr lang="en-SG" sz="1050" dirty="0">
-              <a:solidFill>
-                <a:srgbClr val="7030A0"/>
-              </a:solidFill>
-            </a:endParaRPr>
-          </a:p>
-        </p:txBody>
-      </p:sp>
-      <p:cxnSp>
-        <p:nvCxnSpPr>
-          <p:cNvPr id="90" name="Elbow Connector 63">
-            <a:extLst>
-              <a:ext uri="{FF2B5EF4-FFF2-40B4-BE49-F238E27FC236}">
-                <a16:creationId xmlns:a16="http://schemas.microsoft.com/office/drawing/2014/main" id="{1F9FE23A-EFC0-4F9E-9CF0-744D80517158}"/>
-              </a:ext>
-            </a:extLst>
-          </p:cNvPr>
-          <p:cNvCxnSpPr>
-            <a:cxnSpLocks/>
-            <a:stCxn id="92" idx="3"/>
-            <a:endCxn id="91" idx="1"/>
-          </p:cNvCxnSpPr>
-          <p:nvPr/>
-        </p:nvCxnSpPr>
-        <p:spPr>
-          <a:xfrm flipV="1">
-            <a:off x="6061540" y="3866140"/>
-            <a:ext cx="194669" cy="14704"/>
-          </a:xfrm>
-          <a:prstGeom prst="bentConnector3">
-            <a:avLst/>
-          </a:prstGeom>
-          <a:ln w="19050">
-            <a:solidFill>
-              <a:srgbClr val="7030A0"/>
-            </a:solidFill>
-            <a:headEnd type="none" w="med" len="med"/>
-            <a:tailEnd type="arrow" w="med" len="med"/>
-          </a:ln>
-          <a:effectLst/>
-        </p:spPr>
-        <p:style>
-          <a:lnRef idx="1">
-            <a:schemeClr val="accent2"/>
-          </a:lnRef>
-          <a:fillRef idx="2">
-            <a:schemeClr val="accent2"/>
-          </a:fillRef>
-          <a:effectRef idx="1">
-            <a:schemeClr val="accent2"/>
-          </a:effectRef>
-          <a:fontRef idx="minor">
-            <a:schemeClr val="dk1"/>
-          </a:fontRef>
-        </p:style>
-      </p:cxnSp>
-      <p:sp>
-        <p:nvSpPr>
-          <p:cNvPr id="91" name="Rectangle 8">
-            <a:extLst>
-              <a:ext uri="{FF2B5EF4-FFF2-40B4-BE49-F238E27FC236}">
-                <a16:creationId xmlns:a16="http://schemas.microsoft.com/office/drawing/2014/main" id="{2CDC2AC7-4F11-4BEB-AC70-45753C484EE7}"/>
-              </a:ext>
-            </a:extLst>
-          </p:cNvPr>
-          <p:cNvSpPr/>
-          <p:nvPr/>
-        </p:nvSpPr>
-        <p:spPr>
-          <a:xfrm>
-            <a:off x="6256209" y="3692760"/>
-            <a:ext cx="708186" cy="346760"/>
-          </a:xfrm>
-          <a:prstGeom prst="rect">
-            <a:avLst/>
-          </a:prstGeom>
-          <a:ln w="19050">
-            <a:solidFill>
-              <a:srgbClr val="7030A0"/>
-            </a:solidFill>
-          </a:ln>
-          <a:effectLst/>
-        </p:spPr>
-        <p:style>
-          <a:lnRef idx="1">
-            <a:schemeClr val="accent4"/>
-          </a:lnRef>
-          <a:fillRef idx="2">
-            <a:schemeClr val="accent4"/>
-          </a:fillRef>
-          <a:effectRef idx="1">
-            <a:schemeClr val="accent4"/>
-          </a:effectRef>
-          <a:fontRef idx="minor">
-            <a:schemeClr val="dk1"/>
-          </a:fontRef>
-        </p:style>
-        <p:txBody>
-          <a:bodyPr rtlCol="0" anchor="ctr"/>
-          <a:lstStyle/>
-          <a:p>
-            <a:pPr algn="ctr"/>
-            <a:r>
-              <a:rPr lang="en-US" sz="1050" dirty="0">
-                <a:solidFill>
-                  <a:srgbClr val="7030A0"/>
-                </a:solidFill>
-              </a:rPr>
-              <a:t>Tag</a:t>
-            </a:r>
-            <a:endParaRPr lang="en-SG" sz="1050" dirty="0">
-              <a:solidFill>
-                <a:srgbClr val="7030A0"/>
-              </a:solidFill>
-            </a:endParaRPr>
-          </a:p>
-        </p:txBody>
-      </p:sp>
-      <p:sp>
-        <p:nvSpPr>
-          <p:cNvPr id="92" name="Flowchart: Decision 96">
-            <a:extLst>
-              <a:ext uri="{FF2B5EF4-FFF2-40B4-BE49-F238E27FC236}">
-                <a16:creationId xmlns:a16="http://schemas.microsoft.com/office/drawing/2014/main" id="{CAB2BCA2-D19F-43C7-B608-ABFF863A1BB5}"/>
-              </a:ext>
-            </a:extLst>
-          </p:cNvPr>
-          <p:cNvSpPr/>
-          <p:nvPr/>
-        </p:nvSpPr>
-        <p:spPr>
-          <a:xfrm>
-            <a:off x="5825492" y="3794154"/>
-            <a:ext cx="236048" cy="173380"/>
-          </a:xfrm>
-          <a:prstGeom prst="flowChartDecision">
-            <a:avLst/>
-          </a:prstGeom>
-          <a:solidFill>
-            <a:srgbClr val="7030A0"/>
-          </a:solidFill>
-          <a:ln w="19050">
-            <a:solidFill>
-              <a:srgbClr val="7030A0"/>
-            </a:solidFill>
-          </a:ln>
-          <a:effectLst/>
-        </p:spPr>
-        <p:style>
-          <a:lnRef idx="1">
-            <a:schemeClr val="accent6"/>
-          </a:lnRef>
-          <a:fillRef idx="2">
-            <a:schemeClr val="accent6"/>
-          </a:fillRef>
-          <a:effectRef idx="1">
-            <a:schemeClr val="accent6"/>
-          </a:effectRef>
-          <a:fontRef idx="minor">
-            <a:schemeClr val="dk1"/>
-          </a:fontRef>
-        </p:style>
-        <p:txBody>
-          <a:bodyPr rtlCol="0" anchor="ctr"/>
-          <a:lstStyle/>
-          <a:p>
-            <a:pPr algn="ctr"/>
-            <a:endParaRPr lang="en-US" sz="1050"/>
-          </a:p>
-        </p:txBody>
-      </p:sp>
-      <p:sp>
-        <p:nvSpPr>
-          <p:cNvPr id="93" name="Flowchart: Decision 96">
-            <a:extLst>
-              <a:ext uri="{FF2B5EF4-FFF2-40B4-BE49-F238E27FC236}">
-                <a16:creationId xmlns:a16="http://schemas.microsoft.com/office/drawing/2014/main" id="{40AA8019-629F-436B-8371-6C83844DA7EE}"/>
-              </a:ext>
-            </a:extLst>
-          </p:cNvPr>
-          <p:cNvSpPr/>
-          <p:nvPr/>
-        </p:nvSpPr>
-        <p:spPr>
-          <a:xfrm rot="5400000">
-            <a:off x="6494740" y="3213411"/>
-            <a:ext cx="236048" cy="173380"/>
-          </a:xfrm>
-          <a:prstGeom prst="flowChartDecision">
-            <a:avLst/>
-          </a:prstGeom>
-          <a:noFill/>
-          <a:ln w="19050">
-            <a:solidFill>
-              <a:srgbClr val="7030A0"/>
-            </a:solidFill>
-          </a:ln>
-          <a:effectLst/>
-        </p:spPr>
-        <p:style>
-          <a:lnRef idx="1">
-            <a:schemeClr val="accent6"/>
-          </a:lnRef>
-          <a:fillRef idx="2">
-            <a:schemeClr val="accent6"/>
-          </a:fillRef>
-          <a:effectRef idx="1">
-            <a:schemeClr val="accent6"/>
-          </a:effectRef>
-          <a:fontRef idx="minor">
-            <a:schemeClr val="dk1"/>
-          </a:fontRef>
-        </p:style>
-        <p:txBody>
-          <a:bodyPr rtlCol="0" anchor="ctr"/>
-          <a:lstStyle/>
-          <a:p>
-            <a:pPr algn="ctr"/>
-            <a:endParaRPr lang="en-US" sz="1050"/>
-          </a:p>
-        </p:txBody>
-      </p:sp>
-      <p:cxnSp>
-        <p:nvCxnSpPr>
-          <p:cNvPr id="94" name="Elbow Connector 78">
-            <a:extLst>
-              <a:ext uri="{FF2B5EF4-FFF2-40B4-BE49-F238E27FC236}">
-                <a16:creationId xmlns:a16="http://schemas.microsoft.com/office/drawing/2014/main" id="{8CBDB734-0B7F-4A78-BA1D-3FBC93D9B435}"/>
-              </a:ext>
-            </a:extLst>
-          </p:cNvPr>
-          <p:cNvCxnSpPr>
-            <a:cxnSpLocks/>
-            <a:stCxn id="93" idx="3"/>
-            <a:endCxn id="91" idx="0"/>
-          </p:cNvCxnSpPr>
-          <p:nvPr/>
-        </p:nvCxnSpPr>
-        <p:spPr>
-          <a:xfrm rot="5400000">
-            <a:off x="6474216" y="3554211"/>
-            <a:ext cx="274635" cy="2462"/>
-          </a:xfrm>
-          <a:prstGeom prst="bentConnector3">
-            <a:avLst>
-              <a:gd name="adj1" fmla="val 50000"/>
-            </a:avLst>
-          </a:prstGeom>
-          <a:ln w="19050">
-            <a:solidFill>
-              <a:srgbClr val="7030A0"/>
-            </a:solidFill>
-            <a:headEnd type="none" w="med" len="med"/>
-            <a:tailEnd type="arrow" w="med" len="med"/>
-          </a:ln>
-          <a:effectLst/>
-        </p:spPr>
-        <p:style>
-          <a:lnRef idx="1">
-            <a:schemeClr val="accent2"/>
-          </a:lnRef>
-          <a:fillRef idx="2">
-            <a:schemeClr val="accent2"/>
-          </a:fillRef>
-          <a:effectRef idx="1">
-            <a:schemeClr val="accent2"/>
-          </a:effectRef>
-          <a:fontRef idx="minor">
-            <a:schemeClr val="dk1"/>
-          </a:fontRef>
-        </p:style>
-      </p:cxnSp>
-      <p:sp>
-        <p:nvSpPr>
-          <p:cNvPr id="95" name="TextBox 94">
-            <a:extLst>
-              <a:ext uri="{FF2B5EF4-FFF2-40B4-BE49-F238E27FC236}">
-                <a16:creationId xmlns:a16="http://schemas.microsoft.com/office/drawing/2014/main" id="{75F8ADAE-F7C9-4C0F-B3FB-EB9092574212}"/>
-              </a:ext>
-            </a:extLst>
-          </p:cNvPr>
-          <p:cNvSpPr txBox="1"/>
-          <p:nvPr/>
-        </p:nvSpPr>
-        <p:spPr>
-          <a:xfrm>
-            <a:off x="6424247" y="3514868"/>
-            <a:ext cx="189257" cy="178683"/>
-          </a:xfrm>
-          <a:prstGeom prst="rect">
-            <a:avLst/>
-          </a:prstGeom>
-          <a:noFill/>
-        </p:spPr>
-        <p:txBody>
-          <a:bodyPr wrap="square" lIns="0" tIns="0" rIns="0" bIns="0" rtlCol="0">
-            <a:noAutofit/>
-          </a:bodyPr>
-          <a:lstStyle/>
-          <a:p>
-            <a:pPr algn="ctr"/>
-            <a:r>
-              <a:rPr lang="en-US" sz="1100" dirty="0">
-                <a:solidFill>
-                  <a:srgbClr val="7030A0"/>
-                </a:solidFill>
-              </a:rPr>
-              <a:t>*</a:t>
-            </a:r>
-            <a:endParaRPr lang="en-SG" sz="1100" dirty="0">
-              <a:solidFill>
-                <a:srgbClr val="7030A0"/>
-              </a:solidFill>
-            </a:endParaRPr>
-          </a:p>
-        </p:txBody>
-      </p:sp>
-      <p:sp>
-        <p:nvSpPr>
-          <p:cNvPr id="98" name="Flowchart: Decision 96">
-            <a:extLst>
-              <a:ext uri="{FF2B5EF4-FFF2-40B4-BE49-F238E27FC236}">
-                <a16:creationId xmlns:a16="http://schemas.microsoft.com/office/drawing/2014/main" id="{548D5B5B-7E6B-4554-B097-1257A5B3047A}"/>
-              </a:ext>
-            </a:extLst>
-          </p:cNvPr>
-          <p:cNvSpPr/>
-          <p:nvPr/>
-        </p:nvSpPr>
-        <p:spPr>
-          <a:xfrm rot="5400000">
-            <a:off x="6890172" y="5019642"/>
-            <a:ext cx="236048" cy="173380"/>
-          </a:xfrm>
-          <a:prstGeom prst="flowChartDecision">
-            <a:avLst/>
-          </a:prstGeom>
-          <a:noFill/>
-          <a:ln w="19050">
-            <a:solidFill>
-              <a:srgbClr val="7030A0"/>
-            </a:solidFill>
-          </a:ln>
-          <a:effectLst/>
-        </p:spPr>
-        <p:style>
-          <a:lnRef idx="1">
-            <a:schemeClr val="accent6"/>
-          </a:lnRef>
-          <a:fillRef idx="2">
-            <a:schemeClr val="accent6"/>
-          </a:fillRef>
-          <a:effectRef idx="1">
-            <a:schemeClr val="accent6"/>
-          </a:effectRef>
-          <a:fontRef idx="minor">
-            <a:schemeClr val="dk1"/>
-          </a:fontRef>
-        </p:style>
-        <p:txBody>
-          <a:bodyPr rtlCol="0" anchor="ctr"/>
-          <a:lstStyle/>
-          <a:p>
-            <a:pPr algn="ctr"/>
-            <a:endParaRPr lang="en-US" sz="1050"/>
-          </a:p>
-        </p:txBody>
-      </p:sp>
-      <p:cxnSp>
-        <p:nvCxnSpPr>
-          <p:cNvPr id="101" name="Elbow Connector 78">
-            <a:extLst>
-              <a:ext uri="{FF2B5EF4-FFF2-40B4-BE49-F238E27FC236}">
-                <a16:creationId xmlns:a16="http://schemas.microsoft.com/office/drawing/2014/main" id="{92FC962C-E31B-48C5-82FF-CCA0F73AD848}"/>
-              </a:ext>
-            </a:extLst>
-          </p:cNvPr>
-          <p:cNvCxnSpPr>
-            <a:cxnSpLocks/>
-            <a:stCxn id="98" idx="1"/>
-            <a:endCxn id="91" idx="2"/>
-          </p:cNvCxnSpPr>
-          <p:nvPr/>
-        </p:nvCxnSpPr>
-        <p:spPr>
-          <a:xfrm rot="16200000" flipV="1">
-            <a:off x="6334855" y="4314967"/>
-            <a:ext cx="948788" cy="397894"/>
-          </a:xfrm>
-          <a:prstGeom prst="bentConnector3">
-            <a:avLst>
-              <a:gd name="adj1" fmla="val 50000"/>
-            </a:avLst>
-          </a:prstGeom>
-          <a:ln w="19050">
-            <a:solidFill>
-              <a:srgbClr val="7030A0"/>
-            </a:solidFill>
-            <a:headEnd type="none" w="med" len="med"/>
-            <a:tailEnd type="arrow" w="med" len="med"/>
-          </a:ln>
-          <a:effectLst/>
-        </p:spPr>
-        <p:style>
-          <a:lnRef idx="1">
-            <a:schemeClr val="accent2"/>
-          </a:lnRef>
-          <a:fillRef idx="2">
-            <a:schemeClr val="accent2"/>
-          </a:fillRef>
-          <a:effectRef idx="1">
-            <a:schemeClr val="accent2"/>
-          </a:effectRef>
-          <a:fontRef idx="minor">
-            <a:schemeClr val="dk1"/>
-          </a:fontRef>
-        </p:style>
-      </p:cxnSp>
-      <p:sp>
-        <p:nvSpPr>
-          <p:cNvPr id="103" name="TextBox 102">
-            <a:extLst>
-              <a:ext uri="{FF2B5EF4-FFF2-40B4-BE49-F238E27FC236}">
-                <a16:creationId xmlns:a16="http://schemas.microsoft.com/office/drawing/2014/main" id="{6C912A27-D464-4855-8A04-3E1BD339DE7C}"/>
-              </a:ext>
-            </a:extLst>
-          </p:cNvPr>
-          <p:cNvSpPr txBox="1"/>
-          <p:nvPr/>
-        </p:nvSpPr>
-        <p:spPr>
-          <a:xfrm>
-            <a:off x="6415288" y="4117387"/>
-            <a:ext cx="189257" cy="178683"/>
-          </a:xfrm>
-          <a:prstGeom prst="rect">
-            <a:avLst/>
-          </a:prstGeom>
-          <a:noFill/>
-        </p:spPr>
-        <p:txBody>
-          <a:bodyPr wrap="square" lIns="0" tIns="0" rIns="0" bIns="0" rtlCol="0">
-            <a:noAutofit/>
-          </a:bodyPr>
-          <a:lstStyle/>
-          <a:p>
-            <a:pPr algn="ctr"/>
-            <a:r>
-              <a:rPr lang="en-US" sz="1100" dirty="0">
-                <a:solidFill>
-                  <a:srgbClr val="7030A0"/>
-                </a:solidFill>
-              </a:rPr>
-              <a:t>*</a:t>
-            </a:r>
-            <a:endParaRPr lang="en-SG" sz="1100" dirty="0">
-              <a:solidFill>
-                <a:srgbClr val="7030A0"/>
-              </a:solidFill>
-            </a:endParaRPr>
-          </a:p>
-        </p:txBody>
-      </p:sp>
-      <p:sp>
-        <p:nvSpPr>
-          <p:cNvPr id="116" name="TextBox 115">
-            <a:extLst>
-              <a:ext uri="{FF2B5EF4-FFF2-40B4-BE49-F238E27FC236}">
-                <a16:creationId xmlns:a16="http://schemas.microsoft.com/office/drawing/2014/main" id="{2D180421-4214-4DCF-886F-A6D01C00223F}"/>
-              </a:ext>
-            </a:extLst>
-          </p:cNvPr>
-          <p:cNvSpPr txBox="1"/>
-          <p:nvPr/>
-        </p:nvSpPr>
-        <p:spPr>
-          <a:xfrm>
-            <a:off x="6687455" y="1501981"/>
-            <a:ext cx="189257" cy="178683"/>
-          </a:xfrm>
-          <a:prstGeom prst="rect">
-            <a:avLst/>
-          </a:prstGeom>
-          <a:noFill/>
-        </p:spPr>
-        <p:txBody>
-          <a:bodyPr wrap="square" lIns="0" tIns="0" rIns="0" bIns="0" rtlCol="0">
-            <a:noAutofit/>
-          </a:bodyPr>
-          <a:lstStyle/>
-          <a:p>
-            <a:pPr algn="ctr"/>
-            <a:r>
-              <a:rPr lang="en-US" sz="1100" dirty="0">
-                <a:solidFill>
-                  <a:srgbClr val="7030A0"/>
-                </a:solidFill>
-              </a:rPr>
-              <a:t>1</a:t>
-            </a:r>
-            <a:endParaRPr lang="en-SG" sz="1100" dirty="0">
-              <a:solidFill>
-                <a:srgbClr val="7030A0"/>
-              </a:solidFill>
-            </a:endParaRPr>
-          </a:p>
-        </p:txBody>
-      </p:sp>
-      <p:cxnSp>
-        <p:nvCxnSpPr>
-          <p:cNvPr id="102" name="Connector: Elbow 101">
-            <a:extLst>
-              <a:ext uri="{FF2B5EF4-FFF2-40B4-BE49-F238E27FC236}">
-                <a16:creationId xmlns:a16="http://schemas.microsoft.com/office/drawing/2014/main" id="{96FC0670-ED5C-41B5-8019-A4E92C2F2053}"/>
-              </a:ext>
-            </a:extLst>
-          </p:cNvPr>
-          <p:cNvCxnSpPr>
-            <a:cxnSpLocks/>
-            <a:endCxn id="89" idx="1"/>
-          </p:cNvCxnSpPr>
-          <p:nvPr/>
-        </p:nvCxnSpPr>
-        <p:spPr>
-          <a:xfrm rot="16200000" flipH="1">
-            <a:off x="4168404" y="3372506"/>
-            <a:ext cx="800482" cy="251299"/>
-          </a:xfrm>
-          <a:prstGeom prst="bentConnector2">
-            <a:avLst/>
-          </a:prstGeom>
-          <a:ln w="19050">
-            <a:tailEnd type="triangle"/>
-          </a:ln>
-        </p:spPr>
-        <p:style>
-          <a:lnRef idx="1">
-            <a:schemeClr val="accent4"/>
+            <a:schemeClr val="accent1"/>
           </a:lnRef>
           <a:fillRef idx="0">
-            <a:schemeClr val="accent4"/>
+            <a:schemeClr val="accent1"/>
           </a:fillRef>
           <a:effectRef idx="0">
-            <a:schemeClr val="accent4"/>
+            <a:schemeClr val="accent1"/>
           </a:effectRef>
           <a:fontRef idx="minor">
             <a:schemeClr val="tx1"/>
